--- a/Presentation.pptx
+++ b/Presentation.pptx
@@ -5,24 +5,25 @@
     <p:sldMasterId id="2147483648" r:id="rId1"/>
   </p:sldMasterIdLst>
   <p:notesMasterIdLst>
-    <p:notesMasterId r:id="rId17"/>
+    <p:notesMasterId r:id="rId18"/>
   </p:notesMasterIdLst>
   <p:sldIdLst>
     <p:sldId id="256" r:id="rId2"/>
     <p:sldId id="262" r:id="rId3"/>
     <p:sldId id="265" r:id="rId4"/>
     <p:sldId id="260" r:id="rId5"/>
-    <p:sldId id="266" r:id="rId6"/>
-    <p:sldId id="270" r:id="rId7"/>
-    <p:sldId id="257" r:id="rId8"/>
-    <p:sldId id="267" r:id="rId9"/>
-    <p:sldId id="258" r:id="rId10"/>
+    <p:sldId id="267" r:id="rId6"/>
+    <p:sldId id="258" r:id="rId7"/>
+    <p:sldId id="266" r:id="rId8"/>
+    <p:sldId id="257" r:id="rId9"/>
+    <p:sldId id="270" r:id="rId10"/>
     <p:sldId id="261" r:id="rId11"/>
     <p:sldId id="259" r:id="rId12"/>
     <p:sldId id="264" r:id="rId13"/>
-    <p:sldId id="263" r:id="rId14"/>
-    <p:sldId id="268" r:id="rId15"/>
+    <p:sldId id="268" r:id="rId14"/>
+    <p:sldId id="263" r:id="rId15"/>
     <p:sldId id="269" r:id="rId16"/>
+    <p:sldId id="271" r:id="rId17"/>
   </p:sldIdLst>
   <p:sldSz cx="12192000" cy="6858000"/>
   <p:notesSz cx="6858000" cy="9144000"/>
@@ -211,7 +212,7 @@
           <a:p>
             <a:fld id="{BBB263FD-C177-455B-AE6A-FA2B045B2D79}" type="datetimeFigureOut">
               <a:rPr lang="ru-RU" smtClean="0"/>
-              <a:t>29.06.2015</a:t>
+              <a:t>30.06.2015</a:t>
             </a:fld>
             <a:endParaRPr lang="ru-RU"/>
           </a:p>
@@ -1455,7 +1456,7 @@
           <a:p>
             <a:fld id="{9D92CE5F-FE67-4FCE-9FEF-55BED055B1C3}" type="datetime1">
               <a:rPr lang="en-US" smtClean="0"/>
-              <a:t>6/29/2015</a:t>
+              <a:t>6/30/2015</a:t>
             </a:fld>
             <a:endParaRPr lang="en-US" dirty="0"/>
           </a:p>
@@ -1702,7 +1703,7 @@
           <a:p>
             <a:fld id="{19617365-F89F-46FA-B66C-1D5A472D3E89}" type="datetime1">
               <a:rPr lang="en-US" smtClean="0"/>
-              <a:t>6/29/2015</a:t>
+              <a:t>6/30/2015</a:t>
             </a:fld>
             <a:endParaRPr lang="en-US" dirty="0"/>
           </a:p>
@@ -2012,7 +2013,7 @@
           <a:p>
             <a:fld id="{BD85AC23-598F-466B-837A-AC6E05E07EBD}" type="datetime1">
               <a:rPr lang="en-US" smtClean="0"/>
-              <a:t>6/29/2015</a:t>
+              <a:t>6/30/2015</a:t>
             </a:fld>
             <a:endParaRPr lang="en-US" dirty="0"/>
           </a:p>
@@ -2335,7 +2336,7 @@
           <a:p>
             <a:fld id="{E14D6112-1736-4356-9A26-37ACBC559974}" type="datetime1">
               <a:rPr lang="en-US" smtClean="0"/>
-              <a:t>6/29/2015</a:t>
+              <a:t>6/30/2015</a:t>
             </a:fld>
             <a:endParaRPr lang="en-US" dirty="0"/>
           </a:p>
@@ -2645,7 +2646,7 @@
           <a:p>
             <a:fld id="{6DEFE684-BB0E-4AEC-A80C-6322066D33E3}" type="datetime1">
               <a:rPr lang="en-US" smtClean="0"/>
-              <a:t>6/29/2015</a:t>
+              <a:t>6/30/2015</a:t>
             </a:fld>
             <a:endParaRPr lang="en-US" dirty="0"/>
           </a:p>
@@ -3028,7 +3029,7 @@
           <a:p>
             <a:fld id="{6412E04B-14EF-4676-BC4B-5FC58E80084F}" type="datetime1">
               <a:rPr lang="en-US" smtClean="0"/>
-              <a:t>6/29/2015</a:t>
+              <a:t>6/30/2015</a:t>
             </a:fld>
             <a:endParaRPr lang="en-US" dirty="0"/>
           </a:p>
@@ -3194,7 +3195,7 @@
           <a:p>
             <a:fld id="{0DC5D9A8-1C10-48BF-AC9D-EA658C6BDB12}" type="datetime1">
               <a:rPr lang="en-US" smtClean="0"/>
-              <a:t>6/29/2015</a:t>
+              <a:t>6/30/2015</a:t>
             </a:fld>
             <a:endParaRPr lang="en-US" dirty="0"/>
           </a:p>
@@ -3369,7 +3370,7 @@
           <a:p>
             <a:fld id="{DEBB75F5-F2A3-43E7-A8C3-D91D6EA1288B}" type="datetime1">
               <a:rPr lang="en-US" smtClean="0"/>
-              <a:t>6/29/2015</a:t>
+              <a:t>6/30/2015</a:t>
             </a:fld>
             <a:endParaRPr lang="en-US" dirty="0"/>
           </a:p>
@@ -3541,7 +3542,7 @@
           <a:p>
             <a:fld id="{9CAF16FC-6547-4DA8-9622-73EDEF7EF1CB}" type="datetime1">
               <a:rPr lang="en-US" smtClean="0"/>
-              <a:t>6/29/2015</a:t>
+              <a:t>6/30/2015</a:t>
             </a:fld>
             <a:endParaRPr lang="en-US" dirty="0"/>
           </a:p>
@@ -3784,7 +3785,7 @@
           <a:p>
             <a:fld id="{2E0121FB-DACF-4B56-819C-77F73E0027DB}" type="datetime1">
               <a:rPr lang="en-US" smtClean="0"/>
-              <a:t>6/29/2015</a:t>
+              <a:t>6/30/2015</a:t>
             </a:fld>
             <a:endParaRPr lang="en-US" dirty="0"/>
           </a:p>
@@ -4012,7 +4013,7 @@
           <a:p>
             <a:fld id="{57003C1A-F986-44DF-BA98-089B1C7EE339}" type="datetime1">
               <a:rPr lang="en-US" smtClean="0"/>
-              <a:t>6/29/2015</a:t>
+              <a:t>6/30/2015</a:t>
             </a:fld>
             <a:endParaRPr lang="en-US" dirty="0"/>
           </a:p>
@@ -4381,7 +4382,7 @@
           <a:p>
             <a:fld id="{A5BE57BE-2F32-47B5-B6B5-1B971F4E6955}" type="datetime1">
               <a:rPr lang="en-US" smtClean="0"/>
-              <a:t>6/29/2015</a:t>
+              <a:t>6/30/2015</a:t>
             </a:fld>
             <a:endParaRPr lang="en-US" dirty="0"/>
           </a:p>
@@ -4500,7 +4501,7 @@
           <a:p>
             <a:fld id="{F9B65CFB-E320-4453-A53D-A2B57DF04655}" type="datetime1">
               <a:rPr lang="en-US" smtClean="0"/>
-              <a:t>6/29/2015</a:t>
+              <a:t>6/30/2015</a:t>
             </a:fld>
             <a:endParaRPr lang="en-US" dirty="0"/>
           </a:p>
@@ -4591,7 +4592,7 @@
           <a:p>
             <a:fld id="{F5D758D3-953F-4ED2-A4BE-60983E2FAD6F}" type="datetime1">
               <a:rPr lang="en-US" smtClean="0"/>
-              <a:t>6/29/2015</a:t>
+              <a:t>6/30/2015</a:t>
             </a:fld>
             <a:endParaRPr lang="en-US" dirty="0"/>
           </a:p>
@@ -4842,7 +4843,7 @@
           <a:p>
             <a:fld id="{EE5357AD-CFEA-414B-BE84-F031DD78955F}" type="datetime1">
               <a:rPr lang="en-US" smtClean="0"/>
-              <a:t>6/29/2015</a:t>
+              <a:t>6/30/2015</a:t>
             </a:fld>
             <a:endParaRPr lang="en-US" dirty="0"/>
           </a:p>
@@ -5100,7 +5101,7 @@
           <a:p>
             <a:fld id="{27D5D956-A80F-40D9-ADC6-63305397EB08}" type="datetime1">
               <a:rPr lang="en-US" smtClean="0"/>
-              <a:t>6/29/2015</a:t>
+              <a:t>6/30/2015</a:t>
             </a:fld>
             <a:endParaRPr lang="en-US" dirty="0"/>
           </a:p>
@@ -5841,7 +5842,7 @@
           <a:p>
             <a:fld id="{4E3467E5-E37D-4BF7-A555-9035E35FC2ED}" type="datetime1">
               <a:rPr lang="en-US" smtClean="0"/>
-              <a:t>6/29/2015</a:t>
+              <a:t>6/30/2015</a:t>
             </a:fld>
             <a:endParaRPr lang="en-US" dirty="0"/>
           </a:p>
@@ -7551,8 +7552,28 @@
                     </a:srgbClr>
                   </a:outerShdw>
                 </a:effectLst>
-              </a:rPr>
-              <a:t>http://www.moqthis.com/</a:t>
+                <a:hlinkClick r:id="rId2"/>
+              </a:rPr>
+              <a:t>http://www.moqthis.com</a:t>
+            </a:r>
+            <a:r>
+              <a:rPr lang="en-US" dirty="0" smtClean="0">
+                <a:solidFill>
+                  <a:schemeClr val="accent1">
+                    <a:lumMod val="60000"/>
+                    <a:lumOff val="40000"/>
+                  </a:schemeClr>
+                </a:solidFill>
+                <a:effectLst>
+                  <a:outerShdw blurRad="38100" dist="38100" dir="2700000" algn="tl">
+                    <a:srgbClr val="000000">
+                      <a:alpha val="43137"/>
+                    </a:srgbClr>
+                  </a:outerShdw>
+                </a:effectLst>
+                <a:hlinkClick r:id="rId2"/>
+              </a:rPr>
+              <a:t>/</a:t>
             </a:r>
             <a:endParaRPr lang="ru-RU" dirty="0">
               <a:solidFill>
@@ -7675,8 +7696,28 @@
                     </a:srgbClr>
                   </a:outerShdw>
                 </a:effectLst>
-              </a:rPr>
-              <a:t>http://nsubstitute.github.io/</a:t>
+                <a:hlinkClick r:id="rId3"/>
+              </a:rPr>
+              <a:t>http://nsubstitute.github.io</a:t>
+            </a:r>
+            <a:r>
+              <a:rPr lang="en-US" dirty="0" smtClean="0">
+                <a:solidFill>
+                  <a:schemeClr val="accent1">
+                    <a:lumMod val="60000"/>
+                    <a:lumOff val="40000"/>
+                  </a:schemeClr>
+                </a:solidFill>
+                <a:effectLst>
+                  <a:outerShdw blurRad="38100" dist="38100" dir="2700000" algn="tl">
+                    <a:srgbClr val="000000">
+                      <a:alpha val="43137"/>
+                    </a:srgbClr>
+                  </a:outerShdw>
+                </a:effectLst>
+                <a:hlinkClick r:id="rId3"/>
+              </a:rPr>
+              <a:t>/</a:t>
             </a:r>
             <a:endParaRPr lang="ru-RU" dirty="0">
               <a:solidFill>
@@ -7855,8 +7896,28 @@
                     </a:srgbClr>
                   </a:outerShdw>
                 </a:effectLst>
-              </a:rPr>
-              <a:t>http://fakeiteasy.github.io/</a:t>
+                <a:hlinkClick r:id="rId4"/>
+              </a:rPr>
+              <a:t>http://fakeiteasy.github.io</a:t>
+            </a:r>
+            <a:r>
+              <a:rPr lang="en-US" dirty="0" smtClean="0">
+                <a:solidFill>
+                  <a:schemeClr val="accent1">
+                    <a:lumMod val="60000"/>
+                    <a:lumOff val="40000"/>
+                  </a:schemeClr>
+                </a:solidFill>
+                <a:effectLst>
+                  <a:outerShdw blurRad="38100" dist="38100" dir="2700000" algn="tl">
+                    <a:srgbClr val="000000">
+                      <a:alpha val="43137"/>
+                    </a:srgbClr>
+                  </a:outerShdw>
+                </a:effectLst>
+                <a:hlinkClick r:id="rId4"/>
+              </a:rPr>
+              <a:t>/</a:t>
             </a:r>
             <a:endParaRPr lang="ru-RU" dirty="0">
               <a:solidFill>
@@ -7979,8 +8040,28 @@
                     </a:srgbClr>
                   </a:outerShdw>
                 </a:effectLst>
-              </a:rPr>
-              <a:t>http://www.hibernatingrhinos.com/oss/rhino-mocks</a:t>
+                <a:hlinkClick r:id="rId5"/>
+              </a:rPr>
+              <a:t>http://</a:t>
+            </a:r>
+            <a:r>
+              <a:rPr lang="en-US" dirty="0" smtClean="0">
+                <a:solidFill>
+                  <a:schemeClr val="accent1">
+                    <a:lumMod val="60000"/>
+                    <a:lumOff val="40000"/>
+                  </a:schemeClr>
+                </a:solidFill>
+                <a:effectLst>
+                  <a:outerShdw blurRad="38100" dist="38100" dir="2700000" algn="tl">
+                    <a:srgbClr val="000000">
+                      <a:alpha val="43137"/>
+                    </a:srgbClr>
+                  </a:outerShdw>
+                </a:effectLst>
+                <a:hlinkClick r:id="rId5"/>
+              </a:rPr>
+              <a:t>www.hibernatingrhinos.com/oss/rhino-mocks</a:t>
             </a:r>
             <a:endParaRPr lang="ru-RU" dirty="0">
               <a:solidFill>
@@ -8634,7 +8715,23 @@
                   </a:outerShdw>
                 </a:effectLst>
               </a:rPr>
-              <a:t>Continuous Integration</a:t>
+              <a:t>Test</a:t>
+            </a:r>
+            <a:r>
+              <a:rPr lang="en-US" dirty="0" smtClean="0"/>
+              <a:t> </a:t>
+            </a:r>
+            <a:r>
+              <a:rPr lang="en-US" dirty="0" smtClean="0">
+                <a:effectLst>
+                  <a:outerShdw blurRad="38100" dist="38100" dir="2700000" algn="tl">
+                    <a:srgbClr val="000000">
+                      <a:alpha val="43137"/>
+                    </a:srgbClr>
+                  </a:outerShdw>
+                </a:effectLst>
+              </a:rPr>
+              <a:t>coverage</a:t>
             </a:r>
             <a:endParaRPr lang="ru-RU" dirty="0">
               <a:effectLst>
@@ -8657,7 +8754,7 @@
         <p:spPr>
           <a:xfrm>
             <a:off x="1366614" y="2129379"/>
-            <a:ext cx="6654386" cy="954107"/>
+            <a:ext cx="6298519" cy="523220"/>
           </a:xfrm>
           <a:prstGeom prst="rect">
             <a:avLst/>
@@ -8693,34 +8790,7 @@
                 <a:ea typeface="+mj-ea"/>
                 <a:cs typeface="+mj-cs"/>
               </a:rPr>
-              <a:t>CI servers automate tests execution and</a:t>
-            </a:r>
-          </a:p>
-          <a:p>
-            <a:pPr>
-              <a:spcBef>
-                <a:spcPct val="0"/>
-              </a:spcBef>
-            </a:pPr>
-            <a:r>
-              <a:rPr lang="en-US" sz="2800" dirty="0" smtClean="0">
-                <a:solidFill>
-                  <a:schemeClr val="tx2">
-                    <a:lumMod val="90000"/>
-                  </a:schemeClr>
-                </a:solidFill>
-                <a:effectLst>
-                  <a:outerShdw blurRad="38100" dist="38100" dir="2700000" algn="tl">
-                    <a:srgbClr val="000000">
-                      <a:alpha val="43137"/>
-                    </a:srgbClr>
-                  </a:outerShdw>
-                </a:effectLst>
-                <a:latin typeface="+mj-lt"/>
-                <a:ea typeface="+mj-ea"/>
-                <a:cs typeface="+mj-cs"/>
-              </a:rPr>
-              <a:t>notify developers about failures.</a:t>
+              <a:t>Shows what code is executed in tests.</a:t>
             </a:r>
             <a:endParaRPr lang="ru-RU" sz="2800" dirty="0">
               <a:solidFill>
@@ -8750,8 +8820,8 @@
         </p:nvSpPr>
         <p:spPr>
           <a:xfrm>
-            <a:off x="1366614" y="3849515"/>
-            <a:ext cx="6010876" cy="461665"/>
+            <a:off x="1366614" y="3126157"/>
+            <a:ext cx="2408801" cy="523220"/>
           </a:xfrm>
           <a:prstGeom prst="rect">
             <a:avLst/>
@@ -8770,7 +8840,7 @@
               </a:spcBef>
             </a:pPr>
             <a:r>
-              <a:rPr lang="en-US" sz="2400" dirty="0" smtClean="0">
+              <a:rPr lang="en-US" sz="2800" dirty="0" smtClean="0">
                 <a:solidFill>
                   <a:schemeClr val="tx2">
                     <a:lumMod val="90000"/>
@@ -8787,29 +8857,9 @@
                 <a:ea typeface="+mj-ea"/>
                 <a:cs typeface="+mj-cs"/>
               </a:rPr>
-              <a:t>Demo on </a:t>
-            </a:r>
-            <a:r>
-              <a:rPr lang="en-US" sz="2400" dirty="0">
-                <a:solidFill>
-                  <a:schemeClr val="tx2">
-                    <a:lumMod val="90000"/>
-                  </a:schemeClr>
-                </a:solidFill>
-                <a:effectLst>
-                  <a:outerShdw blurRad="38100" dist="38100" dir="2700000" algn="tl">
-                    <a:srgbClr val="000000">
-                      <a:alpha val="43137"/>
-                    </a:srgbClr>
-                  </a:outerShdw>
-                </a:effectLst>
-                <a:latin typeface="+mj-lt"/>
-                <a:ea typeface="+mj-ea"/>
-                <a:cs typeface="+mj-cs"/>
-              </a:rPr>
-              <a:t>https://teamcity.jetbrains.com/</a:t>
-            </a:r>
-            <a:endParaRPr lang="ru-RU" sz="2400" dirty="0">
+              <a:t>Popular tools:</a:t>
+            </a:r>
+            <a:endParaRPr lang="ru-RU" sz="2800" dirty="0">
               <a:solidFill>
                 <a:schemeClr val="tx2">
                   <a:lumMod val="90000"/>
@@ -8831,7 +8881,301 @@
       </p:sp>
       <p:sp>
         <p:nvSpPr>
-          <p:cNvPr id="3" name="Номер слайда 2"/>
+          <p:cNvPr id="7" name="TextBox 6"/>
+          <p:cNvSpPr txBox="1"/>
+          <p:nvPr/>
+        </p:nvSpPr>
+        <p:spPr>
+          <a:xfrm>
+            <a:off x="1366614" y="3649377"/>
+            <a:ext cx="5502853" cy="2169825"/>
+          </a:xfrm>
+          <a:prstGeom prst="rect">
+            <a:avLst/>
+          </a:prstGeom>
+          <a:noFill/>
+        </p:spPr>
+        <p:txBody>
+          <a:bodyPr wrap="none" rtlCol="0">
+            <a:spAutoFit/>
+          </a:bodyPr>
+          <a:lstStyle/>
+          <a:p>
+            <a:pPr indent="-285750">
+              <a:lnSpc>
+                <a:spcPct val="150000"/>
+              </a:lnSpc>
+              <a:spcBef>
+                <a:spcPct val="0"/>
+              </a:spcBef>
+              <a:buFont typeface="Arial" panose="020B0604020202020204" pitchFamily="34" charset="0"/>
+              <a:buChar char="•"/>
+            </a:pPr>
+            <a:r>
+              <a:rPr lang="en-US" dirty="0" err="1" smtClean="0">
+                <a:solidFill>
+                  <a:schemeClr val="tx2">
+                    <a:lumMod val="90000"/>
+                  </a:schemeClr>
+                </a:solidFill>
+                <a:effectLst>
+                  <a:outerShdw blurRad="38100" dist="38100" dir="2700000" algn="tl">
+                    <a:srgbClr val="000000">
+                      <a:alpha val="43137"/>
+                    </a:srgbClr>
+                  </a:outerShdw>
+                </a:effectLst>
+                <a:latin typeface="+mj-lt"/>
+                <a:ea typeface="+mj-ea"/>
+                <a:cs typeface="+mj-cs"/>
+              </a:rPr>
+              <a:t>JetBrains</a:t>
+            </a:r>
+            <a:r>
+              <a:rPr lang="en-US" dirty="0" smtClean="0">
+                <a:solidFill>
+                  <a:schemeClr val="tx2">
+                    <a:lumMod val="90000"/>
+                  </a:schemeClr>
+                </a:solidFill>
+                <a:effectLst>
+                  <a:outerShdw blurRad="38100" dist="38100" dir="2700000" algn="tl">
+                    <a:srgbClr val="000000">
+                      <a:alpha val="43137"/>
+                    </a:srgbClr>
+                  </a:outerShdw>
+                </a:effectLst>
+                <a:latin typeface="+mj-lt"/>
+                <a:ea typeface="+mj-ea"/>
+                <a:cs typeface="+mj-cs"/>
+              </a:rPr>
+              <a:t> </a:t>
+            </a:r>
+            <a:r>
+              <a:rPr lang="en-US" dirty="0" err="1" smtClean="0">
+                <a:solidFill>
+                  <a:schemeClr val="tx2">
+                    <a:lumMod val="90000"/>
+                  </a:schemeClr>
+                </a:solidFill>
+                <a:effectLst>
+                  <a:outerShdw blurRad="38100" dist="38100" dir="2700000" algn="tl">
+                    <a:srgbClr val="000000">
+                      <a:alpha val="43137"/>
+                    </a:srgbClr>
+                  </a:outerShdw>
+                </a:effectLst>
+                <a:latin typeface="+mj-lt"/>
+                <a:ea typeface="+mj-ea"/>
+                <a:cs typeface="+mj-cs"/>
+              </a:rPr>
+              <a:t>dotCover</a:t>
+            </a:r>
+            <a:endParaRPr lang="en-US" dirty="0" smtClean="0">
+              <a:solidFill>
+                <a:schemeClr val="tx2">
+                  <a:lumMod val="90000"/>
+                </a:schemeClr>
+              </a:solidFill>
+              <a:effectLst>
+                <a:outerShdw blurRad="38100" dist="38100" dir="2700000" algn="tl">
+                  <a:srgbClr val="000000">
+                    <a:alpha val="43137"/>
+                  </a:srgbClr>
+                </a:outerShdw>
+              </a:effectLst>
+              <a:latin typeface="+mj-lt"/>
+              <a:ea typeface="+mj-ea"/>
+              <a:cs typeface="+mj-cs"/>
+            </a:endParaRPr>
+          </a:p>
+          <a:p>
+            <a:pPr indent="-285750">
+              <a:lnSpc>
+                <a:spcPct val="150000"/>
+              </a:lnSpc>
+              <a:spcBef>
+                <a:spcPct val="0"/>
+              </a:spcBef>
+              <a:buFont typeface="Arial" panose="020B0604020202020204" pitchFamily="34" charset="0"/>
+              <a:buChar char="•"/>
+            </a:pPr>
+            <a:r>
+              <a:rPr lang="en-US" dirty="0" smtClean="0">
+                <a:solidFill>
+                  <a:schemeClr val="tx2">
+                    <a:lumMod val="90000"/>
+                  </a:schemeClr>
+                </a:solidFill>
+                <a:effectLst>
+                  <a:outerShdw blurRad="38100" dist="38100" dir="2700000" algn="tl">
+                    <a:srgbClr val="000000">
+                      <a:alpha val="43137"/>
+                    </a:srgbClr>
+                  </a:outerShdw>
+                </a:effectLst>
+                <a:latin typeface="+mj-lt"/>
+                <a:ea typeface="+mj-ea"/>
+                <a:cs typeface="+mj-cs"/>
+              </a:rPr>
+              <a:t>Built-in tool in Visual Studio Premium / Ultimate</a:t>
+            </a:r>
+          </a:p>
+          <a:p>
+            <a:pPr indent="-285750">
+              <a:lnSpc>
+                <a:spcPct val="150000"/>
+              </a:lnSpc>
+              <a:spcBef>
+                <a:spcPct val="0"/>
+              </a:spcBef>
+              <a:buFont typeface="Arial" panose="020B0604020202020204" pitchFamily="34" charset="0"/>
+              <a:buChar char="•"/>
+            </a:pPr>
+            <a:r>
+              <a:rPr lang="en-US" dirty="0" err="1" smtClean="0">
+                <a:solidFill>
+                  <a:schemeClr val="tx2">
+                    <a:lumMod val="90000"/>
+                  </a:schemeClr>
+                </a:solidFill>
+                <a:effectLst>
+                  <a:outerShdw blurRad="38100" dist="38100" dir="2700000" algn="tl">
+                    <a:srgbClr val="000000">
+                      <a:alpha val="43137"/>
+                    </a:srgbClr>
+                  </a:outerShdw>
+                </a:effectLst>
+                <a:latin typeface="+mj-lt"/>
+                <a:ea typeface="+mj-ea"/>
+                <a:cs typeface="+mj-cs"/>
+              </a:rPr>
+              <a:t>NCover</a:t>
+            </a:r>
+            <a:endParaRPr lang="en-US" dirty="0" smtClean="0">
+              <a:solidFill>
+                <a:schemeClr val="tx2">
+                  <a:lumMod val="90000"/>
+                </a:schemeClr>
+              </a:solidFill>
+              <a:effectLst>
+                <a:outerShdw blurRad="38100" dist="38100" dir="2700000" algn="tl">
+                  <a:srgbClr val="000000">
+                    <a:alpha val="43137"/>
+                  </a:srgbClr>
+                </a:outerShdw>
+              </a:effectLst>
+              <a:latin typeface="+mj-lt"/>
+              <a:ea typeface="+mj-ea"/>
+              <a:cs typeface="+mj-cs"/>
+            </a:endParaRPr>
+          </a:p>
+          <a:p>
+            <a:pPr indent="-285750">
+              <a:lnSpc>
+                <a:spcPct val="150000"/>
+              </a:lnSpc>
+              <a:spcBef>
+                <a:spcPct val="0"/>
+              </a:spcBef>
+              <a:buFont typeface="Arial" panose="020B0604020202020204" pitchFamily="34" charset="0"/>
+              <a:buChar char="•"/>
+            </a:pPr>
+            <a:r>
+              <a:rPr lang="en-US" dirty="0" err="1" smtClean="0">
+                <a:solidFill>
+                  <a:schemeClr val="tx2">
+                    <a:lumMod val="90000"/>
+                  </a:schemeClr>
+                </a:solidFill>
+                <a:effectLst>
+                  <a:outerShdw blurRad="38100" dist="38100" dir="2700000" algn="tl">
+                    <a:srgbClr val="000000">
+                      <a:alpha val="43137"/>
+                    </a:srgbClr>
+                  </a:outerShdw>
+                </a:effectLst>
+                <a:latin typeface="+mj-lt"/>
+                <a:ea typeface="+mj-ea"/>
+                <a:cs typeface="+mj-cs"/>
+              </a:rPr>
+              <a:t>OpenCover</a:t>
+            </a:r>
+            <a:r>
+              <a:rPr lang="en-US" dirty="0" smtClean="0">
+                <a:solidFill>
+                  <a:schemeClr val="tx2">
+                    <a:lumMod val="90000"/>
+                  </a:schemeClr>
+                </a:solidFill>
+                <a:effectLst>
+                  <a:outerShdw blurRad="38100" dist="38100" dir="2700000" algn="tl">
+                    <a:srgbClr val="000000">
+                      <a:alpha val="43137"/>
+                    </a:srgbClr>
+                  </a:outerShdw>
+                </a:effectLst>
+                <a:latin typeface="+mj-lt"/>
+                <a:ea typeface="+mj-ea"/>
+                <a:cs typeface="+mj-cs"/>
+              </a:rPr>
+              <a:t> (free)</a:t>
+            </a:r>
+          </a:p>
+          <a:p>
+            <a:pPr indent="-285750">
+              <a:lnSpc>
+                <a:spcPct val="150000"/>
+              </a:lnSpc>
+              <a:spcBef>
+                <a:spcPct val="0"/>
+              </a:spcBef>
+              <a:buFont typeface="Arial" panose="020B0604020202020204" pitchFamily="34" charset="0"/>
+              <a:buChar char="•"/>
+            </a:pPr>
+            <a:r>
+              <a:rPr lang="en-US" dirty="0" err="1" smtClean="0">
+                <a:solidFill>
+                  <a:schemeClr val="tx2">
+                    <a:lumMod val="90000"/>
+                  </a:schemeClr>
+                </a:solidFill>
+                <a:effectLst>
+                  <a:outerShdw blurRad="38100" dist="38100" dir="2700000" algn="tl">
+                    <a:srgbClr val="000000">
+                      <a:alpha val="43137"/>
+                    </a:srgbClr>
+                  </a:outerShdw>
+                </a:effectLst>
+                <a:latin typeface="+mj-lt"/>
+                <a:ea typeface="+mj-ea"/>
+                <a:cs typeface="+mj-cs"/>
+              </a:rPr>
+              <a:t>NCrunch</a:t>
+            </a:r>
+            <a:endParaRPr lang="en-US" dirty="0" smtClean="0">
+              <a:solidFill>
+                <a:schemeClr val="tx2">
+                  <a:lumMod val="90000"/>
+                </a:schemeClr>
+              </a:solidFill>
+              <a:effectLst>
+                <a:outerShdw blurRad="38100" dist="38100" dir="2700000" algn="tl">
+                  <a:srgbClr val="000000">
+                    <a:alpha val="43137"/>
+                  </a:srgbClr>
+                </a:outerShdw>
+              </a:effectLst>
+              <a:latin typeface="+mj-lt"/>
+              <a:ea typeface="+mj-ea"/>
+              <a:cs typeface="+mj-cs"/>
+            </a:endParaRPr>
+          </a:p>
+        </p:txBody>
+      </p:sp>
+      <p:sp>
+        <p:nvSpPr>
+          <p:cNvPr id="8" name="Номер слайда 7"/>
           <p:cNvSpPr>
             <a:spLocks noGrp="1"/>
           </p:cNvSpPr>
@@ -8856,7 +9200,7 @@
     </p:spTree>
     <p:extLst>
       <p:ext uri="{BB962C8B-B14F-4D97-AF65-F5344CB8AC3E}">
-        <p14:creationId xmlns:p14="http://schemas.microsoft.com/office/powerpoint/2010/main" val="394646091"/>
+        <p14:creationId xmlns:p14="http://schemas.microsoft.com/office/powerpoint/2010/main" val="376161176"/>
       </p:ext>
     </p:extLst>
   </p:cSld>
@@ -8915,23 +9259,7 @@
                   </a:outerShdw>
                 </a:effectLst>
               </a:rPr>
-              <a:t>Test</a:t>
-            </a:r>
-            <a:r>
-              <a:rPr lang="en-US" dirty="0" smtClean="0"/>
-              <a:t> </a:t>
-            </a:r>
-            <a:r>
-              <a:rPr lang="en-US" dirty="0" smtClean="0">
-                <a:effectLst>
-                  <a:outerShdw blurRad="38100" dist="38100" dir="2700000" algn="tl">
-                    <a:srgbClr val="000000">
-                      <a:alpha val="43137"/>
-                    </a:srgbClr>
-                  </a:outerShdw>
-                </a:effectLst>
-              </a:rPr>
-              <a:t>coverage</a:t>
+              <a:t>Continuous Integration</a:t>
             </a:r>
             <a:endParaRPr lang="ru-RU" dirty="0">
               <a:effectLst>
@@ -8954,7 +9282,7 @@
         <p:spPr>
           <a:xfrm>
             <a:off x="1366614" y="2129379"/>
-            <a:ext cx="6298519" cy="523220"/>
+            <a:ext cx="6654386" cy="954107"/>
           </a:xfrm>
           <a:prstGeom prst="rect">
             <a:avLst/>
@@ -8990,7 +9318,34 @@
                 <a:ea typeface="+mj-ea"/>
                 <a:cs typeface="+mj-cs"/>
               </a:rPr>
-              <a:t>Shows what code is executed in tests.</a:t>
+              <a:t>CI servers automate tests execution and</a:t>
+            </a:r>
+          </a:p>
+          <a:p>
+            <a:pPr>
+              <a:spcBef>
+                <a:spcPct val="0"/>
+              </a:spcBef>
+            </a:pPr>
+            <a:r>
+              <a:rPr lang="en-US" sz="2800" dirty="0" smtClean="0">
+                <a:solidFill>
+                  <a:schemeClr val="tx2">
+                    <a:lumMod val="90000"/>
+                  </a:schemeClr>
+                </a:solidFill>
+                <a:effectLst>
+                  <a:outerShdw blurRad="38100" dist="38100" dir="2700000" algn="tl">
+                    <a:srgbClr val="000000">
+                      <a:alpha val="43137"/>
+                    </a:srgbClr>
+                  </a:outerShdw>
+                </a:effectLst>
+                <a:latin typeface="+mj-lt"/>
+                <a:ea typeface="+mj-ea"/>
+                <a:cs typeface="+mj-cs"/>
+              </a:rPr>
+              <a:t>notify developers about failures.</a:t>
             </a:r>
             <a:endParaRPr lang="ru-RU" sz="2800" dirty="0">
               <a:solidFill>
@@ -9020,8 +9375,8 @@
         </p:nvSpPr>
         <p:spPr>
           <a:xfrm>
-            <a:off x="1366614" y="3126157"/>
-            <a:ext cx="2408801" cy="523220"/>
+            <a:off x="1366614" y="3849515"/>
+            <a:ext cx="6010876" cy="461665"/>
           </a:xfrm>
           <a:prstGeom prst="rect">
             <a:avLst/>
@@ -9040,7 +9395,7 @@
               </a:spcBef>
             </a:pPr>
             <a:r>
-              <a:rPr lang="en-US" sz="2800" dirty="0" smtClean="0">
+              <a:rPr lang="en-US" sz="2400" dirty="0" smtClean="0">
                 <a:solidFill>
                   <a:schemeClr val="tx2">
                     <a:lumMod val="90000"/>
@@ -9057,9 +9412,51 @@
                 <a:ea typeface="+mj-ea"/>
                 <a:cs typeface="+mj-cs"/>
               </a:rPr>
-              <a:t>Popular tools:</a:t>
-            </a:r>
-            <a:endParaRPr lang="ru-RU" sz="2800" dirty="0">
+              <a:t>Demo on </a:t>
+            </a:r>
+            <a:r>
+              <a:rPr lang="en-US" sz="2400" dirty="0">
+                <a:solidFill>
+                  <a:schemeClr val="tx2">
+                    <a:lumMod val="90000"/>
+                  </a:schemeClr>
+                </a:solidFill>
+                <a:effectLst>
+                  <a:outerShdw blurRad="38100" dist="38100" dir="2700000" algn="tl">
+                    <a:srgbClr val="000000">
+                      <a:alpha val="43137"/>
+                    </a:srgbClr>
+                  </a:outerShdw>
+                </a:effectLst>
+                <a:latin typeface="+mj-lt"/>
+                <a:ea typeface="+mj-ea"/>
+                <a:cs typeface="+mj-cs"/>
+                <a:hlinkClick r:id="rId2"/>
+              </a:rPr>
+              <a:t>https://teamcity.jetbrains.com</a:t>
+            </a:r>
+            <a:r>
+              <a:rPr lang="en-US" sz="2400" dirty="0" smtClean="0">
+                <a:solidFill>
+                  <a:schemeClr val="tx2">
+                    <a:lumMod val="90000"/>
+                  </a:schemeClr>
+                </a:solidFill>
+                <a:effectLst>
+                  <a:outerShdw blurRad="38100" dist="38100" dir="2700000" algn="tl">
+                    <a:srgbClr val="000000">
+                      <a:alpha val="43137"/>
+                    </a:srgbClr>
+                  </a:outerShdw>
+                </a:effectLst>
+                <a:latin typeface="+mj-lt"/>
+                <a:ea typeface="+mj-ea"/>
+                <a:cs typeface="+mj-cs"/>
+                <a:hlinkClick r:id="rId2"/>
+              </a:rPr>
+              <a:t>/</a:t>
+            </a:r>
+            <a:endParaRPr lang="ru-RU" sz="2400" dirty="0">
               <a:solidFill>
                 <a:schemeClr val="tx2">
                   <a:lumMod val="90000"/>
@@ -9081,301 +9478,7 @@
       </p:sp>
       <p:sp>
         <p:nvSpPr>
-          <p:cNvPr id="7" name="TextBox 6"/>
-          <p:cNvSpPr txBox="1"/>
-          <p:nvPr/>
-        </p:nvSpPr>
-        <p:spPr>
-          <a:xfrm>
-            <a:off x="1366614" y="3649377"/>
-            <a:ext cx="5502853" cy="2169825"/>
-          </a:xfrm>
-          <a:prstGeom prst="rect">
-            <a:avLst/>
-          </a:prstGeom>
-          <a:noFill/>
-        </p:spPr>
-        <p:txBody>
-          <a:bodyPr wrap="none" rtlCol="0">
-            <a:spAutoFit/>
-          </a:bodyPr>
-          <a:lstStyle/>
-          <a:p>
-            <a:pPr indent="-285750">
-              <a:lnSpc>
-                <a:spcPct val="150000"/>
-              </a:lnSpc>
-              <a:spcBef>
-                <a:spcPct val="0"/>
-              </a:spcBef>
-              <a:buFont typeface="Arial" panose="020B0604020202020204" pitchFamily="34" charset="0"/>
-              <a:buChar char="•"/>
-            </a:pPr>
-            <a:r>
-              <a:rPr lang="en-US" dirty="0" err="1" smtClean="0">
-                <a:solidFill>
-                  <a:schemeClr val="tx2">
-                    <a:lumMod val="90000"/>
-                  </a:schemeClr>
-                </a:solidFill>
-                <a:effectLst>
-                  <a:outerShdw blurRad="38100" dist="38100" dir="2700000" algn="tl">
-                    <a:srgbClr val="000000">
-                      <a:alpha val="43137"/>
-                    </a:srgbClr>
-                  </a:outerShdw>
-                </a:effectLst>
-                <a:latin typeface="+mj-lt"/>
-                <a:ea typeface="+mj-ea"/>
-                <a:cs typeface="+mj-cs"/>
-              </a:rPr>
-              <a:t>JetBrains</a:t>
-            </a:r>
-            <a:r>
-              <a:rPr lang="en-US" dirty="0" smtClean="0">
-                <a:solidFill>
-                  <a:schemeClr val="tx2">
-                    <a:lumMod val="90000"/>
-                  </a:schemeClr>
-                </a:solidFill>
-                <a:effectLst>
-                  <a:outerShdw blurRad="38100" dist="38100" dir="2700000" algn="tl">
-                    <a:srgbClr val="000000">
-                      <a:alpha val="43137"/>
-                    </a:srgbClr>
-                  </a:outerShdw>
-                </a:effectLst>
-                <a:latin typeface="+mj-lt"/>
-                <a:ea typeface="+mj-ea"/>
-                <a:cs typeface="+mj-cs"/>
-              </a:rPr>
-              <a:t> </a:t>
-            </a:r>
-            <a:r>
-              <a:rPr lang="en-US" dirty="0" err="1" smtClean="0">
-                <a:solidFill>
-                  <a:schemeClr val="tx2">
-                    <a:lumMod val="90000"/>
-                  </a:schemeClr>
-                </a:solidFill>
-                <a:effectLst>
-                  <a:outerShdw blurRad="38100" dist="38100" dir="2700000" algn="tl">
-                    <a:srgbClr val="000000">
-                      <a:alpha val="43137"/>
-                    </a:srgbClr>
-                  </a:outerShdw>
-                </a:effectLst>
-                <a:latin typeface="+mj-lt"/>
-                <a:ea typeface="+mj-ea"/>
-                <a:cs typeface="+mj-cs"/>
-              </a:rPr>
-              <a:t>dotCover</a:t>
-            </a:r>
-            <a:endParaRPr lang="en-US" dirty="0" smtClean="0">
-              <a:solidFill>
-                <a:schemeClr val="tx2">
-                  <a:lumMod val="90000"/>
-                </a:schemeClr>
-              </a:solidFill>
-              <a:effectLst>
-                <a:outerShdw blurRad="38100" dist="38100" dir="2700000" algn="tl">
-                  <a:srgbClr val="000000">
-                    <a:alpha val="43137"/>
-                  </a:srgbClr>
-                </a:outerShdw>
-              </a:effectLst>
-              <a:latin typeface="+mj-lt"/>
-              <a:ea typeface="+mj-ea"/>
-              <a:cs typeface="+mj-cs"/>
-            </a:endParaRPr>
-          </a:p>
-          <a:p>
-            <a:pPr indent="-285750">
-              <a:lnSpc>
-                <a:spcPct val="150000"/>
-              </a:lnSpc>
-              <a:spcBef>
-                <a:spcPct val="0"/>
-              </a:spcBef>
-              <a:buFont typeface="Arial" panose="020B0604020202020204" pitchFamily="34" charset="0"/>
-              <a:buChar char="•"/>
-            </a:pPr>
-            <a:r>
-              <a:rPr lang="en-US" dirty="0" smtClean="0">
-                <a:solidFill>
-                  <a:schemeClr val="tx2">
-                    <a:lumMod val="90000"/>
-                  </a:schemeClr>
-                </a:solidFill>
-                <a:effectLst>
-                  <a:outerShdw blurRad="38100" dist="38100" dir="2700000" algn="tl">
-                    <a:srgbClr val="000000">
-                      <a:alpha val="43137"/>
-                    </a:srgbClr>
-                  </a:outerShdw>
-                </a:effectLst>
-                <a:latin typeface="+mj-lt"/>
-                <a:ea typeface="+mj-ea"/>
-                <a:cs typeface="+mj-cs"/>
-              </a:rPr>
-              <a:t>Built-in tool in Visual Studio Premium / Ultimate</a:t>
-            </a:r>
-          </a:p>
-          <a:p>
-            <a:pPr indent="-285750">
-              <a:lnSpc>
-                <a:spcPct val="150000"/>
-              </a:lnSpc>
-              <a:spcBef>
-                <a:spcPct val="0"/>
-              </a:spcBef>
-              <a:buFont typeface="Arial" panose="020B0604020202020204" pitchFamily="34" charset="0"/>
-              <a:buChar char="•"/>
-            </a:pPr>
-            <a:r>
-              <a:rPr lang="en-US" dirty="0" err="1" smtClean="0">
-                <a:solidFill>
-                  <a:schemeClr val="tx2">
-                    <a:lumMod val="90000"/>
-                  </a:schemeClr>
-                </a:solidFill>
-                <a:effectLst>
-                  <a:outerShdw blurRad="38100" dist="38100" dir="2700000" algn="tl">
-                    <a:srgbClr val="000000">
-                      <a:alpha val="43137"/>
-                    </a:srgbClr>
-                  </a:outerShdw>
-                </a:effectLst>
-                <a:latin typeface="+mj-lt"/>
-                <a:ea typeface="+mj-ea"/>
-                <a:cs typeface="+mj-cs"/>
-              </a:rPr>
-              <a:t>NCover</a:t>
-            </a:r>
-            <a:endParaRPr lang="en-US" dirty="0" smtClean="0">
-              <a:solidFill>
-                <a:schemeClr val="tx2">
-                  <a:lumMod val="90000"/>
-                </a:schemeClr>
-              </a:solidFill>
-              <a:effectLst>
-                <a:outerShdw blurRad="38100" dist="38100" dir="2700000" algn="tl">
-                  <a:srgbClr val="000000">
-                    <a:alpha val="43137"/>
-                  </a:srgbClr>
-                </a:outerShdw>
-              </a:effectLst>
-              <a:latin typeface="+mj-lt"/>
-              <a:ea typeface="+mj-ea"/>
-              <a:cs typeface="+mj-cs"/>
-            </a:endParaRPr>
-          </a:p>
-          <a:p>
-            <a:pPr indent="-285750">
-              <a:lnSpc>
-                <a:spcPct val="150000"/>
-              </a:lnSpc>
-              <a:spcBef>
-                <a:spcPct val="0"/>
-              </a:spcBef>
-              <a:buFont typeface="Arial" panose="020B0604020202020204" pitchFamily="34" charset="0"/>
-              <a:buChar char="•"/>
-            </a:pPr>
-            <a:r>
-              <a:rPr lang="en-US" dirty="0" err="1" smtClean="0">
-                <a:solidFill>
-                  <a:schemeClr val="tx2">
-                    <a:lumMod val="90000"/>
-                  </a:schemeClr>
-                </a:solidFill>
-                <a:effectLst>
-                  <a:outerShdw blurRad="38100" dist="38100" dir="2700000" algn="tl">
-                    <a:srgbClr val="000000">
-                      <a:alpha val="43137"/>
-                    </a:srgbClr>
-                  </a:outerShdw>
-                </a:effectLst>
-                <a:latin typeface="+mj-lt"/>
-                <a:ea typeface="+mj-ea"/>
-                <a:cs typeface="+mj-cs"/>
-              </a:rPr>
-              <a:t>OpenCover</a:t>
-            </a:r>
-            <a:r>
-              <a:rPr lang="en-US" dirty="0" smtClean="0">
-                <a:solidFill>
-                  <a:schemeClr val="tx2">
-                    <a:lumMod val="90000"/>
-                  </a:schemeClr>
-                </a:solidFill>
-                <a:effectLst>
-                  <a:outerShdw blurRad="38100" dist="38100" dir="2700000" algn="tl">
-                    <a:srgbClr val="000000">
-                      <a:alpha val="43137"/>
-                    </a:srgbClr>
-                  </a:outerShdw>
-                </a:effectLst>
-                <a:latin typeface="+mj-lt"/>
-                <a:ea typeface="+mj-ea"/>
-                <a:cs typeface="+mj-cs"/>
-              </a:rPr>
-              <a:t> (free)</a:t>
-            </a:r>
-          </a:p>
-          <a:p>
-            <a:pPr indent="-285750">
-              <a:lnSpc>
-                <a:spcPct val="150000"/>
-              </a:lnSpc>
-              <a:spcBef>
-                <a:spcPct val="0"/>
-              </a:spcBef>
-              <a:buFont typeface="Arial" panose="020B0604020202020204" pitchFamily="34" charset="0"/>
-              <a:buChar char="•"/>
-            </a:pPr>
-            <a:r>
-              <a:rPr lang="en-US" dirty="0" err="1" smtClean="0">
-                <a:solidFill>
-                  <a:schemeClr val="tx2">
-                    <a:lumMod val="90000"/>
-                  </a:schemeClr>
-                </a:solidFill>
-                <a:effectLst>
-                  <a:outerShdw blurRad="38100" dist="38100" dir="2700000" algn="tl">
-                    <a:srgbClr val="000000">
-                      <a:alpha val="43137"/>
-                    </a:srgbClr>
-                  </a:outerShdw>
-                </a:effectLst>
-                <a:latin typeface="+mj-lt"/>
-                <a:ea typeface="+mj-ea"/>
-                <a:cs typeface="+mj-cs"/>
-              </a:rPr>
-              <a:t>NCrunch</a:t>
-            </a:r>
-            <a:endParaRPr lang="en-US" dirty="0" smtClean="0">
-              <a:solidFill>
-                <a:schemeClr val="tx2">
-                  <a:lumMod val="90000"/>
-                </a:schemeClr>
-              </a:solidFill>
-              <a:effectLst>
-                <a:outerShdw blurRad="38100" dist="38100" dir="2700000" algn="tl">
-                  <a:srgbClr val="000000">
-                    <a:alpha val="43137"/>
-                  </a:srgbClr>
-                </a:outerShdw>
-              </a:effectLst>
-              <a:latin typeface="+mj-lt"/>
-              <a:ea typeface="+mj-ea"/>
-              <a:cs typeface="+mj-cs"/>
-            </a:endParaRPr>
-          </a:p>
-        </p:txBody>
-      </p:sp>
-      <p:sp>
-        <p:nvSpPr>
-          <p:cNvPr id="8" name="Номер слайда 7"/>
+          <p:cNvPr id="3" name="Номер слайда 2"/>
           <p:cNvSpPr>
             <a:spLocks noGrp="1"/>
           </p:cNvSpPr>
@@ -9400,7 +9503,7 @@
     </p:spTree>
     <p:extLst>
       <p:ext uri="{BB962C8B-B14F-4D97-AF65-F5344CB8AC3E}">
-        <p14:creationId xmlns:p14="http://schemas.microsoft.com/office/powerpoint/2010/main" val="376161176"/>
+        <p14:creationId xmlns:p14="http://schemas.microsoft.com/office/powerpoint/2010/main" val="394646091"/>
       </p:ext>
     </p:extLst>
   </p:cSld>
@@ -9925,27 +10028,7 @@
                 <a:ea typeface="+mj-ea"/>
                 <a:cs typeface="+mj-cs"/>
               </a:rPr>
-              <a:t>In contrast to TDD, BDD provides a specification what s</a:t>
-            </a:r>
-            <a:r>
-              <a:rPr lang="en-US" sz="2000" dirty="0" smtClean="0">
-                <a:solidFill>
-                  <a:schemeClr val="tx2">
-                    <a:lumMod val="90000"/>
-                  </a:schemeClr>
-                </a:solidFill>
-                <a:effectLst>
-                  <a:outerShdw blurRad="38100" dist="38100" dir="2700000" algn="tl">
-                    <a:srgbClr val="000000">
-                      <a:alpha val="43137"/>
-                    </a:srgbClr>
-                  </a:outerShdw>
-                </a:effectLst>
-                <a:latin typeface="+mj-lt"/>
-                <a:ea typeface="+mj-ea"/>
-                <a:cs typeface="+mj-cs"/>
-              </a:rPr>
-              <a:t>hould be tested.</a:t>
+              <a:t>In contrast to TDD, BDD provides a specification what should be tested.</a:t>
             </a:r>
             <a:endParaRPr lang="ru-RU" sz="2000" dirty="0">
               <a:solidFill>
@@ -10581,6 +10664,437 @@
 </p:sld>
 </file>
 
+<file path=ppt/slides/slide16.xml><?xml version="1.0" encoding="utf-8"?>
+<p:sld xmlns:a="http://schemas.openxmlformats.org/drawingml/2006/main" xmlns:r="http://schemas.openxmlformats.org/officeDocument/2006/relationships" xmlns:p="http://schemas.openxmlformats.org/presentationml/2006/main">
+  <p:cSld>
+    <p:spTree>
+      <p:nvGrpSpPr>
+        <p:cNvPr id="1" name=""/>
+        <p:cNvGrpSpPr/>
+        <p:nvPr/>
+      </p:nvGrpSpPr>
+      <p:grpSpPr>
+        <a:xfrm>
+          <a:off x="0" y="0"/>
+          <a:ext cx="0" cy="0"/>
+          <a:chOff x="0" y="0"/>
+          <a:chExt cx="0" cy="0"/>
+        </a:xfrm>
+      </p:grpSpPr>
+      <p:sp>
+        <p:nvSpPr>
+          <p:cNvPr id="2" name="Title 1"/>
+          <p:cNvSpPr>
+            <a:spLocks noGrp="1"/>
+          </p:cNvSpPr>
+          <p:nvPr>
+            <p:ph type="title"/>
+          </p:nvPr>
+        </p:nvSpPr>
+        <p:spPr/>
+        <p:txBody>
+          <a:bodyPr/>
+          <a:lstStyle/>
+          <a:p>
+            <a:r>
+              <a:rPr lang="en-GB" dirty="0" smtClean="0">
+                <a:effectLst>
+                  <a:outerShdw blurRad="38100" dist="38100" dir="2700000" algn="tl">
+                    <a:srgbClr val="000000">
+                      <a:alpha val="43137"/>
+                    </a:srgbClr>
+                  </a:outerShdw>
+                </a:effectLst>
+              </a:rPr>
+              <a:t>Homework</a:t>
+            </a:r>
+            <a:endParaRPr lang="en-GB" dirty="0">
+              <a:effectLst>
+                <a:outerShdw blurRad="38100" dist="38100" dir="2700000" algn="tl">
+                  <a:srgbClr val="000000">
+                    <a:alpha val="43137"/>
+                  </a:srgbClr>
+                </a:outerShdw>
+              </a:effectLst>
+            </a:endParaRPr>
+          </a:p>
+        </p:txBody>
+      </p:sp>
+      <p:sp>
+        <p:nvSpPr>
+          <p:cNvPr id="4" name="Slide Number Placeholder 3"/>
+          <p:cNvSpPr>
+            <a:spLocks noGrp="1"/>
+          </p:cNvSpPr>
+          <p:nvPr>
+            <p:ph type="sldNum" sz="quarter" idx="12"/>
+          </p:nvPr>
+        </p:nvSpPr>
+        <p:spPr/>
+        <p:txBody>
+          <a:bodyPr/>
+          <a:lstStyle/>
+          <a:p>
+            <a:fld id="{D57F1E4F-1CFF-5643-939E-217C01CDF565}" type="slidenum">
+              <a:rPr lang="en-US" smtClean="0"/>
+              <a:pPr/>
+              <a:t>16</a:t>
+            </a:fld>
+            <a:endParaRPr lang="en-US" dirty="0"/>
+          </a:p>
+        </p:txBody>
+      </p:sp>
+      <p:sp>
+        <p:nvSpPr>
+          <p:cNvPr id="5" name="TextBox 4"/>
+          <p:cNvSpPr txBox="1"/>
+          <p:nvPr/>
+        </p:nvSpPr>
+        <p:spPr>
+          <a:xfrm>
+            <a:off x="677334" y="1830534"/>
+            <a:ext cx="8539645" cy="2308324"/>
+          </a:xfrm>
+          <a:prstGeom prst="rect">
+            <a:avLst/>
+          </a:prstGeom>
+          <a:noFill/>
+        </p:spPr>
+        <p:txBody>
+          <a:bodyPr wrap="none" rtlCol="0">
+            <a:spAutoFit/>
+          </a:bodyPr>
+          <a:lstStyle/>
+          <a:p>
+            <a:pPr>
+              <a:spcBef>
+                <a:spcPct val="0"/>
+              </a:spcBef>
+            </a:pPr>
+            <a:r>
+              <a:rPr lang="en-GB" sz="2400" dirty="0" smtClean="0">
+                <a:solidFill>
+                  <a:schemeClr val="tx2">
+                    <a:lumMod val="90000"/>
+                  </a:schemeClr>
+                </a:solidFill>
+                <a:effectLst>
+                  <a:outerShdw blurRad="38100" dist="38100" dir="2700000" algn="tl">
+                    <a:srgbClr val="000000">
+                      <a:alpha val="43137"/>
+                    </a:srgbClr>
+                  </a:outerShdw>
+                </a:effectLst>
+                <a:latin typeface="+mj-lt"/>
+                <a:ea typeface="+mj-ea"/>
+                <a:cs typeface="+mj-cs"/>
+              </a:rPr>
+              <a:t>Repository with lecture presentation and code exa</a:t>
+            </a:r>
+            <a:r>
+              <a:rPr lang="en-GB" sz="2400" dirty="0" smtClean="0">
+                <a:solidFill>
+                  <a:schemeClr val="tx2">
+                    <a:lumMod val="90000"/>
+                  </a:schemeClr>
+                </a:solidFill>
+                <a:effectLst>
+                  <a:outerShdw blurRad="38100" dist="38100" dir="2700000" algn="tl">
+                    <a:srgbClr val="000000">
+                      <a:alpha val="43137"/>
+                    </a:srgbClr>
+                  </a:outerShdw>
+                </a:effectLst>
+                <a:latin typeface="+mj-lt"/>
+                <a:ea typeface="+mj-ea"/>
+                <a:cs typeface="+mj-cs"/>
+              </a:rPr>
+              <a:t>mples:</a:t>
+            </a:r>
+          </a:p>
+          <a:p>
+            <a:pPr>
+              <a:spcBef>
+                <a:spcPct val="0"/>
+              </a:spcBef>
+            </a:pPr>
+            <a:r>
+              <a:rPr lang="en-US" sz="2400" dirty="0">
+                <a:solidFill>
+                  <a:schemeClr val="tx2">
+                    <a:lumMod val="90000"/>
+                  </a:schemeClr>
+                </a:solidFill>
+                <a:effectLst>
+                  <a:outerShdw blurRad="38100" dist="38100" dir="2700000" algn="tl">
+                    <a:srgbClr val="000000">
+                      <a:alpha val="43137"/>
+                    </a:srgbClr>
+                  </a:outerShdw>
+                </a:effectLst>
+                <a:latin typeface="+mj-lt"/>
+                <a:ea typeface="+mj-ea"/>
+                <a:cs typeface="+mj-cs"/>
+                <a:hlinkClick r:id="rId2"/>
+              </a:rPr>
+              <a:t>https://</a:t>
+            </a:r>
+            <a:r>
+              <a:rPr lang="en-US" sz="2400" dirty="0" smtClean="0">
+                <a:solidFill>
+                  <a:schemeClr val="tx2">
+                    <a:lumMod val="90000"/>
+                  </a:schemeClr>
+                </a:solidFill>
+                <a:effectLst>
+                  <a:outerShdw blurRad="38100" dist="38100" dir="2700000" algn="tl">
+                    <a:srgbClr val="000000">
+                      <a:alpha val="43137"/>
+                    </a:srgbClr>
+                  </a:outerShdw>
+                </a:effectLst>
+                <a:latin typeface="+mj-lt"/>
+                <a:ea typeface="+mj-ea"/>
+                <a:cs typeface="+mj-cs"/>
+                <a:hlinkClick r:id="rId2"/>
+              </a:rPr>
+              <a:t>github.com/BinaryStudioAcademy/NET_CodeTesting</a:t>
+            </a:r>
+            <a:endParaRPr lang="en-US" sz="2400" dirty="0" smtClean="0">
+              <a:solidFill>
+                <a:schemeClr val="tx2">
+                  <a:lumMod val="90000"/>
+                </a:schemeClr>
+              </a:solidFill>
+              <a:effectLst>
+                <a:outerShdw blurRad="38100" dist="38100" dir="2700000" algn="tl">
+                  <a:srgbClr val="000000">
+                    <a:alpha val="43137"/>
+                  </a:srgbClr>
+                </a:outerShdw>
+              </a:effectLst>
+              <a:latin typeface="+mj-lt"/>
+              <a:ea typeface="+mj-ea"/>
+              <a:cs typeface="+mj-cs"/>
+            </a:endParaRPr>
+          </a:p>
+          <a:p>
+            <a:pPr>
+              <a:spcBef>
+                <a:spcPct val="0"/>
+              </a:spcBef>
+            </a:pPr>
+            <a:endParaRPr lang="en-US" sz="2400" dirty="0">
+              <a:solidFill>
+                <a:schemeClr val="tx2">
+                  <a:lumMod val="90000"/>
+                </a:schemeClr>
+              </a:solidFill>
+              <a:effectLst>
+                <a:outerShdw blurRad="38100" dist="38100" dir="2700000" algn="tl">
+                  <a:srgbClr val="000000">
+                    <a:alpha val="43137"/>
+                  </a:srgbClr>
+                </a:outerShdw>
+              </a:effectLst>
+              <a:latin typeface="+mj-lt"/>
+              <a:ea typeface="+mj-ea"/>
+              <a:cs typeface="+mj-cs"/>
+            </a:endParaRPr>
+          </a:p>
+          <a:p>
+            <a:pPr>
+              <a:spcBef>
+                <a:spcPct val="0"/>
+              </a:spcBef>
+            </a:pPr>
+            <a:r>
+              <a:rPr lang="en-US" sz="2400" dirty="0" smtClean="0">
+                <a:solidFill>
+                  <a:schemeClr val="tx2">
+                    <a:lumMod val="90000"/>
+                  </a:schemeClr>
+                </a:solidFill>
+                <a:effectLst>
+                  <a:outerShdw blurRad="38100" dist="38100" dir="2700000" algn="tl">
+                    <a:srgbClr val="000000">
+                      <a:alpha val="43137"/>
+                    </a:srgbClr>
+                  </a:outerShdw>
+                </a:effectLst>
+                <a:latin typeface="+mj-lt"/>
+                <a:ea typeface="+mj-ea"/>
+                <a:cs typeface="+mj-cs"/>
+              </a:rPr>
+              <a:t>Tasks: </a:t>
+            </a:r>
+            <a:r>
+              <a:rPr lang="en-US" sz="2400" dirty="0" smtClean="0">
+                <a:solidFill>
+                  <a:srgbClr val="92D050"/>
+                </a:solidFill>
+                <a:effectLst>
+                  <a:outerShdw blurRad="38100" dist="38100" dir="2700000" algn="tl">
+                    <a:srgbClr val="000000">
+                      <a:alpha val="43137"/>
+                    </a:srgbClr>
+                  </a:outerShdw>
+                </a:effectLst>
+                <a:latin typeface="+mj-lt"/>
+                <a:ea typeface="+mj-ea"/>
+                <a:cs typeface="+mj-cs"/>
+              </a:rPr>
+              <a:t>Homework.txt</a:t>
+            </a:r>
+            <a:r>
+              <a:rPr lang="en-US" sz="2400" dirty="0" smtClean="0">
+                <a:solidFill>
+                  <a:schemeClr val="tx2">
+                    <a:lumMod val="90000"/>
+                  </a:schemeClr>
+                </a:solidFill>
+                <a:effectLst>
+                  <a:outerShdw blurRad="38100" dist="38100" dir="2700000" algn="tl">
+                    <a:srgbClr val="000000">
+                      <a:alpha val="43137"/>
+                    </a:srgbClr>
+                  </a:outerShdw>
+                </a:effectLst>
+                <a:latin typeface="+mj-lt"/>
+                <a:ea typeface="+mj-ea"/>
+                <a:cs typeface="+mj-cs"/>
+              </a:rPr>
+              <a:t> in the root of repository.</a:t>
+            </a:r>
+          </a:p>
+          <a:p>
+            <a:pPr>
+              <a:spcBef>
+                <a:spcPct val="0"/>
+              </a:spcBef>
+            </a:pPr>
+            <a:endParaRPr lang="en-US" sz="2400" dirty="0">
+              <a:solidFill>
+                <a:schemeClr val="tx2">
+                  <a:lumMod val="90000"/>
+                </a:schemeClr>
+              </a:solidFill>
+              <a:effectLst>
+                <a:outerShdw blurRad="38100" dist="38100" dir="2700000" algn="tl">
+                  <a:srgbClr val="000000">
+                    <a:alpha val="43137"/>
+                  </a:srgbClr>
+                </a:outerShdw>
+              </a:effectLst>
+              <a:latin typeface="+mj-lt"/>
+              <a:ea typeface="+mj-ea"/>
+              <a:cs typeface="+mj-cs"/>
+            </a:endParaRPr>
+          </a:p>
+          <a:p>
+            <a:pPr>
+              <a:spcBef>
+                <a:spcPct val="0"/>
+              </a:spcBef>
+            </a:pPr>
+            <a:r>
+              <a:rPr lang="en-US" sz="2400" dirty="0" smtClean="0">
+                <a:solidFill>
+                  <a:schemeClr val="tx2">
+                    <a:lumMod val="90000"/>
+                  </a:schemeClr>
+                </a:solidFill>
+                <a:effectLst>
+                  <a:outerShdw blurRad="38100" dist="38100" dir="2700000" algn="tl">
+                    <a:srgbClr val="000000">
+                      <a:alpha val="43137"/>
+                    </a:srgbClr>
+                  </a:outerShdw>
+                </a:effectLst>
+                <a:latin typeface="+mj-lt"/>
+                <a:ea typeface="+mj-ea"/>
+                <a:cs typeface="+mj-cs"/>
+              </a:rPr>
+              <a:t>Read </a:t>
+            </a:r>
+            <a:r>
+              <a:rPr lang="en-US" sz="2400" dirty="0" smtClean="0">
+                <a:solidFill>
+                  <a:srgbClr val="92D050"/>
+                </a:solidFill>
+                <a:effectLst>
+                  <a:outerShdw blurRad="38100" dist="38100" dir="2700000" algn="tl">
+                    <a:srgbClr val="000000">
+                      <a:alpha val="43137"/>
+                    </a:srgbClr>
+                  </a:outerShdw>
+                </a:effectLst>
+                <a:latin typeface="+mj-lt"/>
+                <a:ea typeface="+mj-ea"/>
+                <a:cs typeface="+mj-cs"/>
+              </a:rPr>
+              <a:t>README.txt</a:t>
+            </a:r>
+            <a:r>
+              <a:rPr lang="en-US" sz="2400" dirty="0" smtClean="0">
+                <a:solidFill>
+                  <a:schemeClr val="tx2">
+                    <a:lumMod val="90000"/>
+                  </a:schemeClr>
+                </a:solidFill>
+                <a:effectLst>
+                  <a:outerShdw blurRad="38100" dist="38100" dir="2700000" algn="tl">
+                    <a:srgbClr val="000000">
+                      <a:alpha val="43137"/>
+                    </a:srgbClr>
+                  </a:outerShdw>
+                </a:effectLst>
+                <a:latin typeface="+mj-lt"/>
+                <a:ea typeface="+mj-ea"/>
+                <a:cs typeface="+mj-cs"/>
+              </a:rPr>
+              <a:t> files in the projects for help.</a:t>
+            </a:r>
+            <a:endParaRPr lang="en-US" sz="2400" dirty="0">
+              <a:solidFill>
+                <a:schemeClr val="tx2">
+                  <a:lumMod val="90000"/>
+                </a:schemeClr>
+              </a:solidFill>
+              <a:effectLst>
+                <a:outerShdw blurRad="38100" dist="38100" dir="2700000" algn="tl">
+                  <a:srgbClr val="000000">
+                    <a:alpha val="43137"/>
+                  </a:srgbClr>
+                </a:outerShdw>
+              </a:effectLst>
+              <a:latin typeface="+mj-lt"/>
+              <a:ea typeface="+mj-ea"/>
+              <a:cs typeface="+mj-cs"/>
+            </a:endParaRPr>
+          </a:p>
+        </p:txBody>
+      </p:sp>
+    </p:spTree>
+    <p:extLst>
+      <p:ext uri="{BB962C8B-B14F-4D97-AF65-F5344CB8AC3E}">
+        <p14:creationId xmlns:p14="http://schemas.microsoft.com/office/powerpoint/2010/main" val="3710687307"/>
+      </p:ext>
+    </p:extLst>
+  </p:cSld>
+  <p:clrMapOvr>
+    <a:masterClrMapping/>
+  </p:clrMapOvr>
+  <p:timing>
+    <p:tnLst>
+      <p:par>
+        <p:cTn id="1" dur="indefinite" restart="never" nodeType="tmRoot"/>
+      </p:par>
+    </p:tnLst>
+  </p:timing>
+</p:sld>
+</file>
+
 <file path=ppt/slides/slide2.xml><?xml version="1.0" encoding="utf-8"?>
 <p:sld xmlns:a="http://schemas.openxmlformats.org/drawingml/2006/main" xmlns:r="http://schemas.openxmlformats.org/officeDocument/2006/relationships" xmlns:p="http://schemas.openxmlformats.org/presentationml/2006/main">
   <p:cSld>
@@ -10806,27 +11320,7 @@
                 <a:ea typeface="+mj-ea"/>
                 <a:cs typeface="+mj-cs"/>
               </a:rPr>
-              <a:t>Test – specification that tells what should </a:t>
-            </a:r>
-            <a:r>
-              <a:rPr lang="en-US" sz="2400" dirty="0" smtClean="0">
-                <a:solidFill>
-                  <a:schemeClr val="tx2">
-                    <a:lumMod val="90000"/>
-                  </a:schemeClr>
-                </a:solidFill>
-                <a:effectLst>
-                  <a:outerShdw blurRad="38100" dist="38100" dir="2700000" algn="tl">
-                    <a:srgbClr val="000000">
-                      <a:alpha val="43137"/>
-                    </a:srgbClr>
-                  </a:outerShdw>
-                </a:effectLst>
-                <a:latin typeface="+mj-lt"/>
-                <a:ea typeface="+mj-ea"/>
-                <a:cs typeface="+mj-cs"/>
-              </a:rPr>
-              <a:t>be expected.</a:t>
+              <a:t>Test – specification that tells what should be expected.</a:t>
             </a:r>
             <a:endParaRPr lang="ru-RU" sz="2400" dirty="0">
               <a:solidFill>
@@ -12309,47 +12803,7 @@
                 <a:ea typeface="+mj-ea"/>
                 <a:cs typeface="+mj-cs"/>
               </a:rPr>
-              <a:t>Forces to </a:t>
-            </a:r>
-            <a:r>
-              <a:rPr lang="en-US" sz="2400" dirty="0">
-                <a:solidFill>
-                  <a:schemeClr val="tx2">
-                    <a:lumMod val="90000"/>
-                  </a:schemeClr>
-                </a:solidFill>
-                <a:effectLst>
-                  <a:outerShdw blurRad="38100" dist="38100" dir="2700000" algn="tl">
-                    <a:srgbClr val="000000">
-                      <a:alpha val="43137"/>
-                    </a:srgbClr>
-                  </a:outerShdw>
-                </a:effectLst>
-                <a:latin typeface="+mj-lt"/>
-                <a:ea typeface="+mj-ea"/>
-                <a:cs typeface="+mj-cs"/>
-              </a:rPr>
-              <a:t>write loosely </a:t>
-            </a:r>
-            <a:r>
-              <a:rPr lang="en-US" sz="2400" dirty="0" smtClean="0">
-                <a:solidFill>
-                  <a:schemeClr val="tx2">
-                    <a:lumMod val="90000"/>
-                  </a:schemeClr>
-                </a:solidFill>
-                <a:effectLst>
-                  <a:outerShdw blurRad="38100" dist="38100" dir="2700000" algn="tl">
-                    <a:srgbClr val="000000">
-                      <a:alpha val="43137"/>
-                    </a:srgbClr>
-                  </a:outerShdw>
-                </a:effectLst>
-                <a:latin typeface="+mj-lt"/>
-                <a:ea typeface="+mj-ea"/>
-                <a:cs typeface="+mj-cs"/>
-              </a:rPr>
-              <a:t>coupled units</a:t>
+              <a:t>High quality code</a:t>
             </a:r>
             <a:endParaRPr lang="en-US" sz="2400" dirty="0">
               <a:solidFill>
@@ -12802,6 +13256,118 @@
       </p:grpSpPr>
       <p:sp>
         <p:nvSpPr>
+          <p:cNvPr id="15" name="Прямоугольник 14"/>
+          <p:cNvSpPr/>
+          <p:nvPr/>
+        </p:nvSpPr>
+        <p:spPr>
+          <a:xfrm>
+            <a:off x="917088" y="2969475"/>
+            <a:ext cx="8356913" cy="1833184"/>
+          </a:xfrm>
+          <a:prstGeom prst="rect">
+            <a:avLst/>
+          </a:prstGeom>
+          <a:solidFill>
+            <a:schemeClr val="tx1">
+              <a:alpha val="5098"/>
+            </a:schemeClr>
+          </a:solidFill>
+          <a:ln>
+            <a:noFill/>
+          </a:ln>
+        </p:spPr>
+        <p:style>
+          <a:lnRef idx="2">
+            <a:schemeClr val="accent1">
+              <a:shade val="50000"/>
+            </a:schemeClr>
+          </a:lnRef>
+          <a:fillRef idx="1">
+            <a:schemeClr val="accent1"/>
+          </a:fillRef>
+          <a:effectRef idx="0">
+            <a:schemeClr val="accent1"/>
+          </a:effectRef>
+          <a:fontRef idx="minor">
+            <a:schemeClr val="lt1"/>
+          </a:fontRef>
+        </p:style>
+        <p:txBody>
+          <a:bodyPr rtlCol="0" anchor="ctr"/>
+          <a:lstStyle/>
+          <a:p>
+            <a:pPr algn="ctr"/>
+            <a:endParaRPr lang="ru-RU">
+              <a:effectLst>
+                <a:outerShdw blurRad="38100" dist="38100" dir="2700000" algn="tl">
+                  <a:srgbClr val="000000">
+                    <a:alpha val="43137"/>
+                  </a:srgbClr>
+                </a:outerShdw>
+              </a:effectLst>
+            </a:endParaRPr>
+          </a:p>
+        </p:txBody>
+      </p:sp>
+      <p:sp>
+        <p:nvSpPr>
+          <p:cNvPr id="14" name="Прямоугольник 13"/>
+          <p:cNvSpPr/>
+          <p:nvPr/>
+        </p:nvSpPr>
+        <p:spPr>
+          <a:xfrm>
+            <a:off x="955589" y="1472665"/>
+            <a:ext cx="8318412" cy="565929"/>
+          </a:xfrm>
+          <a:prstGeom prst="rect">
+            <a:avLst/>
+          </a:prstGeom>
+          <a:solidFill>
+            <a:schemeClr val="tx1">
+              <a:alpha val="5098"/>
+            </a:schemeClr>
+          </a:solidFill>
+          <a:ln>
+            <a:noFill/>
+          </a:ln>
+        </p:spPr>
+        <p:style>
+          <a:lnRef idx="2">
+            <a:schemeClr val="accent1">
+              <a:shade val="50000"/>
+            </a:schemeClr>
+          </a:lnRef>
+          <a:fillRef idx="1">
+            <a:schemeClr val="accent1"/>
+          </a:fillRef>
+          <a:effectRef idx="0">
+            <a:schemeClr val="accent1"/>
+          </a:effectRef>
+          <a:fontRef idx="minor">
+            <a:schemeClr val="lt1"/>
+          </a:fontRef>
+        </p:style>
+        <p:txBody>
+          <a:bodyPr rtlCol="0" anchor="ctr"/>
+          <a:lstStyle/>
+          <a:p>
+            <a:pPr algn="ctr"/>
+            <a:endParaRPr lang="ru-RU">
+              <a:effectLst>
+                <a:outerShdw blurRad="38100" dist="38100" dir="2700000" algn="tl">
+                  <a:srgbClr val="000000">
+                    <a:alpha val="43137"/>
+                  </a:srgbClr>
+                </a:outerShdw>
+              </a:effectLst>
+            </a:endParaRPr>
+          </a:p>
+        </p:txBody>
+      </p:sp>
+      <p:sp>
+        <p:nvSpPr>
           <p:cNvPr id="2" name="Заголовок 1"/>
           <p:cNvSpPr>
             <a:spLocks noGrp="1"/>
@@ -12825,7 +13391,7 @@
                   </a:outerShdw>
                 </a:effectLst>
               </a:rPr>
-              <a:t>Test should be…</a:t>
+              <a:t>Recommended name conventions</a:t>
             </a:r>
             <a:endParaRPr lang="ru-RU" dirty="0">
               <a:effectLst>
@@ -12841,14 +13407,14 @@
       </p:sp>
       <p:sp>
         <p:nvSpPr>
-          <p:cNvPr id="5" name="TextBox 4"/>
+          <p:cNvPr id="6" name="TextBox 5"/>
           <p:cNvSpPr txBox="1"/>
           <p:nvPr/>
         </p:nvSpPr>
         <p:spPr>
           <a:xfrm>
-            <a:off x="2446770" y="1644417"/>
-            <a:ext cx="5057795" cy="3785652"/>
+            <a:off x="1039799" y="1580704"/>
+            <a:ext cx="3119828" cy="369332"/>
           </a:xfrm>
           <a:prstGeom prst="rect">
             <a:avLst/>
@@ -12861,18 +13427,13 @@
           </a:bodyPr>
           <a:lstStyle/>
           <a:p>
-            <a:pPr indent="-285750">
-              <a:lnSpc>
-                <a:spcPct val="200000"/>
-              </a:lnSpc>
+            <a:pPr>
               <a:spcBef>
                 <a:spcPct val="0"/>
               </a:spcBef>
-              <a:buFont typeface="Arial" panose="020B0604020202020204" pitchFamily="34" charset="0"/>
-              <a:buChar char="•"/>
             </a:pPr>
             <a:r>
-              <a:rPr lang="en-US" sz="2400" dirty="0" smtClean="0">
+              <a:rPr lang="en-US" dirty="0" smtClean="0">
                 <a:solidFill>
                   <a:schemeClr val="tx2">
                     <a:lumMod val="90000"/>
@@ -12889,9 +13450,49 @@
                 <a:ea typeface="+mj-ea"/>
                 <a:cs typeface="+mj-cs"/>
               </a:rPr>
-              <a:t>easy to write</a:t>
-            </a:r>
-            <a:endParaRPr lang="en-US" sz="2400" dirty="0">
+              <a:t>A separate project </a:t>
+            </a:r>
+            <a:r>
+              <a:rPr lang="en-US" dirty="0" smtClean="0">
+                <a:solidFill>
+                  <a:schemeClr val="tx2">
+                    <a:lumMod val="90000"/>
+                  </a:schemeClr>
+                </a:solidFill>
+                <a:effectLst>
+                  <a:outerShdw blurRad="38100" dist="38100" dir="2700000" algn="tl">
+                    <a:srgbClr val="000000">
+                      <a:alpha val="43137"/>
+                    </a:srgbClr>
+                  </a:outerShdw>
+                </a:effectLst>
+                <a:latin typeface="+mj-lt"/>
+                <a:ea typeface="+mj-ea"/>
+                <a:cs typeface="+mj-cs"/>
+              </a:rPr>
+              <a:t>for </a:t>
+            </a:r>
+            <a:r>
+              <a:rPr lang="en-US" dirty="0" smtClean="0">
+                <a:solidFill>
+                  <a:schemeClr val="tx2">
+                    <a:lumMod val="90000"/>
+                  </a:schemeClr>
+                </a:solidFill>
+                <a:effectLst>
+                  <a:outerShdw blurRad="38100" dist="38100" dir="2700000" algn="tl">
+                    <a:srgbClr val="000000">
+                      <a:alpha val="43137"/>
+                    </a:srgbClr>
+                  </a:outerShdw>
+                </a:effectLst>
+                <a:latin typeface="+mj-lt"/>
+                <a:ea typeface="+mj-ea"/>
+                <a:cs typeface="+mj-cs"/>
+              </a:rPr>
+              <a:t>tests:</a:t>
+            </a:r>
+            <a:endParaRPr lang="ru-RU" dirty="0">
               <a:solidFill>
                 <a:schemeClr val="tx2">
                   <a:lumMod val="90000"/>
@@ -12909,23 +13510,39 @@
               <a:cs typeface="+mj-cs"/>
             </a:endParaRPr>
           </a:p>
-          <a:p>
-            <a:pPr indent="-285750">
-              <a:lnSpc>
-                <a:spcPct val="200000"/>
-              </a:lnSpc>
+        </p:txBody>
+      </p:sp>
+      <p:sp>
+        <p:nvSpPr>
+          <p:cNvPr id="7" name="TextBox 6"/>
+          <p:cNvSpPr txBox="1"/>
+          <p:nvPr/>
+        </p:nvSpPr>
+        <p:spPr>
+          <a:xfrm>
+            <a:off x="4174632" y="1570886"/>
+            <a:ext cx="2432204" cy="369332"/>
+          </a:xfrm>
+          <a:prstGeom prst="rect">
+            <a:avLst/>
+          </a:prstGeom>
+          <a:noFill/>
+        </p:spPr>
+        <p:txBody>
+          <a:bodyPr wrap="none" rtlCol="0">
+            <a:spAutoFit/>
+          </a:bodyPr>
+          <a:lstStyle/>
+          <a:p>
+            <a:pPr>
               <a:spcBef>
                 <a:spcPct val="0"/>
               </a:spcBef>
-              <a:buFont typeface="Arial" panose="020B0604020202020204" pitchFamily="34" charset="0"/>
-              <a:buChar char="•"/>
             </a:pPr>
             <a:r>
-              <a:rPr lang="en-US" sz="2400" dirty="0" smtClean="0">
-                <a:solidFill>
-                  <a:schemeClr val="tx2">
-                    <a:lumMod val="90000"/>
-                  </a:schemeClr>
+              <a:rPr lang="en-US" dirty="0" smtClean="0">
+                <a:solidFill>
+                  <a:srgbClr val="92D050"/>
                 </a:solidFill>
                 <a:effectLst>
                   <a:outerShdw blurRad="38100" dist="38100" dir="2700000" algn="tl">
@@ -12938,9 +13555,112 @@
                 <a:ea typeface="+mj-ea"/>
                 <a:cs typeface="+mj-cs"/>
               </a:rPr>
-              <a:t>simple to understand</a:t>
-            </a:r>
-            <a:endParaRPr lang="en-US" sz="2400" dirty="0">
+              <a:t>[module].</a:t>
+            </a:r>
+            <a:r>
+              <a:rPr lang="en-US" dirty="0" err="1" smtClean="0">
+                <a:solidFill>
+                  <a:schemeClr val="tx2">
+                    <a:lumMod val="90000"/>
+                  </a:schemeClr>
+                </a:solidFill>
+                <a:effectLst>
+                  <a:outerShdw blurRad="38100" dist="38100" dir="2700000" algn="tl">
+                    <a:srgbClr val="000000">
+                      <a:alpha val="43137"/>
+                    </a:srgbClr>
+                  </a:outerShdw>
+                </a:effectLst>
+                <a:latin typeface="+mj-lt"/>
+                <a:ea typeface="+mj-ea"/>
+                <a:cs typeface="+mj-cs"/>
+              </a:rPr>
+              <a:t>Tests</a:t>
+            </a:r>
+            <a:r>
+              <a:rPr lang="en-US" dirty="0" err="1" smtClean="0">
+                <a:solidFill>
+                  <a:srgbClr val="92D050"/>
+                </a:solidFill>
+                <a:effectLst>
+                  <a:outerShdw blurRad="38100" dist="38100" dir="2700000" algn="tl">
+                    <a:srgbClr val="000000">
+                      <a:alpha val="43137"/>
+                    </a:srgbClr>
+                  </a:outerShdw>
+                </a:effectLst>
+                <a:latin typeface="+mj-lt"/>
+                <a:ea typeface="+mj-ea"/>
+                <a:cs typeface="+mj-cs"/>
+              </a:rPr>
+              <a:t>.csproj</a:t>
+            </a:r>
+            <a:endParaRPr lang="ru-RU" dirty="0">
+              <a:solidFill>
+                <a:srgbClr val="92D050"/>
+              </a:solidFill>
+              <a:effectLst>
+                <a:outerShdw blurRad="38100" dist="38100" dir="2700000" algn="tl">
+                  <a:srgbClr val="000000">
+                    <a:alpha val="43137"/>
+                  </a:srgbClr>
+                </a:outerShdw>
+              </a:effectLst>
+              <a:latin typeface="+mj-lt"/>
+              <a:ea typeface="+mj-ea"/>
+              <a:cs typeface="+mj-cs"/>
+            </a:endParaRPr>
+          </a:p>
+        </p:txBody>
+      </p:sp>
+      <p:sp>
+        <p:nvSpPr>
+          <p:cNvPr id="8" name="TextBox 7"/>
+          <p:cNvSpPr txBox="1"/>
+          <p:nvPr/>
+        </p:nvSpPr>
+        <p:spPr>
+          <a:xfrm>
+            <a:off x="1039799" y="2321425"/>
+            <a:ext cx="4615431" cy="369332"/>
+          </a:xfrm>
+          <a:prstGeom prst="rect">
+            <a:avLst/>
+          </a:prstGeom>
+          <a:noFill/>
+        </p:spPr>
+        <p:txBody>
+          <a:bodyPr wrap="none" rtlCol="0">
+            <a:spAutoFit/>
+          </a:bodyPr>
+          <a:lstStyle/>
+          <a:p>
+            <a:pPr>
+              <a:spcBef>
+                <a:spcPct val="0"/>
+              </a:spcBef>
+            </a:pPr>
+            <a:r>
+              <a:rPr lang="en-US" dirty="0" smtClean="0">
+                <a:solidFill>
+                  <a:schemeClr val="tx2">
+                    <a:lumMod val="90000"/>
+                  </a:schemeClr>
+                </a:solidFill>
+                <a:effectLst>
+                  <a:outerShdw blurRad="38100" dist="38100" dir="2700000" algn="tl">
+                    <a:srgbClr val="000000">
+                      <a:alpha val="43137"/>
+                    </a:srgbClr>
+                  </a:outerShdw>
+                </a:effectLst>
+                <a:latin typeface="+mj-lt"/>
+                <a:ea typeface="+mj-ea"/>
+                <a:cs typeface="+mj-cs"/>
+              </a:rPr>
+              <a:t>A class with tests for only one target class:</a:t>
+            </a:r>
+            <a:endParaRPr lang="ru-RU" dirty="0">
               <a:solidFill>
                 <a:schemeClr val="tx2">
                   <a:lumMod val="90000"/>
@@ -12958,23 +13678,39 @@
               <a:cs typeface="+mj-cs"/>
             </a:endParaRPr>
           </a:p>
-          <a:p>
-            <a:pPr indent="-285750">
-              <a:lnSpc>
-                <a:spcPct val="200000"/>
-              </a:lnSpc>
+        </p:txBody>
+      </p:sp>
+      <p:sp>
+        <p:nvSpPr>
+          <p:cNvPr id="9" name="TextBox 8"/>
+          <p:cNvSpPr txBox="1"/>
+          <p:nvPr/>
+        </p:nvSpPr>
+        <p:spPr>
+          <a:xfrm>
+            <a:off x="5655230" y="2319368"/>
+            <a:ext cx="3368358" cy="369332"/>
+          </a:xfrm>
+          <a:prstGeom prst="rect">
+            <a:avLst/>
+          </a:prstGeom>
+          <a:noFill/>
+        </p:spPr>
+        <p:txBody>
+          <a:bodyPr wrap="none" rtlCol="0">
+            <a:spAutoFit/>
+          </a:bodyPr>
+          <a:lstStyle/>
+          <a:p>
+            <a:pPr>
               <a:spcBef>
                 <a:spcPct val="0"/>
               </a:spcBef>
-              <a:buFont typeface="Arial" panose="020B0604020202020204" pitchFamily="34" charset="0"/>
-              <a:buChar char="•"/>
             </a:pPr>
             <a:r>
-              <a:rPr lang="en-US" sz="2400" dirty="0" smtClean="0">
-                <a:solidFill>
-                  <a:schemeClr val="tx2">
-                    <a:lumMod val="90000"/>
-                  </a:schemeClr>
+              <a:rPr lang="en-US" dirty="0" smtClean="0">
+                <a:solidFill>
+                  <a:srgbClr val="00B0F0"/>
                 </a:solidFill>
                 <a:effectLst>
                   <a:outerShdw blurRad="38100" dist="38100" dir="2700000" algn="tl">
@@ -12987,9 +13723,148 @@
                 <a:ea typeface="+mj-ea"/>
                 <a:cs typeface="+mj-cs"/>
               </a:rPr>
-              <a:t>easy to run and automate</a:t>
-            </a:r>
-            <a:endParaRPr lang="en-US" sz="2400" dirty="0">
+              <a:t>public class </a:t>
+            </a:r>
+            <a:r>
+              <a:rPr lang="en-US" dirty="0" smtClean="0">
+                <a:solidFill>
+                  <a:srgbClr val="92D050"/>
+                </a:solidFill>
+                <a:effectLst>
+                  <a:outerShdw blurRad="38100" dist="38100" dir="2700000" algn="tl">
+                    <a:srgbClr val="000000">
+                      <a:alpha val="43137"/>
+                    </a:srgbClr>
+                  </a:outerShdw>
+                </a:effectLst>
+                <a:latin typeface="+mj-lt"/>
+                <a:ea typeface="+mj-ea"/>
+                <a:cs typeface="+mj-cs"/>
+              </a:rPr>
+              <a:t>[</a:t>
+            </a:r>
+            <a:r>
+              <a:rPr lang="en-US" dirty="0" err="1" smtClean="0">
+                <a:solidFill>
+                  <a:srgbClr val="92D050"/>
+                </a:solidFill>
+                <a:effectLst>
+                  <a:outerShdw blurRad="38100" dist="38100" dir="2700000" algn="tl">
+                    <a:srgbClr val="000000">
+                      <a:alpha val="43137"/>
+                    </a:srgbClr>
+                  </a:outerShdw>
+                </a:effectLst>
+                <a:latin typeface="+mj-lt"/>
+                <a:ea typeface="+mj-ea"/>
+                <a:cs typeface="+mj-cs"/>
+              </a:rPr>
+              <a:t>target_class</a:t>
+            </a:r>
+            <a:r>
+              <a:rPr lang="en-US" dirty="0" smtClean="0">
+                <a:solidFill>
+                  <a:srgbClr val="92D050"/>
+                </a:solidFill>
+                <a:effectLst>
+                  <a:outerShdw blurRad="38100" dist="38100" dir="2700000" algn="tl">
+                    <a:srgbClr val="000000">
+                      <a:alpha val="43137"/>
+                    </a:srgbClr>
+                  </a:outerShdw>
+                </a:effectLst>
+                <a:latin typeface="+mj-lt"/>
+                <a:ea typeface="+mj-ea"/>
+                <a:cs typeface="+mj-cs"/>
+              </a:rPr>
+              <a:t>]</a:t>
+            </a:r>
+            <a:r>
+              <a:rPr lang="en-US" dirty="0" smtClean="0">
+                <a:solidFill>
+                  <a:schemeClr val="tx2">
+                    <a:lumMod val="90000"/>
+                  </a:schemeClr>
+                </a:solidFill>
+                <a:effectLst>
+                  <a:outerShdw blurRad="38100" dist="38100" dir="2700000" algn="tl">
+                    <a:srgbClr val="000000">
+                      <a:alpha val="43137"/>
+                    </a:srgbClr>
+                  </a:outerShdw>
+                </a:effectLst>
+                <a:latin typeface="+mj-lt"/>
+                <a:ea typeface="+mj-ea"/>
+                <a:cs typeface="+mj-cs"/>
+              </a:rPr>
+              <a:t>Tests</a:t>
+            </a:r>
+            <a:endParaRPr lang="ru-RU" dirty="0">
+              <a:solidFill>
+                <a:srgbClr val="92D050"/>
+              </a:solidFill>
+              <a:effectLst>
+                <a:outerShdw blurRad="38100" dist="38100" dir="2700000" algn="tl">
+                  <a:srgbClr val="000000">
+                    <a:alpha val="43137"/>
+                  </a:srgbClr>
+                </a:outerShdw>
+              </a:effectLst>
+              <a:latin typeface="+mj-lt"/>
+              <a:ea typeface="+mj-ea"/>
+              <a:cs typeface="+mj-cs"/>
+            </a:endParaRPr>
+          </a:p>
+        </p:txBody>
+      </p:sp>
+      <p:sp>
+        <p:nvSpPr>
+          <p:cNvPr id="10" name="TextBox 9"/>
+          <p:cNvSpPr txBox="1"/>
+          <p:nvPr/>
+        </p:nvSpPr>
+        <p:spPr>
+          <a:xfrm>
+            <a:off x="1039799" y="3085591"/>
+            <a:ext cx="6327630" cy="369332"/>
+          </a:xfrm>
+          <a:prstGeom prst="rect">
+            <a:avLst/>
+          </a:prstGeom>
+          <a:noFill/>
+        </p:spPr>
+        <p:txBody>
+          <a:bodyPr wrap="none" rtlCol="0">
+            <a:spAutoFit/>
+          </a:bodyPr>
+          <a:lstStyle/>
+          <a:p>
+            <a:pPr>
+              <a:spcBef>
+                <a:spcPct val="0"/>
+              </a:spcBef>
+            </a:pPr>
+            <a:r>
+              <a:rPr lang="en-US" dirty="0" smtClean="0">
+                <a:solidFill>
+                  <a:schemeClr val="tx2">
+                    <a:lumMod val="90000"/>
+                  </a:schemeClr>
+                </a:solidFill>
+                <a:effectLst>
+                  <a:outerShdw blurRad="38100" dist="38100" dir="2700000" algn="tl">
+                    <a:srgbClr val="000000">
+                      <a:alpha val="43137"/>
+                    </a:srgbClr>
+                  </a:outerShdw>
+                </a:effectLst>
+                <a:latin typeface="+mj-lt"/>
+                <a:ea typeface="+mj-ea"/>
+                <a:cs typeface="+mj-cs"/>
+              </a:rPr>
+              <a:t>Test’s name shows what test verifies and what is expected:</a:t>
+            </a:r>
+            <a:endParaRPr lang="ru-RU" dirty="0">
               <a:solidFill>
                 <a:schemeClr val="tx2">
                   <a:lumMod val="90000"/>
@@ -13007,22 +13882,40 @@
               <a:cs typeface="+mj-cs"/>
             </a:endParaRPr>
           </a:p>
-          <a:p>
-            <a:pPr indent="-285750">
-              <a:lnSpc>
-                <a:spcPct val="200000"/>
-              </a:lnSpc>
+        </p:txBody>
+      </p:sp>
+      <p:sp>
+        <p:nvSpPr>
+          <p:cNvPr id="11" name="TextBox 10"/>
+          <p:cNvSpPr txBox="1"/>
+          <p:nvPr/>
+        </p:nvSpPr>
+        <p:spPr>
+          <a:xfrm>
+            <a:off x="1372629" y="3593248"/>
+            <a:ext cx="5527475" cy="923330"/>
+          </a:xfrm>
+          <a:prstGeom prst="rect">
+            <a:avLst/>
+          </a:prstGeom>
+          <a:noFill/>
+        </p:spPr>
+        <p:txBody>
+          <a:bodyPr wrap="none" rtlCol="0">
+            <a:spAutoFit/>
+          </a:bodyPr>
+          <a:lstStyle/>
+          <a:p>
+            <a:pPr>
               <a:spcBef>
                 <a:spcPct val="0"/>
               </a:spcBef>
-              <a:buFont typeface="Arial" panose="020B0604020202020204" pitchFamily="34" charset="0"/>
-              <a:buChar char="•"/>
             </a:pPr>
             <a:r>
-              <a:rPr lang="en-US" sz="2400" dirty="0" smtClean="0">
-                <a:solidFill>
-                  <a:schemeClr val="tx2">
-                    <a:lumMod val="90000"/>
+              <a:rPr lang="en-US" dirty="0" smtClean="0">
+                <a:solidFill>
+                  <a:schemeClr val="tx1">
+                    <a:lumMod val="75000"/>
                   </a:schemeClr>
                 </a:solidFill>
                 <a:effectLst>
@@ -13036,14 +13929,12 @@
                 <a:ea typeface="+mj-ea"/>
                 <a:cs typeface="+mj-cs"/>
               </a:rPr>
-              <a:t>independent</a:t>
-            </a:r>
-            <a:r>
-              <a:rPr lang="ru-RU" sz="2400" dirty="0" smtClean="0">
-                <a:solidFill>
-                  <a:schemeClr val="tx2">
-                    <a:lumMod val="90000"/>
-                  </a:schemeClr>
+              <a:t>public void </a:t>
+            </a:r>
+            <a:r>
+              <a:rPr lang="en-US" dirty="0" smtClean="0">
+                <a:solidFill>
+                  <a:srgbClr val="92D050"/>
                 </a:solidFill>
                 <a:effectLst>
                   <a:outerShdw blurRad="38100" dist="38100" dir="2700000" algn="tl">
@@ -13056,14 +13947,12 @@
                 <a:ea typeface="+mj-ea"/>
                 <a:cs typeface="+mj-cs"/>
               </a:rPr>
-              <a:t> </a:t>
-            </a:r>
-            <a:r>
-              <a:rPr lang="en-US" sz="2400" dirty="0">
-                <a:solidFill>
-                  <a:schemeClr val="tx2">
-                    <a:lumMod val="90000"/>
-                  </a:schemeClr>
+              <a:t>[</a:t>
+            </a:r>
+            <a:r>
+              <a:rPr lang="en-US" dirty="0" err="1" smtClean="0">
+                <a:solidFill>
+                  <a:srgbClr val="92D050"/>
                 </a:solidFill>
                 <a:effectLst>
                   <a:outerShdw blurRad="38100" dist="38100" dir="2700000" algn="tl">
@@ -13076,14 +13965,12 @@
                 <a:ea typeface="+mj-ea"/>
                 <a:cs typeface="+mj-cs"/>
               </a:rPr>
-              <a:t>and </a:t>
-            </a:r>
-            <a:r>
-              <a:rPr lang="en-US" sz="2400" dirty="0" smtClean="0">
-                <a:solidFill>
-                  <a:schemeClr val="tx2">
-                    <a:lumMod val="90000"/>
-                  </a:schemeClr>
+              <a:t>target_method</a:t>
+            </a:r>
+            <a:r>
+              <a:rPr lang="en-US" dirty="0" smtClean="0">
+                <a:solidFill>
+                  <a:srgbClr val="92D050"/>
                 </a:solidFill>
                 <a:effectLst>
                   <a:outerShdw blurRad="38100" dist="38100" dir="2700000" algn="tl">
@@ -13096,41 +13983,112 @@
                 <a:ea typeface="+mj-ea"/>
                 <a:cs typeface="+mj-cs"/>
               </a:rPr>
-              <a:t>all-sufficient</a:t>
-            </a:r>
-          </a:p>
-          <a:p>
-            <a:pPr indent="-285750">
-              <a:lnSpc>
-                <a:spcPct val="200000"/>
-              </a:lnSpc>
+              <a:t>]</a:t>
+            </a:r>
+            <a:r>
+              <a:rPr lang="en-US" dirty="0" smtClean="0">
+                <a:solidFill>
+                  <a:schemeClr val="tx2">
+                    <a:lumMod val="90000"/>
+                  </a:schemeClr>
+                </a:solidFill>
+                <a:effectLst>
+                  <a:outerShdw blurRad="38100" dist="38100" dir="2700000" algn="tl">
+                    <a:srgbClr val="000000">
+                      <a:alpha val="43137"/>
+                    </a:srgbClr>
+                  </a:outerShdw>
+                </a:effectLst>
+                <a:latin typeface="+mj-lt"/>
+                <a:ea typeface="+mj-ea"/>
+                <a:cs typeface="+mj-cs"/>
+              </a:rPr>
+              <a:t>_</a:t>
+            </a:r>
+            <a:r>
+              <a:rPr lang="en-US" dirty="0" smtClean="0">
+                <a:solidFill>
+                  <a:srgbClr val="92D050"/>
+                </a:solidFill>
+                <a:effectLst>
+                  <a:outerShdw blurRad="38100" dist="38100" dir="2700000" algn="tl">
+                    <a:srgbClr val="000000">
+                      <a:alpha val="43137"/>
+                    </a:srgbClr>
+                  </a:outerShdw>
+                </a:effectLst>
+                <a:latin typeface="+mj-lt"/>
+                <a:ea typeface="+mj-ea"/>
+                <a:cs typeface="+mj-cs"/>
+              </a:rPr>
+              <a:t>When</a:t>
+            </a:r>
+            <a:r>
+              <a:rPr lang="en-US" dirty="0" smtClean="0">
+                <a:solidFill>
+                  <a:schemeClr val="tx2">
+                    <a:lumMod val="90000"/>
+                  </a:schemeClr>
+                </a:solidFill>
+                <a:effectLst>
+                  <a:outerShdw blurRad="38100" dist="38100" dir="2700000" algn="tl">
+                    <a:srgbClr val="000000">
+                      <a:alpha val="43137"/>
+                    </a:srgbClr>
+                  </a:outerShdw>
+                </a:effectLst>
+                <a:latin typeface="+mj-lt"/>
+                <a:ea typeface="+mj-ea"/>
+                <a:cs typeface="+mj-cs"/>
+              </a:rPr>
+              <a:t>_..._</a:t>
+            </a:r>
+            <a:r>
+              <a:rPr lang="en-US" dirty="0" smtClean="0">
+                <a:solidFill>
+                  <a:srgbClr val="92D050"/>
+                </a:solidFill>
+                <a:effectLst>
+                  <a:outerShdw blurRad="38100" dist="38100" dir="2700000" algn="tl">
+                    <a:srgbClr val="000000">
+                      <a:alpha val="43137"/>
+                    </a:srgbClr>
+                  </a:outerShdw>
+                </a:effectLst>
+                <a:latin typeface="+mj-lt"/>
+                <a:ea typeface="+mj-ea"/>
+                <a:cs typeface="+mj-cs"/>
+              </a:rPr>
+              <a:t>Then</a:t>
+            </a:r>
+            <a:r>
+              <a:rPr lang="en-US" dirty="0" smtClean="0">
+                <a:solidFill>
+                  <a:schemeClr val="tx2">
+                    <a:lumMod val="90000"/>
+                  </a:schemeClr>
+                </a:solidFill>
+                <a:effectLst>
+                  <a:outerShdw blurRad="38100" dist="38100" dir="2700000" algn="tl">
+                    <a:srgbClr val="000000">
+                      <a:alpha val="43137"/>
+                    </a:srgbClr>
+                  </a:outerShdw>
+                </a:effectLst>
+                <a:latin typeface="+mj-lt"/>
+                <a:ea typeface="+mj-ea"/>
+                <a:cs typeface="+mj-cs"/>
+              </a:rPr>
+              <a:t>_...()</a:t>
+            </a:r>
+          </a:p>
+          <a:p>
+            <a:pPr>
               <a:spcBef>
                 <a:spcPct val="0"/>
               </a:spcBef>
-              <a:buFont typeface="Arial" panose="020B0604020202020204" pitchFamily="34" charset="0"/>
-              <a:buChar char="•"/>
             </a:pPr>
-            <a:r>
-              <a:rPr lang="en-US" sz="2400" dirty="0" smtClean="0">
-                <a:solidFill>
-                  <a:schemeClr val="tx2">
-                    <a:lumMod val="90000"/>
-                  </a:schemeClr>
-                </a:solidFill>
-                <a:effectLst>
-                  <a:outerShdw blurRad="38100" dist="38100" dir="2700000" algn="tl">
-                    <a:srgbClr val="000000">
-                      <a:alpha val="43137"/>
-                    </a:srgbClr>
-                  </a:outerShdw>
-                </a:effectLst>
-                <a:latin typeface="+mj-lt"/>
-                <a:ea typeface="+mj-ea"/>
-                <a:cs typeface="+mj-cs"/>
-              </a:rPr>
-              <a:t>ready to run in parallel… ideally</a:t>
-            </a:r>
-            <a:endParaRPr lang="en-US" sz="2400" dirty="0">
+            <a:endParaRPr lang="en-US" dirty="0">
               <a:solidFill>
                 <a:schemeClr val="tx2">
                   <a:lumMod val="90000"/>
@@ -13148,11 +14106,731 @@
               <a:cs typeface="+mj-cs"/>
             </a:endParaRPr>
           </a:p>
-        </p:txBody>
-      </p:sp>
-      <p:sp>
-        <p:nvSpPr>
-          <p:cNvPr id="3" name="Номер слайда 2"/>
+          <a:p>
+            <a:pPr>
+              <a:spcBef>
+                <a:spcPct val="0"/>
+              </a:spcBef>
+            </a:pPr>
+            <a:r>
+              <a:rPr lang="en-US" dirty="0" smtClean="0">
+                <a:solidFill>
+                  <a:schemeClr val="tx1">
+                    <a:lumMod val="75000"/>
+                  </a:schemeClr>
+                </a:solidFill>
+                <a:effectLst>
+                  <a:outerShdw blurRad="38100" dist="38100" dir="2700000" algn="tl">
+                    <a:srgbClr val="000000">
+                      <a:alpha val="43137"/>
+                    </a:srgbClr>
+                  </a:outerShdw>
+                </a:effectLst>
+              </a:rPr>
+              <a:t>public </a:t>
+            </a:r>
+            <a:r>
+              <a:rPr lang="en-US" dirty="0">
+                <a:solidFill>
+                  <a:schemeClr val="tx1">
+                    <a:lumMod val="75000"/>
+                  </a:schemeClr>
+                </a:solidFill>
+                <a:effectLst>
+                  <a:outerShdw blurRad="38100" dist="38100" dir="2700000" algn="tl">
+                    <a:srgbClr val="000000">
+                      <a:alpha val="43137"/>
+                    </a:srgbClr>
+                  </a:outerShdw>
+                </a:effectLst>
+              </a:rPr>
+              <a:t>void </a:t>
+            </a:r>
+            <a:r>
+              <a:rPr lang="en-US" dirty="0">
+                <a:solidFill>
+                  <a:srgbClr val="92D050"/>
+                </a:solidFill>
+                <a:effectLst>
+                  <a:outerShdw blurRad="38100" dist="38100" dir="2700000" algn="tl">
+                    <a:srgbClr val="000000">
+                      <a:alpha val="43137"/>
+                    </a:srgbClr>
+                  </a:outerShdw>
+                </a:effectLst>
+              </a:rPr>
+              <a:t>[</a:t>
+            </a:r>
+            <a:r>
+              <a:rPr lang="en-US" dirty="0" err="1">
+                <a:solidFill>
+                  <a:srgbClr val="92D050"/>
+                </a:solidFill>
+                <a:effectLst>
+                  <a:outerShdw blurRad="38100" dist="38100" dir="2700000" algn="tl">
+                    <a:srgbClr val="000000">
+                      <a:alpha val="43137"/>
+                    </a:srgbClr>
+                  </a:outerShdw>
+                </a:effectLst>
+              </a:rPr>
+              <a:t>target_method</a:t>
+            </a:r>
+            <a:r>
+              <a:rPr lang="en-US" dirty="0" smtClean="0">
+                <a:solidFill>
+                  <a:srgbClr val="92D050"/>
+                </a:solidFill>
+                <a:effectLst>
+                  <a:outerShdw blurRad="38100" dist="38100" dir="2700000" algn="tl">
+                    <a:srgbClr val="000000">
+                      <a:alpha val="43137"/>
+                    </a:srgbClr>
+                  </a:outerShdw>
+                </a:effectLst>
+              </a:rPr>
+              <a:t>]</a:t>
+            </a:r>
+            <a:r>
+              <a:rPr lang="en-US" dirty="0" smtClean="0">
+                <a:solidFill>
+                  <a:schemeClr val="tx2">
+                    <a:lumMod val="90000"/>
+                  </a:schemeClr>
+                </a:solidFill>
+                <a:effectLst>
+                  <a:outerShdw blurRad="38100" dist="38100" dir="2700000" algn="tl">
+                    <a:srgbClr val="000000">
+                      <a:alpha val="43137"/>
+                    </a:srgbClr>
+                  </a:outerShdw>
+                </a:effectLst>
+              </a:rPr>
+              <a:t>_</a:t>
+            </a:r>
+            <a:r>
+              <a:rPr lang="en-US" dirty="0" smtClean="0">
+                <a:solidFill>
+                  <a:srgbClr val="92D050"/>
+                </a:solidFill>
+                <a:effectLst>
+                  <a:outerShdw blurRad="38100" dist="38100" dir="2700000" algn="tl">
+                    <a:srgbClr val="000000">
+                      <a:alpha val="43137"/>
+                    </a:srgbClr>
+                  </a:outerShdw>
+                </a:effectLst>
+              </a:rPr>
+              <a:t>Should</a:t>
+            </a:r>
+            <a:r>
+              <a:rPr lang="en-US" dirty="0" smtClean="0">
+                <a:solidFill>
+                  <a:schemeClr val="tx2">
+                    <a:lumMod val="90000"/>
+                  </a:schemeClr>
+                </a:solidFill>
+                <a:effectLst>
+                  <a:outerShdw blurRad="38100" dist="38100" dir="2700000" algn="tl">
+                    <a:srgbClr val="000000">
+                      <a:alpha val="43137"/>
+                    </a:srgbClr>
+                  </a:outerShdw>
+                </a:effectLst>
+              </a:rPr>
+              <a:t>_..._</a:t>
+            </a:r>
+            <a:r>
+              <a:rPr lang="en-US" dirty="0" smtClean="0">
+                <a:solidFill>
+                  <a:srgbClr val="92D050"/>
+                </a:solidFill>
+                <a:effectLst>
+                  <a:outerShdw blurRad="38100" dist="38100" dir="2700000" algn="tl">
+                    <a:srgbClr val="000000">
+                      <a:alpha val="43137"/>
+                    </a:srgbClr>
+                  </a:outerShdw>
+                </a:effectLst>
+              </a:rPr>
+              <a:t>When</a:t>
+            </a:r>
+            <a:r>
+              <a:rPr lang="en-US" dirty="0" smtClean="0">
+                <a:solidFill>
+                  <a:schemeClr val="tx2">
+                    <a:lumMod val="90000"/>
+                  </a:schemeClr>
+                </a:solidFill>
+                <a:effectLst>
+                  <a:outerShdw blurRad="38100" dist="38100" dir="2700000" algn="tl">
+                    <a:srgbClr val="000000">
+                      <a:alpha val="43137"/>
+                    </a:srgbClr>
+                  </a:outerShdw>
+                </a:effectLst>
+              </a:rPr>
+              <a:t>_...()</a:t>
+            </a:r>
+            <a:endParaRPr lang="en-US" dirty="0">
+              <a:solidFill>
+                <a:schemeClr val="tx2">
+                  <a:lumMod val="90000"/>
+                </a:schemeClr>
+              </a:solidFill>
+              <a:effectLst>
+                <a:outerShdw blurRad="38100" dist="38100" dir="2700000" algn="tl">
+                  <a:srgbClr val="000000">
+                    <a:alpha val="43137"/>
+                  </a:srgbClr>
+                </a:outerShdw>
+              </a:effectLst>
+            </a:endParaRPr>
+          </a:p>
+        </p:txBody>
+      </p:sp>
+      <p:sp>
+        <p:nvSpPr>
+          <p:cNvPr id="49" name="Овал 48"/>
+          <p:cNvSpPr/>
+          <p:nvPr/>
+        </p:nvSpPr>
+        <p:spPr>
+          <a:xfrm>
+            <a:off x="5030661" y="3498552"/>
+            <a:ext cx="519764" cy="519764"/>
+          </a:xfrm>
+          <a:prstGeom prst="ellipse">
+            <a:avLst/>
+          </a:prstGeom>
+          <a:solidFill>
+            <a:srgbClr val="FF0000">
+              <a:alpha val="30196"/>
+            </a:srgbClr>
+          </a:solidFill>
+          <a:ln>
+            <a:noFill/>
+          </a:ln>
+        </p:spPr>
+        <p:style>
+          <a:lnRef idx="2">
+            <a:schemeClr val="accent1">
+              <a:shade val="50000"/>
+            </a:schemeClr>
+          </a:lnRef>
+          <a:fillRef idx="1">
+            <a:schemeClr val="accent1"/>
+          </a:fillRef>
+          <a:effectRef idx="0">
+            <a:schemeClr val="accent1"/>
+          </a:effectRef>
+          <a:fontRef idx="minor">
+            <a:schemeClr val="lt1"/>
+          </a:fontRef>
+        </p:style>
+        <p:txBody>
+          <a:bodyPr rtlCol="0" anchor="ctr"/>
+          <a:lstStyle/>
+          <a:p>
+            <a:pPr algn="ctr"/>
+            <a:endParaRPr lang="ru-RU"/>
+          </a:p>
+        </p:txBody>
+      </p:sp>
+      <p:sp>
+        <p:nvSpPr>
+          <p:cNvPr id="50" name="Овал 49"/>
+          <p:cNvSpPr/>
+          <p:nvPr/>
+        </p:nvSpPr>
+        <p:spPr>
+          <a:xfrm>
+            <a:off x="6200621" y="4054913"/>
+            <a:ext cx="519764" cy="519764"/>
+          </a:xfrm>
+          <a:prstGeom prst="ellipse">
+            <a:avLst/>
+          </a:prstGeom>
+          <a:solidFill>
+            <a:srgbClr val="FF0000">
+              <a:alpha val="30196"/>
+            </a:srgbClr>
+          </a:solidFill>
+          <a:ln>
+            <a:noFill/>
+          </a:ln>
+        </p:spPr>
+        <p:style>
+          <a:lnRef idx="2">
+            <a:schemeClr val="accent1">
+              <a:shade val="50000"/>
+            </a:schemeClr>
+          </a:lnRef>
+          <a:fillRef idx="1">
+            <a:schemeClr val="accent1"/>
+          </a:fillRef>
+          <a:effectRef idx="0">
+            <a:schemeClr val="accent1"/>
+          </a:effectRef>
+          <a:fontRef idx="minor">
+            <a:schemeClr val="lt1"/>
+          </a:fontRef>
+        </p:style>
+        <p:txBody>
+          <a:bodyPr rtlCol="0" anchor="ctr"/>
+          <a:lstStyle/>
+          <a:p>
+            <a:pPr algn="ctr"/>
+            <a:endParaRPr lang="ru-RU"/>
+          </a:p>
+        </p:txBody>
+      </p:sp>
+      <p:sp>
+        <p:nvSpPr>
+          <p:cNvPr id="51" name="Овал 50"/>
+          <p:cNvSpPr/>
+          <p:nvPr/>
+        </p:nvSpPr>
+        <p:spPr>
+          <a:xfrm>
+            <a:off x="6004470" y="3498552"/>
+            <a:ext cx="519764" cy="519764"/>
+          </a:xfrm>
+          <a:prstGeom prst="ellipse">
+            <a:avLst/>
+          </a:prstGeom>
+          <a:solidFill>
+            <a:srgbClr val="00B050">
+              <a:alpha val="30196"/>
+            </a:srgbClr>
+          </a:solidFill>
+          <a:ln>
+            <a:noFill/>
+          </a:ln>
+        </p:spPr>
+        <p:style>
+          <a:lnRef idx="2">
+            <a:schemeClr val="accent1">
+              <a:shade val="50000"/>
+            </a:schemeClr>
+          </a:lnRef>
+          <a:fillRef idx="1">
+            <a:schemeClr val="accent1"/>
+          </a:fillRef>
+          <a:effectRef idx="0">
+            <a:schemeClr val="accent1"/>
+          </a:effectRef>
+          <a:fontRef idx="minor">
+            <a:schemeClr val="lt1"/>
+          </a:fontRef>
+        </p:style>
+        <p:txBody>
+          <a:bodyPr rtlCol="0" anchor="ctr"/>
+          <a:lstStyle/>
+          <a:p>
+            <a:pPr algn="ctr"/>
+            <a:endParaRPr lang="ru-RU"/>
+          </a:p>
+        </p:txBody>
+      </p:sp>
+      <p:sp>
+        <p:nvSpPr>
+          <p:cNvPr id="52" name="Овал 51"/>
+          <p:cNvSpPr/>
+          <p:nvPr/>
+        </p:nvSpPr>
+        <p:spPr>
+          <a:xfrm>
+            <a:off x="5130852" y="4049129"/>
+            <a:ext cx="519764" cy="519764"/>
+          </a:xfrm>
+          <a:prstGeom prst="ellipse">
+            <a:avLst/>
+          </a:prstGeom>
+          <a:solidFill>
+            <a:srgbClr val="00B050">
+              <a:alpha val="30196"/>
+            </a:srgbClr>
+          </a:solidFill>
+          <a:ln>
+            <a:noFill/>
+          </a:ln>
+        </p:spPr>
+        <p:style>
+          <a:lnRef idx="2">
+            <a:schemeClr val="accent1">
+              <a:shade val="50000"/>
+            </a:schemeClr>
+          </a:lnRef>
+          <a:fillRef idx="1">
+            <a:schemeClr val="accent1"/>
+          </a:fillRef>
+          <a:effectRef idx="0">
+            <a:schemeClr val="accent1"/>
+          </a:effectRef>
+          <a:fontRef idx="minor">
+            <a:schemeClr val="lt1"/>
+          </a:fontRef>
+        </p:style>
+        <p:txBody>
+          <a:bodyPr rtlCol="0" anchor="ctr"/>
+          <a:lstStyle/>
+          <a:p>
+            <a:pPr algn="ctr"/>
+            <a:endParaRPr lang="ru-RU"/>
+          </a:p>
+        </p:txBody>
+      </p:sp>
+      <p:grpSp>
+        <p:nvGrpSpPr>
+          <p:cNvPr id="3" name="Группа 2"/>
+          <p:cNvGrpSpPr/>
+          <p:nvPr/>
+        </p:nvGrpSpPr>
+        <p:grpSpPr>
+          <a:xfrm>
+            <a:off x="7282633" y="3498552"/>
+            <a:ext cx="1366357" cy="519764"/>
+            <a:chOff x="1635499" y="4861942"/>
+            <a:chExt cx="1366357" cy="519764"/>
+          </a:xfrm>
+        </p:grpSpPr>
+        <p:sp>
+          <p:nvSpPr>
+            <p:cNvPr id="12" name="TextBox 11"/>
+            <p:cNvSpPr txBox="1"/>
+            <p:nvPr/>
+          </p:nvSpPr>
+          <p:spPr>
+            <a:xfrm>
+              <a:off x="1735163" y="4943281"/>
+              <a:ext cx="1266693" cy="369332"/>
+            </a:xfrm>
+            <a:prstGeom prst="rect">
+              <a:avLst/>
+            </a:prstGeom>
+            <a:noFill/>
+          </p:spPr>
+          <p:txBody>
+            <a:bodyPr wrap="none" rtlCol="0">
+              <a:spAutoFit/>
+            </a:bodyPr>
+            <a:lstStyle/>
+            <a:p>
+              <a:pPr>
+                <a:spcBef>
+                  <a:spcPct val="0"/>
+                </a:spcBef>
+              </a:pPr>
+              <a:r>
+                <a:rPr lang="en-US" dirty="0">
+                  <a:solidFill>
+                    <a:schemeClr val="tx2">
+                      <a:lumMod val="90000"/>
+                    </a:schemeClr>
+                  </a:solidFill>
+                  <a:effectLst>
+                    <a:outerShdw blurRad="38100" dist="38100" dir="2700000" algn="tl">
+                      <a:srgbClr val="000000">
+                        <a:alpha val="43137"/>
+                      </a:srgbClr>
+                    </a:outerShdw>
+                  </a:effectLst>
+                  <a:latin typeface="+mj-lt"/>
+                  <a:ea typeface="+mj-ea"/>
+                  <a:cs typeface="+mj-cs"/>
+                </a:rPr>
+                <a:t>C</a:t>
+              </a:r>
+              <a:r>
+                <a:rPr lang="en-US" dirty="0" smtClean="0">
+                  <a:solidFill>
+                    <a:schemeClr val="tx2">
+                      <a:lumMod val="90000"/>
+                    </a:schemeClr>
+                  </a:solidFill>
+                  <a:effectLst>
+                    <a:outerShdw blurRad="38100" dist="38100" dir="2700000" algn="tl">
+                      <a:srgbClr val="000000">
+                        <a:alpha val="43137"/>
+                      </a:srgbClr>
+                    </a:outerShdw>
+                  </a:effectLst>
+                  <a:latin typeface="+mj-lt"/>
+                  <a:ea typeface="+mj-ea"/>
+                  <a:cs typeface="+mj-cs"/>
+                </a:rPr>
+                <a:t>onditions</a:t>
+              </a:r>
+              <a:endParaRPr lang="ru-RU" dirty="0">
+                <a:solidFill>
+                  <a:schemeClr val="tx2">
+                    <a:lumMod val="90000"/>
+                  </a:schemeClr>
+                </a:solidFill>
+                <a:effectLst>
+                  <a:outerShdw blurRad="38100" dist="38100" dir="2700000" algn="tl">
+                    <a:srgbClr val="000000">
+                      <a:alpha val="43137"/>
+                    </a:srgbClr>
+                  </a:outerShdw>
+                </a:effectLst>
+                <a:latin typeface="+mj-lt"/>
+                <a:ea typeface="+mj-ea"/>
+                <a:cs typeface="+mj-cs"/>
+              </a:endParaRPr>
+            </a:p>
+          </p:txBody>
+        </p:sp>
+        <p:sp>
+          <p:nvSpPr>
+            <p:cNvPr id="53" name="Овал 52"/>
+            <p:cNvSpPr/>
+            <p:nvPr/>
+          </p:nvSpPr>
+          <p:spPr>
+            <a:xfrm>
+              <a:off x="1635499" y="4861942"/>
+              <a:ext cx="519764" cy="519764"/>
+            </a:xfrm>
+            <a:prstGeom prst="ellipse">
+              <a:avLst/>
+            </a:prstGeom>
+            <a:solidFill>
+              <a:srgbClr val="FF0000">
+                <a:alpha val="30196"/>
+              </a:srgbClr>
+            </a:solidFill>
+            <a:ln>
+              <a:noFill/>
+            </a:ln>
+          </p:spPr>
+          <p:style>
+            <a:lnRef idx="2">
+              <a:schemeClr val="accent1">
+                <a:shade val="50000"/>
+              </a:schemeClr>
+            </a:lnRef>
+            <a:fillRef idx="1">
+              <a:schemeClr val="accent1"/>
+            </a:fillRef>
+            <a:effectRef idx="0">
+              <a:schemeClr val="accent1"/>
+            </a:effectRef>
+            <a:fontRef idx="minor">
+              <a:schemeClr val="lt1"/>
+            </a:fontRef>
+          </p:style>
+          <p:txBody>
+            <a:bodyPr rtlCol="0" anchor="ctr"/>
+            <a:lstStyle/>
+            <a:p>
+              <a:pPr algn="ctr"/>
+              <a:endParaRPr lang="ru-RU"/>
+            </a:p>
+          </p:txBody>
+        </p:sp>
+      </p:grpSp>
+      <p:grpSp>
+        <p:nvGrpSpPr>
+          <p:cNvPr id="4" name="Группа 3"/>
+          <p:cNvGrpSpPr/>
+          <p:nvPr/>
+        </p:nvGrpSpPr>
+        <p:grpSpPr>
+          <a:xfrm>
+            <a:off x="7282633" y="4049129"/>
+            <a:ext cx="1909300" cy="519764"/>
+            <a:chOff x="3641125" y="4861942"/>
+            <a:chExt cx="1909300" cy="519764"/>
+          </a:xfrm>
+        </p:grpSpPr>
+        <p:sp>
+          <p:nvSpPr>
+            <p:cNvPr id="13" name="TextBox 12"/>
+            <p:cNvSpPr txBox="1"/>
+            <p:nvPr/>
+          </p:nvSpPr>
+          <p:spPr>
+            <a:xfrm>
+              <a:off x="3748329" y="4937158"/>
+              <a:ext cx="1802096" cy="369332"/>
+            </a:xfrm>
+            <a:prstGeom prst="rect">
+              <a:avLst/>
+            </a:prstGeom>
+            <a:noFill/>
+          </p:spPr>
+          <p:txBody>
+            <a:bodyPr wrap="none" rtlCol="0">
+              <a:spAutoFit/>
+            </a:bodyPr>
+            <a:lstStyle/>
+            <a:p>
+              <a:pPr>
+                <a:spcBef>
+                  <a:spcPct val="0"/>
+                </a:spcBef>
+              </a:pPr>
+              <a:r>
+                <a:rPr lang="en-US" dirty="0" smtClean="0">
+                  <a:solidFill>
+                    <a:schemeClr val="tx2">
+                      <a:lumMod val="90000"/>
+                    </a:schemeClr>
+                  </a:solidFill>
+                  <a:effectLst>
+                    <a:outerShdw blurRad="38100" dist="38100" dir="2700000" algn="tl">
+                      <a:srgbClr val="000000">
+                        <a:alpha val="43137"/>
+                      </a:srgbClr>
+                    </a:outerShdw>
+                  </a:effectLst>
+                  <a:latin typeface="+mj-lt"/>
+                  <a:ea typeface="+mj-ea"/>
+                  <a:cs typeface="+mj-cs"/>
+                </a:rPr>
+                <a:t>Expected result</a:t>
+              </a:r>
+              <a:endParaRPr lang="ru-RU" dirty="0">
+                <a:solidFill>
+                  <a:schemeClr val="tx2">
+                    <a:lumMod val="90000"/>
+                  </a:schemeClr>
+                </a:solidFill>
+                <a:effectLst>
+                  <a:outerShdw blurRad="38100" dist="38100" dir="2700000" algn="tl">
+                    <a:srgbClr val="000000">
+                      <a:alpha val="43137"/>
+                    </a:srgbClr>
+                  </a:outerShdw>
+                </a:effectLst>
+                <a:latin typeface="+mj-lt"/>
+                <a:ea typeface="+mj-ea"/>
+                <a:cs typeface="+mj-cs"/>
+              </a:endParaRPr>
+            </a:p>
+          </p:txBody>
+        </p:sp>
+        <p:sp>
+          <p:nvSpPr>
+            <p:cNvPr id="54" name="Овал 53"/>
+            <p:cNvSpPr/>
+            <p:nvPr/>
+          </p:nvSpPr>
+          <p:spPr>
+            <a:xfrm>
+              <a:off x="3641125" y="4861942"/>
+              <a:ext cx="519764" cy="519764"/>
+            </a:xfrm>
+            <a:prstGeom prst="ellipse">
+              <a:avLst/>
+            </a:prstGeom>
+            <a:solidFill>
+              <a:srgbClr val="00B050">
+                <a:alpha val="30196"/>
+              </a:srgbClr>
+            </a:solidFill>
+            <a:ln>
+              <a:noFill/>
+            </a:ln>
+          </p:spPr>
+          <p:style>
+            <a:lnRef idx="2">
+              <a:schemeClr val="accent1">
+                <a:shade val="50000"/>
+              </a:schemeClr>
+            </a:lnRef>
+            <a:fillRef idx="1">
+              <a:schemeClr val="accent1"/>
+            </a:fillRef>
+            <a:effectRef idx="0">
+              <a:schemeClr val="accent1"/>
+            </a:effectRef>
+            <a:fontRef idx="minor">
+              <a:schemeClr val="lt1"/>
+            </a:fontRef>
+          </p:style>
+          <p:txBody>
+            <a:bodyPr rtlCol="0" anchor="ctr"/>
+            <a:lstStyle/>
+            <a:p>
+              <a:pPr algn="ctr"/>
+              <a:endParaRPr lang="ru-RU"/>
+            </a:p>
+          </p:txBody>
+        </p:sp>
+      </p:grpSp>
+      <p:sp>
+        <p:nvSpPr>
+          <p:cNvPr id="21" name="TextBox 20"/>
+          <p:cNvSpPr txBox="1"/>
+          <p:nvPr/>
+        </p:nvSpPr>
+        <p:spPr>
+          <a:xfrm>
+            <a:off x="1039799" y="5024774"/>
+            <a:ext cx="3514232" cy="369332"/>
+          </a:xfrm>
+          <a:prstGeom prst="rect">
+            <a:avLst/>
+          </a:prstGeom>
+          <a:noFill/>
+        </p:spPr>
+        <p:txBody>
+          <a:bodyPr wrap="none" rtlCol="0">
+            <a:spAutoFit/>
+          </a:bodyPr>
+          <a:lstStyle/>
+          <a:p>
+            <a:pPr>
+              <a:spcBef>
+                <a:spcPct val="0"/>
+              </a:spcBef>
+            </a:pPr>
+            <a:r>
+              <a:rPr lang="en-US" dirty="0" smtClean="0">
+                <a:solidFill>
+                  <a:schemeClr val="tx2">
+                    <a:lumMod val="90000"/>
+                  </a:schemeClr>
+                </a:solidFill>
+                <a:effectLst>
+                  <a:outerShdw blurRad="38100" dist="38100" dir="2700000" algn="tl">
+                    <a:srgbClr val="000000">
+                      <a:alpha val="43137"/>
+                    </a:srgbClr>
+                  </a:outerShdw>
+                </a:effectLst>
+                <a:latin typeface="+mj-lt"/>
+                <a:ea typeface="+mj-ea"/>
+                <a:cs typeface="+mj-cs"/>
+              </a:rPr>
+              <a:t>AAA pattern: Arrange-Act-Assert</a:t>
+            </a:r>
+            <a:endParaRPr lang="ru-RU" dirty="0">
+              <a:solidFill>
+                <a:schemeClr val="tx2">
+                  <a:lumMod val="90000"/>
+                </a:schemeClr>
+              </a:solidFill>
+              <a:effectLst>
+                <a:outerShdw blurRad="38100" dist="38100" dir="2700000" algn="tl">
+                  <a:srgbClr val="000000">
+                    <a:alpha val="43137"/>
+                  </a:srgbClr>
+                </a:outerShdw>
+              </a:effectLst>
+              <a:latin typeface="+mj-lt"/>
+              <a:ea typeface="+mj-ea"/>
+              <a:cs typeface="+mj-cs"/>
+            </a:endParaRPr>
+          </a:p>
+        </p:txBody>
+      </p:sp>
+      <p:sp>
+        <p:nvSpPr>
+          <p:cNvPr id="5" name="Номер слайда 4"/>
           <p:cNvSpPr>
             <a:spLocks noGrp="1"/>
           </p:cNvSpPr>
@@ -13177,7 +14855,7 @@
     </p:spTree>
     <p:extLst>
       <p:ext uri="{BB962C8B-B14F-4D97-AF65-F5344CB8AC3E}">
-        <p14:creationId xmlns:p14="http://schemas.microsoft.com/office/powerpoint/2010/main" val="4099913748"/>
+        <p14:creationId xmlns:p14="http://schemas.microsoft.com/office/powerpoint/2010/main" val="3536936581"/>
       </p:ext>
     </p:extLst>
   </p:cSld>
@@ -13187,9 +14865,167 @@
   <p:timing>
     <p:tnLst>
       <p:par>
-        <p:cTn id="1" dur="indefinite" restart="never" nodeType="tmRoot"/>
+        <p:cTn id="1" dur="indefinite" restart="never" nodeType="tmRoot">
+          <p:childTnLst>
+            <p:seq concurrent="1" nextAc="seek">
+              <p:cTn id="2" dur="indefinite" nodeType="mainSeq">
+                <p:childTnLst>
+                  <p:par>
+                    <p:cTn id="3" fill="hold">
+                      <p:stCondLst>
+                        <p:cond delay="indefinite"/>
+                        <p:cond evt="onBegin" delay="0">
+                          <p:tn val="2"/>
+                        </p:cond>
+                      </p:stCondLst>
+                      <p:childTnLst>
+                        <p:par>
+                          <p:cTn id="4" fill="hold">
+                            <p:stCondLst>
+                              <p:cond delay="0"/>
+                            </p:stCondLst>
+                            <p:childTnLst>
+                              <p:par>
+                                <p:cTn id="5" presetID="1" presetClass="entr" presetSubtype="0" fill="hold" grpId="0" nodeType="withEffect">
+                                  <p:stCondLst>
+                                    <p:cond delay="0"/>
+                                  </p:stCondLst>
+                                  <p:childTnLst>
+                                    <p:set>
+                                      <p:cBhvr>
+                                        <p:cTn id="6" dur="1" fill="hold">
+                                          <p:stCondLst>
+                                            <p:cond delay="0"/>
+                                          </p:stCondLst>
+                                        </p:cTn>
+                                        <p:tgtEl>
+                                          <p:spTgt spid="52"/>
+                                        </p:tgtEl>
+                                        <p:attrNameLst>
+                                          <p:attrName>style.visibility</p:attrName>
+                                        </p:attrNameLst>
+                                      </p:cBhvr>
+                                      <p:to>
+                                        <p:strVal val="visible"/>
+                                      </p:to>
+                                    </p:set>
+                                  </p:childTnLst>
+                                </p:cTn>
+                              </p:par>
+                              <p:par>
+                                <p:cTn id="7" presetID="1" presetClass="entr" presetSubtype="0" fill="hold" grpId="0" nodeType="withEffect">
+                                  <p:stCondLst>
+                                    <p:cond delay="0"/>
+                                  </p:stCondLst>
+                                  <p:childTnLst>
+                                    <p:set>
+                                      <p:cBhvr>
+                                        <p:cTn id="8" dur="1" fill="hold">
+                                          <p:stCondLst>
+                                            <p:cond delay="0"/>
+                                          </p:stCondLst>
+                                        </p:cTn>
+                                        <p:tgtEl>
+                                          <p:spTgt spid="49"/>
+                                        </p:tgtEl>
+                                        <p:attrNameLst>
+                                          <p:attrName>style.visibility</p:attrName>
+                                        </p:attrNameLst>
+                                      </p:cBhvr>
+                                      <p:to>
+                                        <p:strVal val="visible"/>
+                                      </p:to>
+                                    </p:set>
+                                  </p:childTnLst>
+                                </p:cTn>
+                              </p:par>
+                              <p:par>
+                                <p:cTn id="9" presetID="1" presetClass="entr" presetSubtype="0" fill="hold" grpId="0" nodeType="withEffect">
+                                  <p:stCondLst>
+                                    <p:cond delay="0"/>
+                                  </p:stCondLst>
+                                  <p:childTnLst>
+                                    <p:set>
+                                      <p:cBhvr>
+                                        <p:cTn id="10" dur="1" fill="hold">
+                                          <p:stCondLst>
+                                            <p:cond delay="0"/>
+                                          </p:stCondLst>
+                                        </p:cTn>
+                                        <p:tgtEl>
+                                          <p:spTgt spid="51"/>
+                                        </p:tgtEl>
+                                        <p:attrNameLst>
+                                          <p:attrName>style.visibility</p:attrName>
+                                        </p:attrNameLst>
+                                      </p:cBhvr>
+                                      <p:to>
+                                        <p:strVal val="visible"/>
+                                      </p:to>
+                                    </p:set>
+                                  </p:childTnLst>
+                                </p:cTn>
+                              </p:par>
+                              <p:par>
+                                <p:cTn id="11" presetID="1" presetClass="entr" presetSubtype="0" fill="hold" grpId="0" nodeType="withEffect">
+                                  <p:stCondLst>
+                                    <p:cond delay="0"/>
+                                  </p:stCondLst>
+                                  <p:childTnLst>
+                                    <p:set>
+                                      <p:cBhvr>
+                                        <p:cTn id="12" dur="1" fill="hold">
+                                          <p:stCondLst>
+                                            <p:cond delay="0"/>
+                                          </p:stCondLst>
+                                        </p:cTn>
+                                        <p:tgtEl>
+                                          <p:spTgt spid="50"/>
+                                        </p:tgtEl>
+                                        <p:attrNameLst>
+                                          <p:attrName>style.visibility</p:attrName>
+                                        </p:attrNameLst>
+                                      </p:cBhvr>
+                                      <p:to>
+                                        <p:strVal val="visible"/>
+                                      </p:to>
+                                    </p:set>
+                                  </p:childTnLst>
+                                </p:cTn>
+                              </p:par>
+                            </p:childTnLst>
+                          </p:cTn>
+                        </p:par>
+                      </p:childTnLst>
+                    </p:cTn>
+                  </p:par>
+                </p:childTnLst>
+              </p:cTn>
+              <p:prevCondLst>
+                <p:cond evt="onPrev" delay="0">
+                  <p:tgtEl>
+                    <p:sldTgt/>
+                  </p:tgtEl>
+                </p:cond>
+              </p:prevCondLst>
+              <p:nextCondLst>
+                <p:cond evt="onNext" delay="0">
+                  <p:tgtEl>
+                    <p:sldTgt/>
+                  </p:tgtEl>
+                </p:cond>
+              </p:nextCondLst>
+            </p:seq>
+          </p:childTnLst>
+        </p:cTn>
       </p:par>
     </p:tnLst>
+    <p:bldLst>
+      <p:bldP spid="49" grpId="0" animBg="1"/>
+      <p:bldP spid="50" grpId="0" animBg="1"/>
+      <p:bldP spid="51" grpId="0" animBg="1"/>
+      <p:bldP spid="52" grpId="0" animBg="1"/>
+    </p:bldLst>
   </p:timing>
 </p:sld>
 </file>
@@ -13213,6 +15049,118 @@
       </p:grpSpPr>
       <p:sp>
         <p:nvSpPr>
+          <p:cNvPr id="12" name="Прямоугольник 11"/>
+          <p:cNvSpPr/>
+          <p:nvPr/>
+        </p:nvSpPr>
+        <p:spPr>
+          <a:xfrm>
+            <a:off x="1211580" y="4030980"/>
+            <a:ext cx="7395210" cy="1165860"/>
+          </a:xfrm>
+          <a:prstGeom prst="rect">
+            <a:avLst/>
+          </a:prstGeom>
+          <a:solidFill>
+            <a:schemeClr val="tx1">
+              <a:alpha val="5098"/>
+            </a:schemeClr>
+          </a:solidFill>
+          <a:ln>
+            <a:noFill/>
+          </a:ln>
+        </p:spPr>
+        <p:style>
+          <a:lnRef idx="2">
+            <a:schemeClr val="accent1">
+              <a:shade val="50000"/>
+            </a:schemeClr>
+          </a:lnRef>
+          <a:fillRef idx="1">
+            <a:schemeClr val="accent1"/>
+          </a:fillRef>
+          <a:effectRef idx="0">
+            <a:schemeClr val="accent1"/>
+          </a:effectRef>
+          <a:fontRef idx="minor">
+            <a:schemeClr val="lt1"/>
+          </a:fontRef>
+        </p:style>
+        <p:txBody>
+          <a:bodyPr rtlCol="0" anchor="ctr"/>
+          <a:lstStyle/>
+          <a:p>
+            <a:pPr algn="ctr"/>
+            <a:endParaRPr lang="ru-RU">
+              <a:effectLst>
+                <a:outerShdw blurRad="38100" dist="38100" dir="2700000" algn="tl">
+                  <a:srgbClr val="000000">
+                    <a:alpha val="43137"/>
+                  </a:srgbClr>
+                </a:outerShdw>
+              </a:effectLst>
+            </a:endParaRPr>
+          </a:p>
+        </p:txBody>
+      </p:sp>
+      <p:sp>
+        <p:nvSpPr>
+          <p:cNvPr id="11" name="Прямоугольник 10"/>
+          <p:cNvSpPr/>
+          <p:nvPr/>
+        </p:nvSpPr>
+        <p:spPr>
+          <a:xfrm>
+            <a:off x="1211580" y="1771650"/>
+            <a:ext cx="7395210" cy="1165860"/>
+          </a:xfrm>
+          <a:prstGeom prst="rect">
+            <a:avLst/>
+          </a:prstGeom>
+          <a:solidFill>
+            <a:schemeClr val="tx1">
+              <a:alpha val="5098"/>
+            </a:schemeClr>
+          </a:solidFill>
+          <a:ln>
+            <a:noFill/>
+          </a:ln>
+        </p:spPr>
+        <p:style>
+          <a:lnRef idx="2">
+            <a:schemeClr val="accent1">
+              <a:shade val="50000"/>
+            </a:schemeClr>
+          </a:lnRef>
+          <a:fillRef idx="1">
+            <a:schemeClr val="accent1"/>
+          </a:fillRef>
+          <a:effectRef idx="0">
+            <a:schemeClr val="accent1"/>
+          </a:effectRef>
+          <a:fontRef idx="minor">
+            <a:schemeClr val="lt1"/>
+          </a:fontRef>
+        </p:style>
+        <p:txBody>
+          <a:bodyPr rtlCol="0" anchor="ctr"/>
+          <a:lstStyle/>
+          <a:p>
+            <a:pPr algn="ctr"/>
+            <a:endParaRPr lang="ru-RU">
+              <a:effectLst>
+                <a:outerShdw blurRad="38100" dist="38100" dir="2700000" algn="tl">
+                  <a:srgbClr val="000000">
+                    <a:alpha val="43137"/>
+                  </a:srgbClr>
+                </a:outerShdw>
+              </a:effectLst>
+            </a:endParaRPr>
+          </a:p>
+        </p:txBody>
+      </p:sp>
+      <p:sp>
+        <p:nvSpPr>
           <p:cNvPr id="2" name="Заголовок 1"/>
           <p:cNvSpPr>
             <a:spLocks noGrp="1"/>
@@ -13236,7 +15184,7 @@
                   </a:outerShdw>
                 </a:effectLst>
               </a:rPr>
-              <a:t>Testable code</a:t>
+              <a:t>Popular unit-testing frameworks</a:t>
             </a:r>
             <a:endParaRPr lang="ru-RU" dirty="0">
               <a:effectLst>
@@ -13252,38 +15200,14 @@
       </p:sp>
       <p:sp>
         <p:nvSpPr>
-          <p:cNvPr id="4" name="Номер слайда 3"/>
-          <p:cNvSpPr>
-            <a:spLocks noGrp="1"/>
-          </p:cNvSpPr>
-          <p:nvPr>
-            <p:ph type="sldNum" sz="quarter" idx="12"/>
-          </p:nvPr>
-        </p:nvSpPr>
-        <p:spPr/>
-        <p:txBody>
-          <a:bodyPr/>
-          <a:lstStyle/>
-          <a:p>
-            <a:fld id="{D57F1E4F-1CFF-5643-939E-217C01CDF565}" type="slidenum">
-              <a:rPr lang="en-US" smtClean="0"/>
-              <a:pPr/>
-              <a:t>6</a:t>
-            </a:fld>
-            <a:endParaRPr lang="en-US" dirty="0"/>
-          </a:p>
-        </p:txBody>
-      </p:sp>
-      <p:sp>
-        <p:nvSpPr>
-          <p:cNvPr id="5" name="TextBox 4"/>
+          <p:cNvPr id="4" name="TextBox 3"/>
           <p:cNvSpPr txBox="1"/>
           <p:nvPr/>
         </p:nvSpPr>
         <p:spPr>
           <a:xfrm>
-            <a:off x="2216110" y="1657090"/>
-            <a:ext cx="5375189" cy="3729162"/>
+            <a:off x="1412513" y="1976120"/>
+            <a:ext cx="960519" cy="461665"/>
           </a:xfrm>
           <a:prstGeom prst="rect">
             <a:avLst/>
@@ -13296,18 +15220,13 @@
           </a:bodyPr>
           <a:lstStyle/>
           <a:p>
-            <a:pPr indent="-285750">
-              <a:lnSpc>
-                <a:spcPct val="150000"/>
-              </a:lnSpc>
+            <a:pPr>
               <a:spcBef>
                 <a:spcPct val="0"/>
               </a:spcBef>
-              <a:buFont typeface="Arial" panose="020B0604020202020204" pitchFamily="34" charset="0"/>
-              <a:buChar char="•"/>
             </a:pPr>
             <a:r>
-              <a:rPr lang="en-US" sz="2000" dirty="0" smtClean="0">
+              <a:rPr lang="en-US" sz="2400" dirty="0" smtClean="0">
                 <a:solidFill>
                   <a:schemeClr val="tx2">
                     <a:lumMod val="90000"/>
@@ -13324,9 +15243,9 @@
                 <a:ea typeface="+mj-ea"/>
                 <a:cs typeface="+mj-cs"/>
               </a:rPr>
-              <a:t>SOLID principle</a:t>
-            </a:r>
-            <a:endParaRPr lang="en-US" sz="2000" dirty="0">
+              <a:t>NUnit</a:t>
+            </a:r>
+            <a:endParaRPr lang="ru-RU" sz="2400" dirty="0">
               <a:solidFill>
                 <a:schemeClr val="tx2">
                   <a:lumMod val="90000"/>
@@ -13344,19 +15263,37 @@
               <a:cs typeface="+mj-cs"/>
             </a:endParaRPr>
           </a:p>
-          <a:p>
-            <a:pPr lvl="2" indent="-285750">
-              <a:lnSpc>
-                <a:spcPct val="150000"/>
-              </a:lnSpc>
+        </p:txBody>
+      </p:sp>
+      <p:sp>
+        <p:nvSpPr>
+          <p:cNvPr id="5" name="TextBox 4"/>
+          <p:cNvSpPr txBox="1"/>
+          <p:nvPr/>
+        </p:nvSpPr>
+        <p:spPr>
+          <a:xfrm>
+            <a:off x="1412513" y="3070900"/>
+            <a:ext cx="4808689" cy="461665"/>
+          </a:xfrm>
+          <a:prstGeom prst="rect">
+            <a:avLst/>
+          </a:prstGeom>
+          <a:noFill/>
+        </p:spPr>
+        <p:txBody>
+          <a:bodyPr wrap="none" rtlCol="0">
+            <a:spAutoFit/>
+          </a:bodyPr>
+          <a:lstStyle/>
+          <a:p>
+            <a:pPr>
               <a:spcBef>
                 <a:spcPct val="0"/>
               </a:spcBef>
-              <a:buFont typeface="Arial" panose="020B0604020202020204" pitchFamily="34" charset="0"/>
-              <a:buChar char="•"/>
             </a:pPr>
             <a:r>
-              <a:rPr lang="en-US" sz="2000" dirty="0">
+              <a:rPr lang="en-US" sz="2400" dirty="0" smtClean="0">
                 <a:solidFill>
                   <a:schemeClr val="tx2">
                     <a:lumMod val="90000"/>
@@ -13373,121 +15310,9 @@
                 <a:ea typeface="+mj-ea"/>
                 <a:cs typeface="+mj-cs"/>
               </a:rPr>
-              <a:t>e</a:t>
-            </a:r>
-            <a:r>
-              <a:rPr lang="en-US" sz="2000" dirty="0" smtClean="0">
-                <a:solidFill>
-                  <a:schemeClr val="tx2">
-                    <a:lumMod val="90000"/>
-                  </a:schemeClr>
-                </a:solidFill>
-                <a:effectLst>
-                  <a:outerShdw blurRad="38100" dist="38100" dir="2700000" algn="tl">
-                    <a:srgbClr val="000000">
-                      <a:alpha val="43137"/>
-                    </a:srgbClr>
-                  </a:outerShdw>
-                </a:effectLst>
-                <a:latin typeface="+mj-lt"/>
-                <a:ea typeface="+mj-ea"/>
-                <a:cs typeface="+mj-cs"/>
-              </a:rPr>
-              <a:t>ach unit does one concrete task</a:t>
-            </a:r>
-          </a:p>
-          <a:p>
-            <a:pPr lvl="2" indent="-285750">
-              <a:lnSpc>
-                <a:spcPct val="150000"/>
-              </a:lnSpc>
-              <a:spcBef>
-                <a:spcPct val="0"/>
-              </a:spcBef>
-              <a:buFont typeface="Arial" panose="020B0604020202020204" pitchFamily="34" charset="0"/>
-              <a:buChar char="•"/>
-            </a:pPr>
-            <a:r>
-              <a:rPr lang="en-US" sz="2000" dirty="0">
-                <a:solidFill>
-                  <a:schemeClr val="tx2">
-                    <a:lumMod val="90000"/>
-                  </a:schemeClr>
-                </a:solidFill>
-                <a:effectLst>
-                  <a:outerShdw blurRad="38100" dist="38100" dir="2700000" algn="tl">
-                    <a:srgbClr val="000000">
-                      <a:alpha val="43137"/>
-                    </a:srgbClr>
-                  </a:outerShdw>
-                </a:effectLst>
-                <a:latin typeface="+mj-lt"/>
-                <a:ea typeface="+mj-ea"/>
-                <a:cs typeface="+mj-cs"/>
-              </a:rPr>
-              <a:t>l</a:t>
-            </a:r>
-            <a:r>
-              <a:rPr lang="en-US" sz="2000" dirty="0" smtClean="0">
-                <a:solidFill>
-                  <a:schemeClr val="tx2">
-                    <a:lumMod val="90000"/>
-                  </a:schemeClr>
-                </a:solidFill>
-                <a:effectLst>
-                  <a:outerShdw blurRad="38100" dist="38100" dir="2700000" algn="tl">
-                    <a:srgbClr val="000000">
-                      <a:alpha val="43137"/>
-                    </a:srgbClr>
-                  </a:outerShdw>
-                </a:effectLst>
-                <a:latin typeface="+mj-lt"/>
-                <a:ea typeface="+mj-ea"/>
-                <a:cs typeface="+mj-cs"/>
-              </a:rPr>
-              <a:t>oosely </a:t>
-            </a:r>
-            <a:r>
-              <a:rPr lang="en-US" sz="2000" dirty="0">
-                <a:solidFill>
-                  <a:schemeClr val="tx2">
-                    <a:lumMod val="90000"/>
-                  </a:schemeClr>
-                </a:solidFill>
-                <a:effectLst>
-                  <a:outerShdw blurRad="38100" dist="38100" dir="2700000" algn="tl">
-                    <a:srgbClr val="000000">
-                      <a:alpha val="43137"/>
-                    </a:srgbClr>
-                  </a:outerShdw>
-                </a:effectLst>
-                <a:latin typeface="+mj-lt"/>
-                <a:ea typeface="+mj-ea"/>
-                <a:cs typeface="+mj-cs"/>
-              </a:rPr>
-              <a:t>coupled </a:t>
-            </a:r>
-            <a:r>
-              <a:rPr lang="en-US" sz="2000" dirty="0" smtClean="0">
-                <a:solidFill>
-                  <a:schemeClr val="tx2">
-                    <a:lumMod val="90000"/>
-                  </a:schemeClr>
-                </a:solidFill>
-                <a:effectLst>
-                  <a:outerShdw blurRad="38100" dist="38100" dir="2700000" algn="tl">
-                    <a:srgbClr val="000000">
-                      <a:alpha val="43137"/>
-                    </a:srgbClr>
-                  </a:outerShdw>
-                </a:effectLst>
-                <a:latin typeface="+mj-lt"/>
-                <a:ea typeface="+mj-ea"/>
-                <a:cs typeface="+mj-cs"/>
-              </a:rPr>
-              <a:t>units</a:t>
-            </a:r>
-            <a:endParaRPr lang="en-US" sz="2000" dirty="0">
+              <a:t>Microsoft Unit Testing Framework</a:t>
+            </a:r>
+            <a:endParaRPr lang="ru-RU" sz="2400" dirty="0">
               <a:solidFill>
                 <a:schemeClr val="tx2">
                   <a:lumMod val="90000"/>
@@ -13505,19 +15330,37 @@
               <a:cs typeface="+mj-cs"/>
             </a:endParaRPr>
           </a:p>
-          <a:p>
-            <a:pPr indent="-285750">
-              <a:lnSpc>
-                <a:spcPct val="150000"/>
-              </a:lnSpc>
+        </p:txBody>
+      </p:sp>
+      <p:sp>
+        <p:nvSpPr>
+          <p:cNvPr id="6" name="TextBox 5"/>
+          <p:cNvSpPr txBox="1"/>
+          <p:nvPr/>
+        </p:nvSpPr>
+        <p:spPr>
+          <a:xfrm>
+            <a:off x="1412513" y="4165680"/>
+            <a:ext cx="917239" cy="461665"/>
+          </a:xfrm>
+          <a:prstGeom prst="rect">
+            <a:avLst/>
+          </a:prstGeom>
+          <a:noFill/>
+        </p:spPr>
+        <p:txBody>
+          <a:bodyPr wrap="none" rtlCol="0">
+            <a:spAutoFit/>
+          </a:bodyPr>
+          <a:lstStyle/>
+          <a:p>
+            <a:pPr>
               <a:spcBef>
                 <a:spcPct val="0"/>
               </a:spcBef>
-              <a:buFont typeface="Arial" panose="020B0604020202020204" pitchFamily="34" charset="0"/>
-              <a:buChar char="•"/>
             </a:pPr>
             <a:r>
-              <a:rPr lang="en-US" sz="2000" dirty="0">
+              <a:rPr lang="en-US" sz="2400" dirty="0" err="1" smtClean="0">
                 <a:solidFill>
                   <a:schemeClr val="tx2">
                     <a:lumMod val="90000"/>
@@ -13530,27 +15373,13 @@
                     </a:srgbClr>
                   </a:outerShdw>
                 </a:effectLst>
-              </a:rPr>
-              <a:t>Small understandable </a:t>
-            </a:r>
-            <a:r>
-              <a:rPr lang="en-US" sz="2000" dirty="0" smtClean="0">
-                <a:solidFill>
-                  <a:schemeClr val="tx2">
-                    <a:lumMod val="90000"/>
-                  </a:schemeClr>
-                </a:solidFill>
-                <a:effectLst>
-                  <a:outerShdw blurRad="38100" dist="38100" dir="2700000" algn="tl">
-                    <a:srgbClr val="000000">
-                      <a:alpha val="43137"/>
-                    </a:srgbClr>
-                  </a:outerShdw>
-                </a:effectLst>
-              </a:rPr>
-              <a:t>units</a:t>
-            </a:r>
-            <a:endParaRPr lang="en-US" sz="2000" dirty="0" smtClean="0">
+                <a:latin typeface="+mj-lt"/>
+                <a:ea typeface="+mj-ea"/>
+                <a:cs typeface="+mj-cs"/>
+              </a:rPr>
+              <a:t>xUnit</a:t>
+            </a:r>
+            <a:endParaRPr lang="ru-RU" sz="2400" dirty="0">
               <a:solidFill>
                 <a:schemeClr val="tx2">
                   <a:lumMod val="90000"/>
@@ -13568,10 +15397,372 @@
               <a:cs typeface="+mj-cs"/>
             </a:endParaRPr>
           </a:p>
+        </p:txBody>
+      </p:sp>
+      <p:sp>
+        <p:nvSpPr>
+          <p:cNvPr id="7" name="Прямоугольник 6"/>
+          <p:cNvSpPr/>
+          <p:nvPr/>
+        </p:nvSpPr>
+        <p:spPr>
+          <a:xfrm>
+            <a:off x="1740191" y="2421533"/>
+            <a:ext cx="2598404" cy="369332"/>
+          </a:xfrm>
+          <a:prstGeom prst="rect">
+            <a:avLst/>
+          </a:prstGeom>
+        </p:spPr>
+        <p:txBody>
+          <a:bodyPr wrap="none">
+            <a:spAutoFit/>
+          </a:bodyPr>
+          <a:lstStyle/>
+          <a:p>
+            <a:r>
+              <a:rPr lang="ru-RU" dirty="0">
+                <a:solidFill>
+                  <a:schemeClr val="accent1">
+                    <a:lumMod val="60000"/>
+                    <a:lumOff val="40000"/>
+                  </a:schemeClr>
+                </a:solidFill>
+                <a:effectLst>
+                  <a:outerShdw blurRad="38100" dist="38100" dir="2700000" algn="tl">
+                    <a:srgbClr val="000000">
+                      <a:alpha val="43137"/>
+                    </a:srgbClr>
+                  </a:outerShdw>
+                </a:effectLst>
+                <a:hlinkClick r:id="rId2"/>
+              </a:rPr>
+              <a:t>http://www.nunit.org</a:t>
+            </a:r>
+            <a:r>
+              <a:rPr lang="ru-RU" dirty="0" smtClean="0">
+                <a:solidFill>
+                  <a:schemeClr val="accent1">
+                    <a:lumMod val="60000"/>
+                    <a:lumOff val="40000"/>
+                  </a:schemeClr>
+                </a:solidFill>
+                <a:effectLst>
+                  <a:outerShdw blurRad="38100" dist="38100" dir="2700000" algn="tl">
+                    <a:srgbClr val="000000">
+                      <a:alpha val="43137"/>
+                    </a:srgbClr>
+                  </a:outerShdw>
+                </a:effectLst>
+                <a:hlinkClick r:id="rId2"/>
+              </a:rPr>
+              <a:t>/</a:t>
+            </a:r>
+            <a:endParaRPr lang="ru-RU" dirty="0">
+              <a:solidFill>
+                <a:schemeClr val="accent1">
+                  <a:lumMod val="60000"/>
+                  <a:lumOff val="40000"/>
+                </a:schemeClr>
+              </a:solidFill>
+              <a:effectLst>
+                <a:outerShdw blurRad="38100" dist="38100" dir="2700000" algn="tl">
+                  <a:srgbClr val="000000">
+                    <a:alpha val="43137"/>
+                  </a:srgbClr>
+                </a:outerShdw>
+              </a:effectLst>
+            </a:endParaRPr>
+          </a:p>
+        </p:txBody>
+      </p:sp>
+      <p:sp>
+        <p:nvSpPr>
+          <p:cNvPr id="8" name="Прямоугольник 7"/>
+          <p:cNvSpPr/>
+          <p:nvPr/>
+        </p:nvSpPr>
+        <p:spPr>
+          <a:xfrm>
+            <a:off x="1740191" y="3512543"/>
+            <a:ext cx="6621780" cy="369332"/>
+          </a:xfrm>
+          <a:prstGeom prst="rect">
+            <a:avLst/>
+          </a:prstGeom>
+        </p:spPr>
+        <p:txBody>
+          <a:bodyPr wrap="square">
+            <a:spAutoFit/>
+          </a:bodyPr>
+          <a:lstStyle/>
+          <a:p>
+            <a:r>
+              <a:rPr lang="ru-RU" dirty="0">
+                <a:solidFill>
+                  <a:schemeClr val="accent1">
+                    <a:lumMod val="60000"/>
+                    <a:lumOff val="40000"/>
+                  </a:schemeClr>
+                </a:solidFill>
+                <a:effectLst>
+                  <a:outerShdw blurRad="38100" dist="38100" dir="2700000" algn="tl">
+                    <a:srgbClr val="000000">
+                      <a:alpha val="43137"/>
+                    </a:srgbClr>
+                  </a:outerShdw>
+                </a:effectLst>
+                <a:hlinkClick r:id="rId3"/>
+              </a:rPr>
+              <a:t>https://</a:t>
+            </a:r>
+            <a:r>
+              <a:rPr lang="ru-RU" dirty="0" smtClean="0">
+                <a:solidFill>
+                  <a:schemeClr val="accent1">
+                    <a:lumMod val="60000"/>
+                    <a:lumOff val="40000"/>
+                  </a:schemeClr>
+                </a:solidFill>
+                <a:effectLst>
+                  <a:outerShdw blurRad="38100" dist="38100" dir="2700000" algn="tl">
+                    <a:srgbClr val="000000">
+                      <a:alpha val="43137"/>
+                    </a:srgbClr>
+                  </a:outerShdw>
+                </a:effectLst>
+                <a:hlinkClick r:id="rId3"/>
+              </a:rPr>
+              <a:t>msdn.microsoft.com/en-us/library/ms243147.aspx</a:t>
+            </a:r>
+            <a:endParaRPr lang="ru-RU" dirty="0">
+              <a:solidFill>
+                <a:schemeClr val="accent1">
+                  <a:lumMod val="60000"/>
+                  <a:lumOff val="40000"/>
+                </a:schemeClr>
+              </a:solidFill>
+              <a:effectLst>
+                <a:outerShdw blurRad="38100" dist="38100" dir="2700000" algn="tl">
+                  <a:srgbClr val="000000">
+                    <a:alpha val="43137"/>
+                  </a:srgbClr>
+                </a:outerShdw>
+              </a:effectLst>
+            </a:endParaRPr>
+          </a:p>
+        </p:txBody>
+      </p:sp>
+      <p:sp>
+        <p:nvSpPr>
+          <p:cNvPr id="9" name="Прямоугольник 8"/>
+          <p:cNvSpPr/>
+          <p:nvPr/>
+        </p:nvSpPr>
+        <p:spPr>
+          <a:xfrm>
+            <a:off x="1740191" y="4627345"/>
+            <a:ext cx="6621780" cy="369332"/>
+          </a:xfrm>
+          <a:prstGeom prst="rect">
+            <a:avLst/>
+          </a:prstGeom>
+        </p:spPr>
+        <p:txBody>
+          <a:bodyPr wrap="square">
+            <a:spAutoFit/>
+          </a:bodyPr>
+          <a:lstStyle/>
+          <a:p>
+            <a:r>
+              <a:rPr lang="en-US" dirty="0">
+                <a:solidFill>
+                  <a:schemeClr val="accent1">
+                    <a:lumMod val="60000"/>
+                    <a:lumOff val="40000"/>
+                  </a:schemeClr>
+                </a:solidFill>
+                <a:effectLst>
+                  <a:outerShdw blurRad="38100" dist="38100" dir="2700000" algn="tl">
+                    <a:srgbClr val="000000">
+                      <a:alpha val="43137"/>
+                    </a:srgbClr>
+                  </a:outerShdw>
+                </a:effectLst>
+                <a:hlinkClick r:id="rId4"/>
+              </a:rPr>
+              <a:t>http://xunit.github.io</a:t>
+            </a:r>
+            <a:r>
+              <a:rPr lang="en-US" dirty="0" smtClean="0">
+                <a:solidFill>
+                  <a:schemeClr val="accent1">
+                    <a:lumMod val="60000"/>
+                    <a:lumOff val="40000"/>
+                  </a:schemeClr>
+                </a:solidFill>
+                <a:effectLst>
+                  <a:outerShdw blurRad="38100" dist="38100" dir="2700000" algn="tl">
+                    <a:srgbClr val="000000">
+                      <a:alpha val="43137"/>
+                    </a:srgbClr>
+                  </a:outerShdw>
+                </a:effectLst>
+                <a:hlinkClick r:id="rId4"/>
+              </a:rPr>
+              <a:t>/</a:t>
+            </a:r>
+            <a:endParaRPr lang="ru-RU" dirty="0">
+              <a:solidFill>
+                <a:schemeClr val="accent1">
+                  <a:lumMod val="60000"/>
+                  <a:lumOff val="40000"/>
+                </a:schemeClr>
+              </a:solidFill>
+              <a:effectLst>
+                <a:outerShdw blurRad="38100" dist="38100" dir="2700000" algn="tl">
+                  <a:srgbClr val="000000">
+                    <a:alpha val="43137"/>
+                  </a:srgbClr>
+                </a:outerShdw>
+              </a:effectLst>
+            </a:endParaRPr>
+          </a:p>
+        </p:txBody>
+      </p:sp>
+      <p:sp>
+        <p:nvSpPr>
+          <p:cNvPr id="3" name="Номер слайда 2"/>
+          <p:cNvSpPr>
+            <a:spLocks noGrp="1"/>
+          </p:cNvSpPr>
+          <p:nvPr>
+            <p:ph type="sldNum" sz="quarter" idx="12"/>
+          </p:nvPr>
+        </p:nvSpPr>
+        <p:spPr/>
+        <p:txBody>
+          <a:bodyPr/>
+          <a:lstStyle/>
+          <a:p>
+            <a:fld id="{D57F1E4F-1CFF-5643-939E-217C01CDF565}" type="slidenum">
+              <a:rPr lang="en-US" smtClean="0"/>
+              <a:pPr/>
+              <a:t>6</a:t>
+            </a:fld>
+            <a:endParaRPr lang="en-US" dirty="0"/>
+          </a:p>
+        </p:txBody>
+      </p:sp>
+    </p:spTree>
+    <p:extLst>
+      <p:ext uri="{BB962C8B-B14F-4D97-AF65-F5344CB8AC3E}">
+        <p14:creationId xmlns:p14="http://schemas.microsoft.com/office/powerpoint/2010/main" val="1173864650"/>
+      </p:ext>
+    </p:extLst>
+  </p:cSld>
+  <p:clrMapOvr>
+    <a:masterClrMapping/>
+  </p:clrMapOvr>
+  <mc:AlternateContent xmlns:mc="http://schemas.openxmlformats.org/markup-compatibility/2006" xmlns:p14="http://schemas.microsoft.com/office/powerpoint/2010/main">
+    <mc:Choice Requires="p14">
+      <p:transition spd="slow" p14:dur="2000"/>
+    </mc:Choice>
+    <mc:Fallback xmlns="">
+      <p:transition spd="slow"/>
+    </mc:Fallback>
+  </mc:AlternateContent>
+  <p:timing>
+    <p:tnLst>
+      <p:par>
+        <p:cTn id="1" dur="indefinite" restart="never" nodeType="tmRoot"/>
+      </p:par>
+    </p:tnLst>
+  </p:timing>
+</p:sld>
+</file>
+
+<file path=ppt/slides/slide7.xml><?xml version="1.0" encoding="utf-8"?>
+<p:sld xmlns:a="http://schemas.openxmlformats.org/drawingml/2006/main" xmlns:r="http://schemas.openxmlformats.org/officeDocument/2006/relationships" xmlns:p="http://schemas.openxmlformats.org/presentationml/2006/main">
+  <p:cSld>
+    <p:spTree>
+      <p:nvGrpSpPr>
+        <p:cNvPr id="1" name=""/>
+        <p:cNvGrpSpPr/>
+        <p:nvPr/>
+      </p:nvGrpSpPr>
+      <p:grpSpPr>
+        <a:xfrm>
+          <a:off x="0" y="0"/>
+          <a:ext cx="0" cy="0"/>
+          <a:chOff x="0" y="0"/>
+          <a:chExt cx="0" cy="0"/>
+        </a:xfrm>
+      </p:grpSpPr>
+      <p:sp>
+        <p:nvSpPr>
+          <p:cNvPr id="2" name="Заголовок 1"/>
+          <p:cNvSpPr>
+            <a:spLocks noGrp="1"/>
+          </p:cNvSpPr>
+          <p:nvPr>
+            <p:ph type="title"/>
+          </p:nvPr>
+        </p:nvSpPr>
+        <p:spPr/>
+        <p:txBody>
+          <a:bodyPr/>
+          <a:lstStyle/>
+          <a:p>
+            <a:r>
+              <a:rPr lang="en-US" dirty="0" smtClean="0">
+                <a:effectLst>
+                  <a:outerShdw blurRad="38100" dist="38100" dir="2700000" algn="tl">
+                    <a:srgbClr val="000000">
+                      <a:alpha val="43137"/>
+                    </a:srgbClr>
+                  </a:outerShdw>
+                </a:effectLst>
+              </a:rPr>
+              <a:t>Test should be…</a:t>
+            </a:r>
+            <a:endParaRPr lang="ru-RU" dirty="0">
+              <a:effectLst>
+                <a:outerShdw blurRad="38100" dist="38100" dir="2700000" algn="tl">
+                  <a:srgbClr val="000000">
+                    <a:alpha val="43137"/>
+                  </a:srgbClr>
+                </a:outerShdw>
+              </a:effectLst>
+            </a:endParaRPr>
+          </a:p>
+        </p:txBody>
+      </p:sp>
+      <p:sp>
+        <p:nvSpPr>
+          <p:cNvPr id="5" name="TextBox 4"/>
+          <p:cNvSpPr txBox="1"/>
+          <p:nvPr/>
+        </p:nvSpPr>
+        <p:spPr>
+          <a:xfrm>
+            <a:off x="2446770" y="1644417"/>
+            <a:ext cx="5057795" cy="3785652"/>
+          </a:xfrm>
+          <a:prstGeom prst="rect">
+            <a:avLst/>
+          </a:prstGeom>
+          <a:noFill/>
+        </p:spPr>
+        <p:txBody>
+          <a:bodyPr wrap="none" rtlCol="0">
+            <a:spAutoFit/>
+          </a:bodyPr>
+          <a:lstStyle/>
           <a:p>
             <a:pPr indent="-285750">
               <a:lnSpc>
-                <a:spcPct val="150000"/>
+                <a:spcPct val="200000"/>
               </a:lnSpc>
               <a:spcBef>
                 <a:spcPct val="0"/>
@@ -13580,7 +15771,7 @@
               <a:buChar char="•"/>
             </a:pPr>
             <a:r>
-              <a:rPr lang="en-US" sz="2000" dirty="0" smtClean="0">
+              <a:rPr lang="en-US" sz="2400" dirty="0" smtClean="0">
                 <a:solidFill>
                   <a:schemeClr val="tx2">
                     <a:lumMod val="90000"/>
@@ -13597,13 +15788,30 @@
                 <a:ea typeface="+mj-ea"/>
                 <a:cs typeface="+mj-cs"/>
               </a:rPr>
-              <a:t>Dependency Injection (DI) pattern</a:t>
-            </a:r>
+              <a:t>easy to write</a:t>
+            </a:r>
+            <a:endParaRPr lang="en-US" sz="2400" dirty="0">
+              <a:solidFill>
+                <a:schemeClr val="tx2">
+                  <a:lumMod val="90000"/>
+                </a:schemeClr>
+              </a:solidFill>
+              <a:effectLst>
+                <a:outerShdw blurRad="38100" dist="38100" dir="2700000" algn="tl">
+                  <a:srgbClr val="000000">
+                    <a:alpha val="43137"/>
+                  </a:srgbClr>
+                </a:outerShdw>
+              </a:effectLst>
+              <a:latin typeface="+mj-lt"/>
+              <a:ea typeface="+mj-ea"/>
+              <a:cs typeface="+mj-cs"/>
+            </a:endParaRPr>
           </a:p>
           <a:p>
             <a:pPr indent="-285750">
               <a:lnSpc>
-                <a:spcPct val="150000"/>
+                <a:spcPct val="200000"/>
               </a:lnSpc>
               <a:spcBef>
                 <a:spcPct val="0"/>
@@ -13612,7 +15820,7 @@
               <a:buChar char="•"/>
             </a:pPr>
             <a:r>
-              <a:rPr lang="en-US" sz="2000" dirty="0" smtClean="0">
+              <a:rPr lang="en-US" sz="2400" dirty="0" smtClean="0">
                 <a:solidFill>
                   <a:schemeClr val="tx2">
                     <a:lumMod val="90000"/>
@@ -13629,13 +15837,30 @@
                 <a:ea typeface="+mj-ea"/>
                 <a:cs typeface="+mj-cs"/>
               </a:rPr>
-              <a:t>Only few dependencies</a:t>
-            </a:r>
+              <a:t>simple to understand</a:t>
+            </a:r>
+            <a:endParaRPr lang="en-US" sz="2400" dirty="0">
+              <a:solidFill>
+                <a:schemeClr val="tx2">
+                  <a:lumMod val="90000"/>
+                </a:schemeClr>
+              </a:solidFill>
+              <a:effectLst>
+                <a:outerShdw blurRad="38100" dist="38100" dir="2700000" algn="tl">
+                  <a:srgbClr val="000000">
+                    <a:alpha val="43137"/>
+                  </a:srgbClr>
+                </a:outerShdw>
+              </a:effectLst>
+              <a:latin typeface="+mj-lt"/>
+              <a:ea typeface="+mj-ea"/>
+              <a:cs typeface="+mj-cs"/>
+            </a:endParaRPr>
           </a:p>
           <a:p>
             <a:pPr indent="-285750">
               <a:lnSpc>
-                <a:spcPct val="150000"/>
+                <a:spcPct val="200000"/>
               </a:lnSpc>
               <a:spcBef>
                 <a:spcPct val="0"/>
@@ -13644,7 +15869,7 @@
               <a:buChar char="•"/>
             </a:pPr>
             <a:r>
-              <a:rPr lang="en-US" sz="2000" dirty="0" smtClean="0">
+              <a:rPr lang="en-US" sz="2400" dirty="0" smtClean="0">
                 <a:solidFill>
                   <a:schemeClr val="tx2">
                     <a:lumMod val="90000"/>
@@ -13661,13 +15886,30 @@
                 <a:ea typeface="+mj-ea"/>
                 <a:cs typeface="+mj-cs"/>
               </a:rPr>
-              <a:t>Logic is separated from the data resources</a:t>
-            </a:r>
+              <a:t>easy to run and automate</a:t>
+            </a:r>
+            <a:endParaRPr lang="en-US" sz="2400" dirty="0">
+              <a:solidFill>
+                <a:schemeClr val="tx2">
+                  <a:lumMod val="90000"/>
+                </a:schemeClr>
+              </a:solidFill>
+              <a:effectLst>
+                <a:outerShdw blurRad="38100" dist="38100" dir="2700000" algn="tl">
+                  <a:srgbClr val="000000">
+                    <a:alpha val="43137"/>
+                  </a:srgbClr>
+                </a:outerShdw>
+              </a:effectLst>
+              <a:latin typeface="+mj-lt"/>
+              <a:ea typeface="+mj-ea"/>
+              <a:cs typeface="+mj-cs"/>
+            </a:endParaRPr>
           </a:p>
           <a:p>
             <a:pPr indent="-285750">
               <a:lnSpc>
-                <a:spcPct val="150000"/>
+                <a:spcPct val="200000"/>
               </a:lnSpc>
               <a:spcBef>
                 <a:spcPct val="0"/>
@@ -13676,7 +15918,7 @@
               <a:buChar char="•"/>
             </a:pPr>
             <a:r>
-              <a:rPr lang="en-US" sz="2000" dirty="0" smtClean="0">
+              <a:rPr lang="en-US" sz="2400" dirty="0" smtClean="0">
                 <a:solidFill>
                   <a:schemeClr val="tx2">
                     <a:lumMod val="90000"/>
@@ -13693,25 +15935,165 @@
                 <a:ea typeface="+mj-ea"/>
                 <a:cs typeface="+mj-cs"/>
               </a:rPr>
-              <a:t>Interfaces</a:t>
-            </a:r>
+              <a:t>independent</a:t>
+            </a:r>
+            <a:r>
+              <a:rPr lang="ru-RU" sz="2400" dirty="0" smtClean="0">
+                <a:solidFill>
+                  <a:schemeClr val="tx2">
+                    <a:lumMod val="90000"/>
+                  </a:schemeClr>
+                </a:solidFill>
+                <a:effectLst>
+                  <a:outerShdw blurRad="38100" dist="38100" dir="2700000" algn="tl">
+                    <a:srgbClr val="000000">
+                      <a:alpha val="43137"/>
+                    </a:srgbClr>
+                  </a:outerShdw>
+                </a:effectLst>
+                <a:latin typeface="+mj-lt"/>
+                <a:ea typeface="+mj-ea"/>
+                <a:cs typeface="+mj-cs"/>
+              </a:rPr>
+              <a:t> </a:t>
+            </a:r>
+            <a:r>
+              <a:rPr lang="en-US" sz="2400" dirty="0">
+                <a:solidFill>
+                  <a:schemeClr val="tx2">
+                    <a:lumMod val="90000"/>
+                  </a:schemeClr>
+                </a:solidFill>
+                <a:effectLst>
+                  <a:outerShdw blurRad="38100" dist="38100" dir="2700000" algn="tl">
+                    <a:srgbClr val="000000">
+                      <a:alpha val="43137"/>
+                    </a:srgbClr>
+                  </a:outerShdw>
+                </a:effectLst>
+                <a:latin typeface="+mj-lt"/>
+                <a:ea typeface="+mj-ea"/>
+                <a:cs typeface="+mj-cs"/>
+              </a:rPr>
+              <a:t>and </a:t>
+            </a:r>
+            <a:r>
+              <a:rPr lang="en-US" sz="2400" dirty="0" smtClean="0">
+                <a:solidFill>
+                  <a:schemeClr val="tx2">
+                    <a:lumMod val="90000"/>
+                  </a:schemeClr>
+                </a:solidFill>
+                <a:effectLst>
+                  <a:outerShdw blurRad="38100" dist="38100" dir="2700000" algn="tl">
+                    <a:srgbClr val="000000">
+                      <a:alpha val="43137"/>
+                    </a:srgbClr>
+                  </a:outerShdw>
+                </a:effectLst>
+                <a:latin typeface="+mj-lt"/>
+                <a:ea typeface="+mj-ea"/>
+                <a:cs typeface="+mj-cs"/>
+              </a:rPr>
+              <a:t>all-sufficient</a:t>
+            </a:r>
+          </a:p>
+          <a:p>
+            <a:pPr indent="-285750">
+              <a:lnSpc>
+                <a:spcPct val="200000"/>
+              </a:lnSpc>
+              <a:spcBef>
+                <a:spcPct val="0"/>
+              </a:spcBef>
+              <a:buFont typeface="Arial" panose="020B0604020202020204" pitchFamily="34" charset="0"/>
+              <a:buChar char="•"/>
+            </a:pPr>
+            <a:r>
+              <a:rPr lang="en-US" sz="2400" dirty="0" smtClean="0">
+                <a:solidFill>
+                  <a:schemeClr val="tx2">
+                    <a:lumMod val="90000"/>
+                  </a:schemeClr>
+                </a:solidFill>
+                <a:effectLst>
+                  <a:outerShdw blurRad="38100" dist="38100" dir="2700000" algn="tl">
+                    <a:srgbClr val="000000">
+                      <a:alpha val="43137"/>
+                    </a:srgbClr>
+                  </a:outerShdw>
+                </a:effectLst>
+                <a:latin typeface="+mj-lt"/>
+                <a:ea typeface="+mj-ea"/>
+                <a:cs typeface="+mj-cs"/>
+              </a:rPr>
+              <a:t>ready to run in parallel… ideally</a:t>
+            </a:r>
+            <a:endParaRPr lang="en-US" sz="2400" dirty="0">
+              <a:solidFill>
+                <a:schemeClr val="tx2">
+                  <a:lumMod val="90000"/>
+                </a:schemeClr>
+              </a:solidFill>
+              <a:effectLst>
+                <a:outerShdw blurRad="38100" dist="38100" dir="2700000" algn="tl">
+                  <a:srgbClr val="000000">
+                    <a:alpha val="43137"/>
+                  </a:srgbClr>
+                </a:outerShdw>
+              </a:effectLst>
+              <a:latin typeface="+mj-lt"/>
+              <a:ea typeface="+mj-ea"/>
+              <a:cs typeface="+mj-cs"/>
+            </a:endParaRPr>
+          </a:p>
+        </p:txBody>
+      </p:sp>
+      <p:sp>
+        <p:nvSpPr>
+          <p:cNvPr id="3" name="Номер слайда 2"/>
+          <p:cNvSpPr>
+            <a:spLocks noGrp="1"/>
+          </p:cNvSpPr>
+          <p:nvPr>
+            <p:ph type="sldNum" sz="quarter" idx="12"/>
+          </p:nvPr>
+        </p:nvSpPr>
+        <p:spPr/>
+        <p:txBody>
+          <a:bodyPr/>
+          <a:lstStyle/>
+          <a:p>
+            <a:fld id="{D57F1E4F-1CFF-5643-939E-217C01CDF565}" type="slidenum">
+              <a:rPr lang="en-US" smtClean="0"/>
+              <a:pPr/>
+              <a:t>7</a:t>
+            </a:fld>
+            <a:endParaRPr lang="en-US" dirty="0"/>
           </a:p>
         </p:txBody>
       </p:sp>
     </p:spTree>
     <p:extLst>
       <p:ext uri="{BB962C8B-B14F-4D97-AF65-F5344CB8AC3E}">
-        <p14:creationId xmlns:p14="http://schemas.microsoft.com/office/powerpoint/2010/main" val="150197300"/>
+        <p14:creationId xmlns:p14="http://schemas.microsoft.com/office/powerpoint/2010/main" val="4099913748"/>
       </p:ext>
     </p:extLst>
   </p:cSld>
   <p:clrMapOvr>
     <a:masterClrMapping/>
   </p:clrMapOvr>
+  <p:timing>
+    <p:tnLst>
+      <p:par>
+        <p:cTn id="1" dur="indefinite" restart="never" nodeType="tmRoot"/>
+      </p:par>
+    </p:tnLst>
+  </p:timing>
 </p:sld>
 </file>
 
-<file path=ppt/slides/slide7.xml><?xml version="1.0" encoding="utf-8"?>
+<file path=ppt/slides/slide8.xml><?xml version="1.0" encoding="utf-8"?>
 <p:sld xmlns:a="http://schemas.openxmlformats.org/drawingml/2006/main" xmlns:r="http://schemas.openxmlformats.org/officeDocument/2006/relationships" xmlns:p="http://schemas.openxmlformats.org/presentationml/2006/main">
   <p:cSld>
     <p:spTree>
@@ -14986,7 +17368,7 @@
             <a:fld id="{D57F1E4F-1CFF-5643-939E-217C01CDF565}" type="slidenum">
               <a:rPr lang="en-US" smtClean="0"/>
               <a:pPr/>
-              <a:t>7</a:t>
+              <a:t>8</a:t>
             </a:fld>
             <a:endParaRPr lang="en-US" dirty="0"/>
           </a:p>
@@ -15563,1759 +17945,6 @@
 </p:sld>
 </file>
 
-<file path=ppt/slides/slide8.xml><?xml version="1.0" encoding="utf-8"?>
-<p:sld xmlns:a="http://schemas.openxmlformats.org/drawingml/2006/main" xmlns:r="http://schemas.openxmlformats.org/officeDocument/2006/relationships" xmlns:p="http://schemas.openxmlformats.org/presentationml/2006/main">
-  <p:cSld>
-    <p:spTree>
-      <p:nvGrpSpPr>
-        <p:cNvPr id="1" name=""/>
-        <p:cNvGrpSpPr/>
-        <p:nvPr/>
-      </p:nvGrpSpPr>
-      <p:grpSpPr>
-        <a:xfrm>
-          <a:off x="0" y="0"/>
-          <a:ext cx="0" cy="0"/>
-          <a:chOff x="0" y="0"/>
-          <a:chExt cx="0" cy="0"/>
-        </a:xfrm>
-      </p:grpSpPr>
-      <p:sp>
-        <p:nvSpPr>
-          <p:cNvPr id="15" name="Прямоугольник 14"/>
-          <p:cNvSpPr/>
-          <p:nvPr/>
-        </p:nvSpPr>
-        <p:spPr>
-          <a:xfrm>
-            <a:off x="917088" y="2969475"/>
-            <a:ext cx="8356913" cy="1833184"/>
-          </a:xfrm>
-          <a:prstGeom prst="rect">
-            <a:avLst/>
-          </a:prstGeom>
-          <a:solidFill>
-            <a:schemeClr val="tx1">
-              <a:alpha val="5098"/>
-            </a:schemeClr>
-          </a:solidFill>
-          <a:ln>
-            <a:noFill/>
-          </a:ln>
-        </p:spPr>
-        <p:style>
-          <a:lnRef idx="2">
-            <a:schemeClr val="accent1">
-              <a:shade val="50000"/>
-            </a:schemeClr>
-          </a:lnRef>
-          <a:fillRef idx="1">
-            <a:schemeClr val="accent1"/>
-          </a:fillRef>
-          <a:effectRef idx="0">
-            <a:schemeClr val="accent1"/>
-          </a:effectRef>
-          <a:fontRef idx="minor">
-            <a:schemeClr val="lt1"/>
-          </a:fontRef>
-        </p:style>
-        <p:txBody>
-          <a:bodyPr rtlCol="0" anchor="ctr"/>
-          <a:lstStyle/>
-          <a:p>
-            <a:pPr algn="ctr"/>
-            <a:endParaRPr lang="ru-RU">
-              <a:effectLst>
-                <a:outerShdw blurRad="38100" dist="38100" dir="2700000" algn="tl">
-                  <a:srgbClr val="000000">
-                    <a:alpha val="43137"/>
-                  </a:srgbClr>
-                </a:outerShdw>
-              </a:effectLst>
-            </a:endParaRPr>
-          </a:p>
-        </p:txBody>
-      </p:sp>
-      <p:sp>
-        <p:nvSpPr>
-          <p:cNvPr id="14" name="Прямоугольник 13"/>
-          <p:cNvSpPr/>
-          <p:nvPr/>
-        </p:nvSpPr>
-        <p:spPr>
-          <a:xfrm>
-            <a:off x="955589" y="1472665"/>
-            <a:ext cx="8318412" cy="565929"/>
-          </a:xfrm>
-          <a:prstGeom prst="rect">
-            <a:avLst/>
-          </a:prstGeom>
-          <a:solidFill>
-            <a:schemeClr val="tx1">
-              <a:alpha val="5098"/>
-            </a:schemeClr>
-          </a:solidFill>
-          <a:ln>
-            <a:noFill/>
-          </a:ln>
-        </p:spPr>
-        <p:style>
-          <a:lnRef idx="2">
-            <a:schemeClr val="accent1">
-              <a:shade val="50000"/>
-            </a:schemeClr>
-          </a:lnRef>
-          <a:fillRef idx="1">
-            <a:schemeClr val="accent1"/>
-          </a:fillRef>
-          <a:effectRef idx="0">
-            <a:schemeClr val="accent1"/>
-          </a:effectRef>
-          <a:fontRef idx="minor">
-            <a:schemeClr val="lt1"/>
-          </a:fontRef>
-        </p:style>
-        <p:txBody>
-          <a:bodyPr rtlCol="0" anchor="ctr"/>
-          <a:lstStyle/>
-          <a:p>
-            <a:pPr algn="ctr"/>
-            <a:endParaRPr lang="ru-RU">
-              <a:effectLst>
-                <a:outerShdw blurRad="38100" dist="38100" dir="2700000" algn="tl">
-                  <a:srgbClr val="000000">
-                    <a:alpha val="43137"/>
-                  </a:srgbClr>
-                </a:outerShdw>
-              </a:effectLst>
-            </a:endParaRPr>
-          </a:p>
-        </p:txBody>
-      </p:sp>
-      <p:sp>
-        <p:nvSpPr>
-          <p:cNvPr id="2" name="Заголовок 1"/>
-          <p:cNvSpPr>
-            <a:spLocks noGrp="1"/>
-          </p:cNvSpPr>
-          <p:nvPr>
-            <p:ph type="title"/>
-          </p:nvPr>
-        </p:nvSpPr>
-        <p:spPr/>
-        <p:txBody>
-          <a:bodyPr/>
-          <a:lstStyle/>
-          <a:p>
-            <a:r>
-              <a:rPr lang="en-US" dirty="0" smtClean="0">
-                <a:effectLst>
-                  <a:outerShdw blurRad="38100" dist="38100" dir="2700000" algn="tl">
-                    <a:srgbClr val="000000">
-                      <a:alpha val="43137"/>
-                    </a:srgbClr>
-                  </a:outerShdw>
-                </a:effectLst>
-              </a:rPr>
-              <a:t>Recommended name conventions</a:t>
-            </a:r>
-            <a:endParaRPr lang="ru-RU" dirty="0">
-              <a:effectLst>
-                <a:outerShdw blurRad="38100" dist="38100" dir="2700000" algn="tl">
-                  <a:srgbClr val="000000">
-                    <a:alpha val="43137"/>
-                  </a:srgbClr>
-                </a:outerShdw>
-              </a:effectLst>
-            </a:endParaRPr>
-          </a:p>
-        </p:txBody>
-      </p:sp>
-      <p:sp>
-        <p:nvSpPr>
-          <p:cNvPr id="6" name="TextBox 5"/>
-          <p:cNvSpPr txBox="1"/>
-          <p:nvPr/>
-        </p:nvSpPr>
-        <p:spPr>
-          <a:xfrm>
-            <a:off x="1039799" y="1580704"/>
-            <a:ext cx="4350935" cy="369332"/>
-          </a:xfrm>
-          <a:prstGeom prst="rect">
-            <a:avLst/>
-          </a:prstGeom>
-          <a:noFill/>
-        </p:spPr>
-        <p:txBody>
-          <a:bodyPr wrap="none" rtlCol="0">
-            <a:spAutoFit/>
-          </a:bodyPr>
-          <a:lstStyle/>
-          <a:p>
-            <a:pPr>
-              <a:spcBef>
-                <a:spcPct val="0"/>
-              </a:spcBef>
-            </a:pPr>
-            <a:r>
-              <a:rPr lang="en-US" dirty="0" smtClean="0">
-                <a:solidFill>
-                  <a:schemeClr val="tx2">
-                    <a:lumMod val="90000"/>
-                  </a:schemeClr>
-                </a:solidFill>
-                <a:effectLst>
-                  <a:outerShdw blurRad="38100" dist="38100" dir="2700000" algn="tl">
-                    <a:srgbClr val="000000">
-                      <a:alpha val="43137"/>
-                    </a:srgbClr>
-                  </a:outerShdw>
-                </a:effectLst>
-                <a:latin typeface="+mj-lt"/>
-                <a:ea typeface="+mj-ea"/>
-                <a:cs typeface="+mj-cs"/>
-              </a:rPr>
-              <a:t>A separate project specifically for tests:</a:t>
-            </a:r>
-            <a:endParaRPr lang="ru-RU" dirty="0">
-              <a:solidFill>
-                <a:schemeClr val="tx2">
-                  <a:lumMod val="90000"/>
-                </a:schemeClr>
-              </a:solidFill>
-              <a:effectLst>
-                <a:outerShdw blurRad="38100" dist="38100" dir="2700000" algn="tl">
-                  <a:srgbClr val="000000">
-                    <a:alpha val="43137"/>
-                  </a:srgbClr>
-                </a:outerShdw>
-              </a:effectLst>
-              <a:latin typeface="+mj-lt"/>
-              <a:ea typeface="+mj-ea"/>
-              <a:cs typeface="+mj-cs"/>
-            </a:endParaRPr>
-          </a:p>
-        </p:txBody>
-      </p:sp>
-      <p:sp>
-        <p:nvSpPr>
-          <p:cNvPr id="7" name="TextBox 6"/>
-          <p:cNvSpPr txBox="1"/>
-          <p:nvPr/>
-        </p:nvSpPr>
-        <p:spPr>
-          <a:xfrm>
-            <a:off x="5390734" y="1580704"/>
-            <a:ext cx="2432204" cy="369332"/>
-          </a:xfrm>
-          <a:prstGeom prst="rect">
-            <a:avLst/>
-          </a:prstGeom>
-          <a:noFill/>
-        </p:spPr>
-        <p:txBody>
-          <a:bodyPr wrap="none" rtlCol="0">
-            <a:spAutoFit/>
-          </a:bodyPr>
-          <a:lstStyle/>
-          <a:p>
-            <a:pPr>
-              <a:spcBef>
-                <a:spcPct val="0"/>
-              </a:spcBef>
-            </a:pPr>
-            <a:r>
-              <a:rPr lang="en-US" dirty="0" smtClean="0">
-                <a:solidFill>
-                  <a:srgbClr val="92D050"/>
-                </a:solidFill>
-                <a:effectLst>
-                  <a:outerShdw blurRad="38100" dist="38100" dir="2700000" algn="tl">
-                    <a:srgbClr val="000000">
-                      <a:alpha val="43137"/>
-                    </a:srgbClr>
-                  </a:outerShdw>
-                </a:effectLst>
-                <a:latin typeface="+mj-lt"/>
-                <a:ea typeface="+mj-ea"/>
-                <a:cs typeface="+mj-cs"/>
-              </a:rPr>
-              <a:t>[module].</a:t>
-            </a:r>
-            <a:r>
-              <a:rPr lang="en-US" dirty="0" err="1" smtClean="0">
-                <a:solidFill>
-                  <a:schemeClr val="tx2">
-                    <a:lumMod val="90000"/>
-                  </a:schemeClr>
-                </a:solidFill>
-                <a:effectLst>
-                  <a:outerShdw blurRad="38100" dist="38100" dir="2700000" algn="tl">
-                    <a:srgbClr val="000000">
-                      <a:alpha val="43137"/>
-                    </a:srgbClr>
-                  </a:outerShdw>
-                </a:effectLst>
-                <a:latin typeface="+mj-lt"/>
-                <a:ea typeface="+mj-ea"/>
-                <a:cs typeface="+mj-cs"/>
-              </a:rPr>
-              <a:t>Tests</a:t>
-            </a:r>
-            <a:r>
-              <a:rPr lang="en-US" dirty="0" err="1" smtClean="0">
-                <a:solidFill>
-                  <a:srgbClr val="92D050"/>
-                </a:solidFill>
-                <a:effectLst>
-                  <a:outerShdw blurRad="38100" dist="38100" dir="2700000" algn="tl">
-                    <a:srgbClr val="000000">
-                      <a:alpha val="43137"/>
-                    </a:srgbClr>
-                  </a:outerShdw>
-                </a:effectLst>
-                <a:latin typeface="+mj-lt"/>
-                <a:ea typeface="+mj-ea"/>
-                <a:cs typeface="+mj-cs"/>
-              </a:rPr>
-              <a:t>.csproj</a:t>
-            </a:r>
-            <a:endParaRPr lang="ru-RU" dirty="0">
-              <a:solidFill>
-                <a:srgbClr val="92D050"/>
-              </a:solidFill>
-              <a:effectLst>
-                <a:outerShdw blurRad="38100" dist="38100" dir="2700000" algn="tl">
-                  <a:srgbClr val="000000">
-                    <a:alpha val="43137"/>
-                  </a:srgbClr>
-                </a:outerShdw>
-              </a:effectLst>
-              <a:latin typeface="+mj-lt"/>
-              <a:ea typeface="+mj-ea"/>
-              <a:cs typeface="+mj-cs"/>
-            </a:endParaRPr>
-          </a:p>
-        </p:txBody>
-      </p:sp>
-      <p:sp>
-        <p:nvSpPr>
-          <p:cNvPr id="8" name="TextBox 7"/>
-          <p:cNvSpPr txBox="1"/>
-          <p:nvPr/>
-        </p:nvSpPr>
-        <p:spPr>
-          <a:xfrm>
-            <a:off x="1039799" y="2321425"/>
-            <a:ext cx="4615431" cy="369332"/>
-          </a:xfrm>
-          <a:prstGeom prst="rect">
-            <a:avLst/>
-          </a:prstGeom>
-          <a:noFill/>
-        </p:spPr>
-        <p:txBody>
-          <a:bodyPr wrap="none" rtlCol="0">
-            <a:spAutoFit/>
-          </a:bodyPr>
-          <a:lstStyle/>
-          <a:p>
-            <a:pPr>
-              <a:spcBef>
-                <a:spcPct val="0"/>
-              </a:spcBef>
-            </a:pPr>
-            <a:r>
-              <a:rPr lang="en-US" dirty="0" smtClean="0">
-                <a:solidFill>
-                  <a:schemeClr val="tx2">
-                    <a:lumMod val="90000"/>
-                  </a:schemeClr>
-                </a:solidFill>
-                <a:effectLst>
-                  <a:outerShdw blurRad="38100" dist="38100" dir="2700000" algn="tl">
-                    <a:srgbClr val="000000">
-                      <a:alpha val="43137"/>
-                    </a:srgbClr>
-                  </a:outerShdw>
-                </a:effectLst>
-                <a:latin typeface="+mj-lt"/>
-                <a:ea typeface="+mj-ea"/>
-                <a:cs typeface="+mj-cs"/>
-              </a:rPr>
-              <a:t>A class with tests for only one target class:</a:t>
-            </a:r>
-            <a:endParaRPr lang="ru-RU" dirty="0">
-              <a:solidFill>
-                <a:schemeClr val="tx2">
-                  <a:lumMod val="90000"/>
-                </a:schemeClr>
-              </a:solidFill>
-              <a:effectLst>
-                <a:outerShdw blurRad="38100" dist="38100" dir="2700000" algn="tl">
-                  <a:srgbClr val="000000">
-                    <a:alpha val="43137"/>
-                  </a:srgbClr>
-                </a:outerShdw>
-              </a:effectLst>
-              <a:latin typeface="+mj-lt"/>
-              <a:ea typeface="+mj-ea"/>
-              <a:cs typeface="+mj-cs"/>
-            </a:endParaRPr>
-          </a:p>
-        </p:txBody>
-      </p:sp>
-      <p:sp>
-        <p:nvSpPr>
-          <p:cNvPr id="9" name="TextBox 8"/>
-          <p:cNvSpPr txBox="1"/>
-          <p:nvPr/>
-        </p:nvSpPr>
-        <p:spPr>
-          <a:xfrm>
-            <a:off x="5655230" y="2319368"/>
-            <a:ext cx="3368358" cy="369332"/>
-          </a:xfrm>
-          <a:prstGeom prst="rect">
-            <a:avLst/>
-          </a:prstGeom>
-          <a:noFill/>
-        </p:spPr>
-        <p:txBody>
-          <a:bodyPr wrap="none" rtlCol="0">
-            <a:spAutoFit/>
-          </a:bodyPr>
-          <a:lstStyle/>
-          <a:p>
-            <a:pPr>
-              <a:spcBef>
-                <a:spcPct val="0"/>
-              </a:spcBef>
-            </a:pPr>
-            <a:r>
-              <a:rPr lang="en-US" dirty="0" smtClean="0">
-                <a:solidFill>
-                  <a:srgbClr val="00B0F0"/>
-                </a:solidFill>
-                <a:effectLst>
-                  <a:outerShdw blurRad="38100" dist="38100" dir="2700000" algn="tl">
-                    <a:srgbClr val="000000">
-                      <a:alpha val="43137"/>
-                    </a:srgbClr>
-                  </a:outerShdw>
-                </a:effectLst>
-                <a:latin typeface="+mj-lt"/>
-                <a:ea typeface="+mj-ea"/>
-                <a:cs typeface="+mj-cs"/>
-              </a:rPr>
-              <a:t>public class </a:t>
-            </a:r>
-            <a:r>
-              <a:rPr lang="en-US" dirty="0" smtClean="0">
-                <a:solidFill>
-                  <a:srgbClr val="92D050"/>
-                </a:solidFill>
-                <a:effectLst>
-                  <a:outerShdw blurRad="38100" dist="38100" dir="2700000" algn="tl">
-                    <a:srgbClr val="000000">
-                      <a:alpha val="43137"/>
-                    </a:srgbClr>
-                  </a:outerShdw>
-                </a:effectLst>
-                <a:latin typeface="+mj-lt"/>
-                <a:ea typeface="+mj-ea"/>
-                <a:cs typeface="+mj-cs"/>
-              </a:rPr>
-              <a:t>[</a:t>
-            </a:r>
-            <a:r>
-              <a:rPr lang="en-US" dirty="0" err="1" smtClean="0">
-                <a:solidFill>
-                  <a:srgbClr val="92D050"/>
-                </a:solidFill>
-                <a:effectLst>
-                  <a:outerShdw blurRad="38100" dist="38100" dir="2700000" algn="tl">
-                    <a:srgbClr val="000000">
-                      <a:alpha val="43137"/>
-                    </a:srgbClr>
-                  </a:outerShdw>
-                </a:effectLst>
-                <a:latin typeface="+mj-lt"/>
-                <a:ea typeface="+mj-ea"/>
-                <a:cs typeface="+mj-cs"/>
-              </a:rPr>
-              <a:t>target_class</a:t>
-            </a:r>
-            <a:r>
-              <a:rPr lang="en-US" dirty="0" smtClean="0">
-                <a:solidFill>
-                  <a:srgbClr val="92D050"/>
-                </a:solidFill>
-                <a:effectLst>
-                  <a:outerShdw blurRad="38100" dist="38100" dir="2700000" algn="tl">
-                    <a:srgbClr val="000000">
-                      <a:alpha val="43137"/>
-                    </a:srgbClr>
-                  </a:outerShdw>
-                </a:effectLst>
-                <a:latin typeface="+mj-lt"/>
-                <a:ea typeface="+mj-ea"/>
-                <a:cs typeface="+mj-cs"/>
-              </a:rPr>
-              <a:t>]</a:t>
-            </a:r>
-            <a:r>
-              <a:rPr lang="en-US" dirty="0" smtClean="0">
-                <a:solidFill>
-                  <a:schemeClr val="tx2">
-                    <a:lumMod val="90000"/>
-                  </a:schemeClr>
-                </a:solidFill>
-                <a:effectLst>
-                  <a:outerShdw blurRad="38100" dist="38100" dir="2700000" algn="tl">
-                    <a:srgbClr val="000000">
-                      <a:alpha val="43137"/>
-                    </a:srgbClr>
-                  </a:outerShdw>
-                </a:effectLst>
-                <a:latin typeface="+mj-lt"/>
-                <a:ea typeface="+mj-ea"/>
-                <a:cs typeface="+mj-cs"/>
-              </a:rPr>
-              <a:t>Tests</a:t>
-            </a:r>
-            <a:endParaRPr lang="ru-RU" dirty="0">
-              <a:solidFill>
-                <a:srgbClr val="92D050"/>
-              </a:solidFill>
-              <a:effectLst>
-                <a:outerShdw blurRad="38100" dist="38100" dir="2700000" algn="tl">
-                  <a:srgbClr val="000000">
-                    <a:alpha val="43137"/>
-                  </a:srgbClr>
-                </a:outerShdw>
-              </a:effectLst>
-              <a:latin typeface="+mj-lt"/>
-              <a:ea typeface="+mj-ea"/>
-              <a:cs typeface="+mj-cs"/>
-            </a:endParaRPr>
-          </a:p>
-        </p:txBody>
-      </p:sp>
-      <p:sp>
-        <p:nvSpPr>
-          <p:cNvPr id="10" name="TextBox 9"/>
-          <p:cNvSpPr txBox="1"/>
-          <p:nvPr/>
-        </p:nvSpPr>
-        <p:spPr>
-          <a:xfrm>
-            <a:off x="1039799" y="3085591"/>
-            <a:ext cx="6327630" cy="369332"/>
-          </a:xfrm>
-          <a:prstGeom prst="rect">
-            <a:avLst/>
-          </a:prstGeom>
-          <a:noFill/>
-        </p:spPr>
-        <p:txBody>
-          <a:bodyPr wrap="none" rtlCol="0">
-            <a:spAutoFit/>
-          </a:bodyPr>
-          <a:lstStyle/>
-          <a:p>
-            <a:pPr>
-              <a:spcBef>
-                <a:spcPct val="0"/>
-              </a:spcBef>
-            </a:pPr>
-            <a:r>
-              <a:rPr lang="en-US" dirty="0" smtClean="0">
-                <a:solidFill>
-                  <a:schemeClr val="tx2">
-                    <a:lumMod val="90000"/>
-                  </a:schemeClr>
-                </a:solidFill>
-                <a:effectLst>
-                  <a:outerShdw blurRad="38100" dist="38100" dir="2700000" algn="tl">
-                    <a:srgbClr val="000000">
-                      <a:alpha val="43137"/>
-                    </a:srgbClr>
-                  </a:outerShdw>
-                </a:effectLst>
-                <a:latin typeface="+mj-lt"/>
-                <a:ea typeface="+mj-ea"/>
-                <a:cs typeface="+mj-cs"/>
-              </a:rPr>
-              <a:t>Test’s name shows what test verifies and what is expected:</a:t>
-            </a:r>
-            <a:endParaRPr lang="ru-RU" dirty="0">
-              <a:solidFill>
-                <a:schemeClr val="tx2">
-                  <a:lumMod val="90000"/>
-                </a:schemeClr>
-              </a:solidFill>
-              <a:effectLst>
-                <a:outerShdw blurRad="38100" dist="38100" dir="2700000" algn="tl">
-                  <a:srgbClr val="000000">
-                    <a:alpha val="43137"/>
-                  </a:srgbClr>
-                </a:outerShdw>
-              </a:effectLst>
-              <a:latin typeface="+mj-lt"/>
-              <a:ea typeface="+mj-ea"/>
-              <a:cs typeface="+mj-cs"/>
-            </a:endParaRPr>
-          </a:p>
-        </p:txBody>
-      </p:sp>
-      <p:sp>
-        <p:nvSpPr>
-          <p:cNvPr id="11" name="TextBox 10"/>
-          <p:cNvSpPr txBox="1"/>
-          <p:nvPr/>
-        </p:nvSpPr>
-        <p:spPr>
-          <a:xfrm>
-            <a:off x="1372629" y="3593248"/>
-            <a:ext cx="5527475" cy="923330"/>
-          </a:xfrm>
-          <a:prstGeom prst="rect">
-            <a:avLst/>
-          </a:prstGeom>
-          <a:noFill/>
-        </p:spPr>
-        <p:txBody>
-          <a:bodyPr wrap="none" rtlCol="0">
-            <a:spAutoFit/>
-          </a:bodyPr>
-          <a:lstStyle/>
-          <a:p>
-            <a:pPr>
-              <a:spcBef>
-                <a:spcPct val="0"/>
-              </a:spcBef>
-            </a:pPr>
-            <a:r>
-              <a:rPr lang="en-US" dirty="0" smtClean="0">
-                <a:solidFill>
-                  <a:schemeClr val="tx1">
-                    <a:lumMod val="75000"/>
-                  </a:schemeClr>
-                </a:solidFill>
-                <a:effectLst>
-                  <a:outerShdw blurRad="38100" dist="38100" dir="2700000" algn="tl">
-                    <a:srgbClr val="000000">
-                      <a:alpha val="43137"/>
-                    </a:srgbClr>
-                  </a:outerShdw>
-                </a:effectLst>
-                <a:latin typeface="+mj-lt"/>
-                <a:ea typeface="+mj-ea"/>
-                <a:cs typeface="+mj-cs"/>
-              </a:rPr>
-              <a:t>public void </a:t>
-            </a:r>
-            <a:r>
-              <a:rPr lang="en-US" dirty="0" smtClean="0">
-                <a:solidFill>
-                  <a:srgbClr val="92D050"/>
-                </a:solidFill>
-                <a:effectLst>
-                  <a:outerShdw blurRad="38100" dist="38100" dir="2700000" algn="tl">
-                    <a:srgbClr val="000000">
-                      <a:alpha val="43137"/>
-                    </a:srgbClr>
-                  </a:outerShdw>
-                </a:effectLst>
-                <a:latin typeface="+mj-lt"/>
-                <a:ea typeface="+mj-ea"/>
-                <a:cs typeface="+mj-cs"/>
-              </a:rPr>
-              <a:t>[</a:t>
-            </a:r>
-            <a:r>
-              <a:rPr lang="en-US" dirty="0" err="1" smtClean="0">
-                <a:solidFill>
-                  <a:srgbClr val="92D050"/>
-                </a:solidFill>
-                <a:effectLst>
-                  <a:outerShdw blurRad="38100" dist="38100" dir="2700000" algn="tl">
-                    <a:srgbClr val="000000">
-                      <a:alpha val="43137"/>
-                    </a:srgbClr>
-                  </a:outerShdw>
-                </a:effectLst>
-                <a:latin typeface="+mj-lt"/>
-                <a:ea typeface="+mj-ea"/>
-                <a:cs typeface="+mj-cs"/>
-              </a:rPr>
-              <a:t>target_method</a:t>
-            </a:r>
-            <a:r>
-              <a:rPr lang="en-US" dirty="0" smtClean="0">
-                <a:solidFill>
-                  <a:srgbClr val="92D050"/>
-                </a:solidFill>
-                <a:effectLst>
-                  <a:outerShdw blurRad="38100" dist="38100" dir="2700000" algn="tl">
-                    <a:srgbClr val="000000">
-                      <a:alpha val="43137"/>
-                    </a:srgbClr>
-                  </a:outerShdw>
-                </a:effectLst>
-                <a:latin typeface="+mj-lt"/>
-                <a:ea typeface="+mj-ea"/>
-                <a:cs typeface="+mj-cs"/>
-              </a:rPr>
-              <a:t>]</a:t>
-            </a:r>
-            <a:r>
-              <a:rPr lang="en-US" dirty="0" smtClean="0">
-                <a:solidFill>
-                  <a:schemeClr val="tx2">
-                    <a:lumMod val="90000"/>
-                  </a:schemeClr>
-                </a:solidFill>
-                <a:effectLst>
-                  <a:outerShdw blurRad="38100" dist="38100" dir="2700000" algn="tl">
-                    <a:srgbClr val="000000">
-                      <a:alpha val="43137"/>
-                    </a:srgbClr>
-                  </a:outerShdw>
-                </a:effectLst>
-                <a:latin typeface="+mj-lt"/>
-                <a:ea typeface="+mj-ea"/>
-                <a:cs typeface="+mj-cs"/>
-              </a:rPr>
-              <a:t>_</a:t>
-            </a:r>
-            <a:r>
-              <a:rPr lang="en-US" dirty="0" smtClean="0">
-                <a:solidFill>
-                  <a:srgbClr val="92D050"/>
-                </a:solidFill>
-                <a:effectLst>
-                  <a:outerShdw blurRad="38100" dist="38100" dir="2700000" algn="tl">
-                    <a:srgbClr val="000000">
-                      <a:alpha val="43137"/>
-                    </a:srgbClr>
-                  </a:outerShdw>
-                </a:effectLst>
-                <a:latin typeface="+mj-lt"/>
-                <a:ea typeface="+mj-ea"/>
-                <a:cs typeface="+mj-cs"/>
-              </a:rPr>
-              <a:t>When</a:t>
-            </a:r>
-            <a:r>
-              <a:rPr lang="en-US" dirty="0" smtClean="0">
-                <a:solidFill>
-                  <a:schemeClr val="tx2">
-                    <a:lumMod val="90000"/>
-                  </a:schemeClr>
-                </a:solidFill>
-                <a:effectLst>
-                  <a:outerShdw blurRad="38100" dist="38100" dir="2700000" algn="tl">
-                    <a:srgbClr val="000000">
-                      <a:alpha val="43137"/>
-                    </a:srgbClr>
-                  </a:outerShdw>
-                </a:effectLst>
-                <a:latin typeface="+mj-lt"/>
-                <a:ea typeface="+mj-ea"/>
-                <a:cs typeface="+mj-cs"/>
-              </a:rPr>
-              <a:t>_..._</a:t>
-            </a:r>
-            <a:r>
-              <a:rPr lang="en-US" dirty="0" smtClean="0">
-                <a:solidFill>
-                  <a:srgbClr val="92D050"/>
-                </a:solidFill>
-                <a:effectLst>
-                  <a:outerShdw blurRad="38100" dist="38100" dir="2700000" algn="tl">
-                    <a:srgbClr val="000000">
-                      <a:alpha val="43137"/>
-                    </a:srgbClr>
-                  </a:outerShdw>
-                </a:effectLst>
-                <a:latin typeface="+mj-lt"/>
-                <a:ea typeface="+mj-ea"/>
-                <a:cs typeface="+mj-cs"/>
-              </a:rPr>
-              <a:t>Then</a:t>
-            </a:r>
-            <a:r>
-              <a:rPr lang="en-US" dirty="0" smtClean="0">
-                <a:solidFill>
-                  <a:schemeClr val="tx2">
-                    <a:lumMod val="90000"/>
-                  </a:schemeClr>
-                </a:solidFill>
-                <a:effectLst>
-                  <a:outerShdw blurRad="38100" dist="38100" dir="2700000" algn="tl">
-                    <a:srgbClr val="000000">
-                      <a:alpha val="43137"/>
-                    </a:srgbClr>
-                  </a:outerShdw>
-                </a:effectLst>
-                <a:latin typeface="+mj-lt"/>
-                <a:ea typeface="+mj-ea"/>
-                <a:cs typeface="+mj-cs"/>
-              </a:rPr>
-              <a:t>_...()</a:t>
-            </a:r>
-          </a:p>
-          <a:p>
-            <a:pPr>
-              <a:spcBef>
-                <a:spcPct val="0"/>
-              </a:spcBef>
-            </a:pPr>
-            <a:endParaRPr lang="en-US" dirty="0">
-              <a:solidFill>
-                <a:schemeClr val="tx2">
-                  <a:lumMod val="90000"/>
-                </a:schemeClr>
-              </a:solidFill>
-              <a:effectLst>
-                <a:outerShdw blurRad="38100" dist="38100" dir="2700000" algn="tl">
-                  <a:srgbClr val="000000">
-                    <a:alpha val="43137"/>
-                  </a:srgbClr>
-                </a:outerShdw>
-              </a:effectLst>
-              <a:latin typeface="+mj-lt"/>
-              <a:ea typeface="+mj-ea"/>
-              <a:cs typeface="+mj-cs"/>
-            </a:endParaRPr>
-          </a:p>
-          <a:p>
-            <a:pPr>
-              <a:spcBef>
-                <a:spcPct val="0"/>
-              </a:spcBef>
-            </a:pPr>
-            <a:r>
-              <a:rPr lang="en-US" dirty="0" smtClean="0">
-                <a:solidFill>
-                  <a:schemeClr val="tx1">
-                    <a:lumMod val="75000"/>
-                  </a:schemeClr>
-                </a:solidFill>
-                <a:effectLst>
-                  <a:outerShdw blurRad="38100" dist="38100" dir="2700000" algn="tl">
-                    <a:srgbClr val="000000">
-                      <a:alpha val="43137"/>
-                    </a:srgbClr>
-                  </a:outerShdw>
-                </a:effectLst>
-              </a:rPr>
-              <a:t>public </a:t>
-            </a:r>
-            <a:r>
-              <a:rPr lang="en-US" dirty="0">
-                <a:solidFill>
-                  <a:schemeClr val="tx1">
-                    <a:lumMod val="75000"/>
-                  </a:schemeClr>
-                </a:solidFill>
-                <a:effectLst>
-                  <a:outerShdw blurRad="38100" dist="38100" dir="2700000" algn="tl">
-                    <a:srgbClr val="000000">
-                      <a:alpha val="43137"/>
-                    </a:srgbClr>
-                  </a:outerShdw>
-                </a:effectLst>
-              </a:rPr>
-              <a:t>void </a:t>
-            </a:r>
-            <a:r>
-              <a:rPr lang="en-US" dirty="0">
-                <a:solidFill>
-                  <a:srgbClr val="92D050"/>
-                </a:solidFill>
-                <a:effectLst>
-                  <a:outerShdw blurRad="38100" dist="38100" dir="2700000" algn="tl">
-                    <a:srgbClr val="000000">
-                      <a:alpha val="43137"/>
-                    </a:srgbClr>
-                  </a:outerShdw>
-                </a:effectLst>
-              </a:rPr>
-              <a:t>[</a:t>
-            </a:r>
-            <a:r>
-              <a:rPr lang="en-US" dirty="0" err="1">
-                <a:solidFill>
-                  <a:srgbClr val="92D050"/>
-                </a:solidFill>
-                <a:effectLst>
-                  <a:outerShdw blurRad="38100" dist="38100" dir="2700000" algn="tl">
-                    <a:srgbClr val="000000">
-                      <a:alpha val="43137"/>
-                    </a:srgbClr>
-                  </a:outerShdw>
-                </a:effectLst>
-              </a:rPr>
-              <a:t>target_method</a:t>
-            </a:r>
-            <a:r>
-              <a:rPr lang="en-US" dirty="0" smtClean="0">
-                <a:solidFill>
-                  <a:srgbClr val="92D050"/>
-                </a:solidFill>
-                <a:effectLst>
-                  <a:outerShdw blurRad="38100" dist="38100" dir="2700000" algn="tl">
-                    <a:srgbClr val="000000">
-                      <a:alpha val="43137"/>
-                    </a:srgbClr>
-                  </a:outerShdw>
-                </a:effectLst>
-              </a:rPr>
-              <a:t>]</a:t>
-            </a:r>
-            <a:r>
-              <a:rPr lang="en-US" dirty="0" smtClean="0">
-                <a:solidFill>
-                  <a:schemeClr val="tx2">
-                    <a:lumMod val="90000"/>
-                  </a:schemeClr>
-                </a:solidFill>
-                <a:effectLst>
-                  <a:outerShdw blurRad="38100" dist="38100" dir="2700000" algn="tl">
-                    <a:srgbClr val="000000">
-                      <a:alpha val="43137"/>
-                    </a:srgbClr>
-                  </a:outerShdw>
-                </a:effectLst>
-              </a:rPr>
-              <a:t>_</a:t>
-            </a:r>
-            <a:r>
-              <a:rPr lang="en-US" dirty="0" smtClean="0">
-                <a:solidFill>
-                  <a:srgbClr val="92D050"/>
-                </a:solidFill>
-                <a:effectLst>
-                  <a:outerShdw blurRad="38100" dist="38100" dir="2700000" algn="tl">
-                    <a:srgbClr val="000000">
-                      <a:alpha val="43137"/>
-                    </a:srgbClr>
-                  </a:outerShdw>
-                </a:effectLst>
-              </a:rPr>
-              <a:t>Should</a:t>
-            </a:r>
-            <a:r>
-              <a:rPr lang="en-US" dirty="0" smtClean="0">
-                <a:solidFill>
-                  <a:schemeClr val="tx2">
-                    <a:lumMod val="90000"/>
-                  </a:schemeClr>
-                </a:solidFill>
-                <a:effectLst>
-                  <a:outerShdw blurRad="38100" dist="38100" dir="2700000" algn="tl">
-                    <a:srgbClr val="000000">
-                      <a:alpha val="43137"/>
-                    </a:srgbClr>
-                  </a:outerShdw>
-                </a:effectLst>
-              </a:rPr>
-              <a:t>_..._</a:t>
-            </a:r>
-            <a:r>
-              <a:rPr lang="en-US" dirty="0" smtClean="0">
-                <a:solidFill>
-                  <a:srgbClr val="92D050"/>
-                </a:solidFill>
-                <a:effectLst>
-                  <a:outerShdw blurRad="38100" dist="38100" dir="2700000" algn="tl">
-                    <a:srgbClr val="000000">
-                      <a:alpha val="43137"/>
-                    </a:srgbClr>
-                  </a:outerShdw>
-                </a:effectLst>
-              </a:rPr>
-              <a:t>When</a:t>
-            </a:r>
-            <a:r>
-              <a:rPr lang="en-US" dirty="0" smtClean="0">
-                <a:solidFill>
-                  <a:schemeClr val="tx2">
-                    <a:lumMod val="90000"/>
-                  </a:schemeClr>
-                </a:solidFill>
-                <a:effectLst>
-                  <a:outerShdw blurRad="38100" dist="38100" dir="2700000" algn="tl">
-                    <a:srgbClr val="000000">
-                      <a:alpha val="43137"/>
-                    </a:srgbClr>
-                  </a:outerShdw>
-                </a:effectLst>
-              </a:rPr>
-              <a:t>_...()</a:t>
-            </a:r>
-            <a:endParaRPr lang="en-US" dirty="0">
-              <a:solidFill>
-                <a:schemeClr val="tx2">
-                  <a:lumMod val="90000"/>
-                </a:schemeClr>
-              </a:solidFill>
-              <a:effectLst>
-                <a:outerShdw blurRad="38100" dist="38100" dir="2700000" algn="tl">
-                  <a:srgbClr val="000000">
-                    <a:alpha val="43137"/>
-                  </a:srgbClr>
-                </a:outerShdw>
-              </a:effectLst>
-            </a:endParaRPr>
-          </a:p>
-        </p:txBody>
-      </p:sp>
-      <p:sp>
-        <p:nvSpPr>
-          <p:cNvPr id="49" name="Овал 48"/>
-          <p:cNvSpPr/>
-          <p:nvPr/>
-        </p:nvSpPr>
-        <p:spPr>
-          <a:xfrm>
-            <a:off x="5030661" y="3498552"/>
-            <a:ext cx="519764" cy="519764"/>
-          </a:xfrm>
-          <a:prstGeom prst="ellipse">
-            <a:avLst/>
-          </a:prstGeom>
-          <a:solidFill>
-            <a:srgbClr val="FF0000">
-              <a:alpha val="30196"/>
-            </a:srgbClr>
-          </a:solidFill>
-          <a:ln>
-            <a:noFill/>
-          </a:ln>
-        </p:spPr>
-        <p:style>
-          <a:lnRef idx="2">
-            <a:schemeClr val="accent1">
-              <a:shade val="50000"/>
-            </a:schemeClr>
-          </a:lnRef>
-          <a:fillRef idx="1">
-            <a:schemeClr val="accent1"/>
-          </a:fillRef>
-          <a:effectRef idx="0">
-            <a:schemeClr val="accent1"/>
-          </a:effectRef>
-          <a:fontRef idx="minor">
-            <a:schemeClr val="lt1"/>
-          </a:fontRef>
-        </p:style>
-        <p:txBody>
-          <a:bodyPr rtlCol="0" anchor="ctr"/>
-          <a:lstStyle/>
-          <a:p>
-            <a:pPr algn="ctr"/>
-            <a:endParaRPr lang="ru-RU"/>
-          </a:p>
-        </p:txBody>
-      </p:sp>
-      <p:sp>
-        <p:nvSpPr>
-          <p:cNvPr id="50" name="Овал 49"/>
-          <p:cNvSpPr/>
-          <p:nvPr/>
-        </p:nvSpPr>
-        <p:spPr>
-          <a:xfrm>
-            <a:off x="6200621" y="4054913"/>
-            <a:ext cx="519764" cy="519764"/>
-          </a:xfrm>
-          <a:prstGeom prst="ellipse">
-            <a:avLst/>
-          </a:prstGeom>
-          <a:solidFill>
-            <a:srgbClr val="FF0000">
-              <a:alpha val="30196"/>
-            </a:srgbClr>
-          </a:solidFill>
-          <a:ln>
-            <a:noFill/>
-          </a:ln>
-        </p:spPr>
-        <p:style>
-          <a:lnRef idx="2">
-            <a:schemeClr val="accent1">
-              <a:shade val="50000"/>
-            </a:schemeClr>
-          </a:lnRef>
-          <a:fillRef idx="1">
-            <a:schemeClr val="accent1"/>
-          </a:fillRef>
-          <a:effectRef idx="0">
-            <a:schemeClr val="accent1"/>
-          </a:effectRef>
-          <a:fontRef idx="minor">
-            <a:schemeClr val="lt1"/>
-          </a:fontRef>
-        </p:style>
-        <p:txBody>
-          <a:bodyPr rtlCol="0" anchor="ctr"/>
-          <a:lstStyle/>
-          <a:p>
-            <a:pPr algn="ctr"/>
-            <a:endParaRPr lang="ru-RU"/>
-          </a:p>
-        </p:txBody>
-      </p:sp>
-      <p:sp>
-        <p:nvSpPr>
-          <p:cNvPr id="51" name="Овал 50"/>
-          <p:cNvSpPr/>
-          <p:nvPr/>
-        </p:nvSpPr>
-        <p:spPr>
-          <a:xfrm>
-            <a:off x="6004470" y="3498552"/>
-            <a:ext cx="519764" cy="519764"/>
-          </a:xfrm>
-          <a:prstGeom prst="ellipse">
-            <a:avLst/>
-          </a:prstGeom>
-          <a:solidFill>
-            <a:srgbClr val="00B050">
-              <a:alpha val="30196"/>
-            </a:srgbClr>
-          </a:solidFill>
-          <a:ln>
-            <a:noFill/>
-          </a:ln>
-        </p:spPr>
-        <p:style>
-          <a:lnRef idx="2">
-            <a:schemeClr val="accent1">
-              <a:shade val="50000"/>
-            </a:schemeClr>
-          </a:lnRef>
-          <a:fillRef idx="1">
-            <a:schemeClr val="accent1"/>
-          </a:fillRef>
-          <a:effectRef idx="0">
-            <a:schemeClr val="accent1"/>
-          </a:effectRef>
-          <a:fontRef idx="minor">
-            <a:schemeClr val="lt1"/>
-          </a:fontRef>
-        </p:style>
-        <p:txBody>
-          <a:bodyPr rtlCol="0" anchor="ctr"/>
-          <a:lstStyle/>
-          <a:p>
-            <a:pPr algn="ctr"/>
-            <a:endParaRPr lang="ru-RU"/>
-          </a:p>
-        </p:txBody>
-      </p:sp>
-      <p:sp>
-        <p:nvSpPr>
-          <p:cNvPr id="52" name="Овал 51"/>
-          <p:cNvSpPr/>
-          <p:nvPr/>
-        </p:nvSpPr>
-        <p:spPr>
-          <a:xfrm>
-            <a:off x="5130852" y="4049129"/>
-            <a:ext cx="519764" cy="519764"/>
-          </a:xfrm>
-          <a:prstGeom prst="ellipse">
-            <a:avLst/>
-          </a:prstGeom>
-          <a:solidFill>
-            <a:srgbClr val="00B050">
-              <a:alpha val="30196"/>
-            </a:srgbClr>
-          </a:solidFill>
-          <a:ln>
-            <a:noFill/>
-          </a:ln>
-        </p:spPr>
-        <p:style>
-          <a:lnRef idx="2">
-            <a:schemeClr val="accent1">
-              <a:shade val="50000"/>
-            </a:schemeClr>
-          </a:lnRef>
-          <a:fillRef idx="1">
-            <a:schemeClr val="accent1"/>
-          </a:fillRef>
-          <a:effectRef idx="0">
-            <a:schemeClr val="accent1"/>
-          </a:effectRef>
-          <a:fontRef idx="minor">
-            <a:schemeClr val="lt1"/>
-          </a:fontRef>
-        </p:style>
-        <p:txBody>
-          <a:bodyPr rtlCol="0" anchor="ctr"/>
-          <a:lstStyle/>
-          <a:p>
-            <a:pPr algn="ctr"/>
-            <a:endParaRPr lang="ru-RU"/>
-          </a:p>
-        </p:txBody>
-      </p:sp>
-      <p:grpSp>
-        <p:nvGrpSpPr>
-          <p:cNvPr id="3" name="Группа 2"/>
-          <p:cNvGrpSpPr/>
-          <p:nvPr/>
-        </p:nvGrpSpPr>
-        <p:grpSpPr>
-          <a:xfrm>
-            <a:off x="7282633" y="3498552"/>
-            <a:ext cx="1366357" cy="519764"/>
-            <a:chOff x="1635499" y="4861942"/>
-            <a:chExt cx="1366357" cy="519764"/>
-          </a:xfrm>
-        </p:grpSpPr>
-        <p:sp>
-          <p:nvSpPr>
-            <p:cNvPr id="12" name="TextBox 11"/>
-            <p:cNvSpPr txBox="1"/>
-            <p:nvPr/>
-          </p:nvSpPr>
-          <p:spPr>
-            <a:xfrm>
-              <a:off x="1735163" y="4943281"/>
-              <a:ext cx="1266693" cy="369332"/>
-            </a:xfrm>
-            <a:prstGeom prst="rect">
-              <a:avLst/>
-            </a:prstGeom>
-            <a:noFill/>
-          </p:spPr>
-          <p:txBody>
-            <a:bodyPr wrap="none" rtlCol="0">
-              <a:spAutoFit/>
-            </a:bodyPr>
-            <a:lstStyle/>
-            <a:p>
-              <a:pPr>
-                <a:spcBef>
-                  <a:spcPct val="0"/>
-                </a:spcBef>
-              </a:pPr>
-              <a:r>
-                <a:rPr lang="en-US" dirty="0">
-                  <a:solidFill>
-                    <a:schemeClr val="tx2">
-                      <a:lumMod val="90000"/>
-                    </a:schemeClr>
-                  </a:solidFill>
-                  <a:effectLst>
-                    <a:outerShdw blurRad="38100" dist="38100" dir="2700000" algn="tl">
-                      <a:srgbClr val="000000">
-                        <a:alpha val="43137"/>
-                      </a:srgbClr>
-                    </a:outerShdw>
-                  </a:effectLst>
-                  <a:latin typeface="+mj-lt"/>
-                  <a:ea typeface="+mj-ea"/>
-                  <a:cs typeface="+mj-cs"/>
-                </a:rPr>
-                <a:t>C</a:t>
-              </a:r>
-              <a:r>
-                <a:rPr lang="en-US" dirty="0" smtClean="0">
-                  <a:solidFill>
-                    <a:schemeClr val="tx2">
-                      <a:lumMod val="90000"/>
-                    </a:schemeClr>
-                  </a:solidFill>
-                  <a:effectLst>
-                    <a:outerShdw blurRad="38100" dist="38100" dir="2700000" algn="tl">
-                      <a:srgbClr val="000000">
-                        <a:alpha val="43137"/>
-                      </a:srgbClr>
-                    </a:outerShdw>
-                  </a:effectLst>
-                  <a:latin typeface="+mj-lt"/>
-                  <a:ea typeface="+mj-ea"/>
-                  <a:cs typeface="+mj-cs"/>
-                </a:rPr>
-                <a:t>onditions</a:t>
-              </a:r>
-              <a:endParaRPr lang="ru-RU" dirty="0">
-                <a:solidFill>
-                  <a:schemeClr val="tx2">
-                    <a:lumMod val="90000"/>
-                  </a:schemeClr>
-                </a:solidFill>
-                <a:effectLst>
-                  <a:outerShdw blurRad="38100" dist="38100" dir="2700000" algn="tl">
-                    <a:srgbClr val="000000">
-                      <a:alpha val="43137"/>
-                    </a:srgbClr>
-                  </a:outerShdw>
-                </a:effectLst>
-                <a:latin typeface="+mj-lt"/>
-                <a:ea typeface="+mj-ea"/>
-                <a:cs typeface="+mj-cs"/>
-              </a:endParaRPr>
-            </a:p>
-          </p:txBody>
-        </p:sp>
-        <p:sp>
-          <p:nvSpPr>
-            <p:cNvPr id="53" name="Овал 52"/>
-            <p:cNvSpPr/>
-            <p:nvPr/>
-          </p:nvSpPr>
-          <p:spPr>
-            <a:xfrm>
-              <a:off x="1635499" y="4861942"/>
-              <a:ext cx="519764" cy="519764"/>
-            </a:xfrm>
-            <a:prstGeom prst="ellipse">
-              <a:avLst/>
-            </a:prstGeom>
-            <a:solidFill>
-              <a:srgbClr val="FF0000">
-                <a:alpha val="30196"/>
-              </a:srgbClr>
-            </a:solidFill>
-            <a:ln>
-              <a:noFill/>
-            </a:ln>
-          </p:spPr>
-          <p:style>
-            <a:lnRef idx="2">
-              <a:schemeClr val="accent1">
-                <a:shade val="50000"/>
-              </a:schemeClr>
-            </a:lnRef>
-            <a:fillRef idx="1">
-              <a:schemeClr val="accent1"/>
-            </a:fillRef>
-            <a:effectRef idx="0">
-              <a:schemeClr val="accent1"/>
-            </a:effectRef>
-            <a:fontRef idx="minor">
-              <a:schemeClr val="lt1"/>
-            </a:fontRef>
-          </p:style>
-          <p:txBody>
-            <a:bodyPr rtlCol="0" anchor="ctr"/>
-            <a:lstStyle/>
-            <a:p>
-              <a:pPr algn="ctr"/>
-              <a:endParaRPr lang="ru-RU"/>
-            </a:p>
-          </p:txBody>
-        </p:sp>
-      </p:grpSp>
-      <p:grpSp>
-        <p:nvGrpSpPr>
-          <p:cNvPr id="4" name="Группа 3"/>
-          <p:cNvGrpSpPr/>
-          <p:nvPr/>
-        </p:nvGrpSpPr>
-        <p:grpSpPr>
-          <a:xfrm>
-            <a:off x="7282633" y="4049129"/>
-            <a:ext cx="1909300" cy="519764"/>
-            <a:chOff x="3641125" y="4861942"/>
-            <a:chExt cx="1909300" cy="519764"/>
-          </a:xfrm>
-        </p:grpSpPr>
-        <p:sp>
-          <p:nvSpPr>
-            <p:cNvPr id="13" name="TextBox 12"/>
-            <p:cNvSpPr txBox="1"/>
-            <p:nvPr/>
-          </p:nvSpPr>
-          <p:spPr>
-            <a:xfrm>
-              <a:off x="3748329" y="4937158"/>
-              <a:ext cx="1802096" cy="369332"/>
-            </a:xfrm>
-            <a:prstGeom prst="rect">
-              <a:avLst/>
-            </a:prstGeom>
-            <a:noFill/>
-          </p:spPr>
-          <p:txBody>
-            <a:bodyPr wrap="none" rtlCol="0">
-              <a:spAutoFit/>
-            </a:bodyPr>
-            <a:lstStyle/>
-            <a:p>
-              <a:pPr>
-                <a:spcBef>
-                  <a:spcPct val="0"/>
-                </a:spcBef>
-              </a:pPr>
-              <a:r>
-                <a:rPr lang="en-US" dirty="0" smtClean="0">
-                  <a:solidFill>
-                    <a:schemeClr val="tx2">
-                      <a:lumMod val="90000"/>
-                    </a:schemeClr>
-                  </a:solidFill>
-                  <a:effectLst>
-                    <a:outerShdw blurRad="38100" dist="38100" dir="2700000" algn="tl">
-                      <a:srgbClr val="000000">
-                        <a:alpha val="43137"/>
-                      </a:srgbClr>
-                    </a:outerShdw>
-                  </a:effectLst>
-                  <a:latin typeface="+mj-lt"/>
-                  <a:ea typeface="+mj-ea"/>
-                  <a:cs typeface="+mj-cs"/>
-                </a:rPr>
-                <a:t>Expected result</a:t>
-              </a:r>
-              <a:endParaRPr lang="ru-RU" dirty="0">
-                <a:solidFill>
-                  <a:schemeClr val="tx2">
-                    <a:lumMod val="90000"/>
-                  </a:schemeClr>
-                </a:solidFill>
-                <a:effectLst>
-                  <a:outerShdw blurRad="38100" dist="38100" dir="2700000" algn="tl">
-                    <a:srgbClr val="000000">
-                      <a:alpha val="43137"/>
-                    </a:srgbClr>
-                  </a:outerShdw>
-                </a:effectLst>
-                <a:latin typeface="+mj-lt"/>
-                <a:ea typeface="+mj-ea"/>
-                <a:cs typeface="+mj-cs"/>
-              </a:endParaRPr>
-            </a:p>
-          </p:txBody>
-        </p:sp>
-        <p:sp>
-          <p:nvSpPr>
-            <p:cNvPr id="54" name="Овал 53"/>
-            <p:cNvSpPr/>
-            <p:nvPr/>
-          </p:nvSpPr>
-          <p:spPr>
-            <a:xfrm>
-              <a:off x="3641125" y="4861942"/>
-              <a:ext cx="519764" cy="519764"/>
-            </a:xfrm>
-            <a:prstGeom prst="ellipse">
-              <a:avLst/>
-            </a:prstGeom>
-            <a:solidFill>
-              <a:srgbClr val="00B050">
-                <a:alpha val="30196"/>
-              </a:srgbClr>
-            </a:solidFill>
-            <a:ln>
-              <a:noFill/>
-            </a:ln>
-          </p:spPr>
-          <p:style>
-            <a:lnRef idx="2">
-              <a:schemeClr val="accent1">
-                <a:shade val="50000"/>
-              </a:schemeClr>
-            </a:lnRef>
-            <a:fillRef idx="1">
-              <a:schemeClr val="accent1"/>
-            </a:fillRef>
-            <a:effectRef idx="0">
-              <a:schemeClr val="accent1"/>
-            </a:effectRef>
-            <a:fontRef idx="minor">
-              <a:schemeClr val="lt1"/>
-            </a:fontRef>
-          </p:style>
-          <p:txBody>
-            <a:bodyPr rtlCol="0" anchor="ctr"/>
-            <a:lstStyle/>
-            <a:p>
-              <a:pPr algn="ctr"/>
-              <a:endParaRPr lang="ru-RU"/>
-            </a:p>
-          </p:txBody>
-        </p:sp>
-      </p:grpSp>
-      <p:sp>
-        <p:nvSpPr>
-          <p:cNvPr id="21" name="TextBox 20"/>
-          <p:cNvSpPr txBox="1"/>
-          <p:nvPr/>
-        </p:nvSpPr>
-        <p:spPr>
-          <a:xfrm>
-            <a:off x="1039799" y="5024774"/>
-            <a:ext cx="3514232" cy="369332"/>
-          </a:xfrm>
-          <a:prstGeom prst="rect">
-            <a:avLst/>
-          </a:prstGeom>
-          <a:noFill/>
-        </p:spPr>
-        <p:txBody>
-          <a:bodyPr wrap="none" rtlCol="0">
-            <a:spAutoFit/>
-          </a:bodyPr>
-          <a:lstStyle/>
-          <a:p>
-            <a:pPr>
-              <a:spcBef>
-                <a:spcPct val="0"/>
-              </a:spcBef>
-            </a:pPr>
-            <a:r>
-              <a:rPr lang="en-US" dirty="0" smtClean="0">
-                <a:solidFill>
-                  <a:schemeClr val="tx2">
-                    <a:lumMod val="90000"/>
-                  </a:schemeClr>
-                </a:solidFill>
-                <a:effectLst>
-                  <a:outerShdw blurRad="38100" dist="38100" dir="2700000" algn="tl">
-                    <a:srgbClr val="000000">
-                      <a:alpha val="43137"/>
-                    </a:srgbClr>
-                  </a:outerShdw>
-                </a:effectLst>
-                <a:latin typeface="+mj-lt"/>
-                <a:ea typeface="+mj-ea"/>
-                <a:cs typeface="+mj-cs"/>
-              </a:rPr>
-              <a:t>AAA pattern: Arrange-Act-Assert</a:t>
-            </a:r>
-            <a:endParaRPr lang="ru-RU" dirty="0">
-              <a:solidFill>
-                <a:schemeClr val="tx2">
-                  <a:lumMod val="90000"/>
-                </a:schemeClr>
-              </a:solidFill>
-              <a:effectLst>
-                <a:outerShdw blurRad="38100" dist="38100" dir="2700000" algn="tl">
-                  <a:srgbClr val="000000">
-                    <a:alpha val="43137"/>
-                  </a:srgbClr>
-                </a:outerShdw>
-              </a:effectLst>
-              <a:latin typeface="+mj-lt"/>
-              <a:ea typeface="+mj-ea"/>
-              <a:cs typeface="+mj-cs"/>
-            </a:endParaRPr>
-          </a:p>
-        </p:txBody>
-      </p:sp>
-      <p:sp>
-        <p:nvSpPr>
-          <p:cNvPr id="5" name="Номер слайда 4"/>
-          <p:cNvSpPr>
-            <a:spLocks noGrp="1"/>
-          </p:cNvSpPr>
-          <p:nvPr>
-            <p:ph type="sldNum" sz="quarter" idx="12"/>
-          </p:nvPr>
-        </p:nvSpPr>
-        <p:spPr/>
-        <p:txBody>
-          <a:bodyPr/>
-          <a:lstStyle/>
-          <a:p>
-            <a:fld id="{D57F1E4F-1CFF-5643-939E-217C01CDF565}" type="slidenum">
-              <a:rPr lang="en-US" smtClean="0"/>
-              <a:pPr/>
-              <a:t>8</a:t>
-            </a:fld>
-            <a:endParaRPr lang="en-US" dirty="0"/>
-          </a:p>
-        </p:txBody>
-      </p:sp>
-    </p:spTree>
-    <p:extLst>
-      <p:ext uri="{BB962C8B-B14F-4D97-AF65-F5344CB8AC3E}">
-        <p14:creationId xmlns:p14="http://schemas.microsoft.com/office/powerpoint/2010/main" val="3536936581"/>
-      </p:ext>
-    </p:extLst>
-  </p:cSld>
-  <p:clrMapOvr>
-    <a:masterClrMapping/>
-  </p:clrMapOvr>
-  <p:timing>
-    <p:tnLst>
-      <p:par>
-        <p:cTn id="1" dur="indefinite" restart="never" nodeType="tmRoot">
-          <p:childTnLst>
-            <p:seq concurrent="1" nextAc="seek">
-              <p:cTn id="2" dur="indefinite" nodeType="mainSeq">
-                <p:childTnLst>
-                  <p:par>
-                    <p:cTn id="3" fill="hold">
-                      <p:stCondLst>
-                        <p:cond delay="indefinite"/>
-                        <p:cond evt="onBegin" delay="0">
-                          <p:tn val="2"/>
-                        </p:cond>
-                      </p:stCondLst>
-                      <p:childTnLst>
-                        <p:par>
-                          <p:cTn id="4" fill="hold">
-                            <p:stCondLst>
-                              <p:cond delay="0"/>
-                            </p:stCondLst>
-                            <p:childTnLst>
-                              <p:par>
-                                <p:cTn id="5" presetID="1" presetClass="entr" presetSubtype="0" fill="hold" grpId="0" nodeType="withEffect">
-                                  <p:stCondLst>
-                                    <p:cond delay="0"/>
-                                  </p:stCondLst>
-                                  <p:childTnLst>
-                                    <p:set>
-                                      <p:cBhvr>
-                                        <p:cTn id="6" dur="1" fill="hold">
-                                          <p:stCondLst>
-                                            <p:cond delay="0"/>
-                                          </p:stCondLst>
-                                        </p:cTn>
-                                        <p:tgtEl>
-                                          <p:spTgt spid="52"/>
-                                        </p:tgtEl>
-                                        <p:attrNameLst>
-                                          <p:attrName>style.visibility</p:attrName>
-                                        </p:attrNameLst>
-                                      </p:cBhvr>
-                                      <p:to>
-                                        <p:strVal val="visible"/>
-                                      </p:to>
-                                    </p:set>
-                                  </p:childTnLst>
-                                </p:cTn>
-                              </p:par>
-                              <p:par>
-                                <p:cTn id="7" presetID="1" presetClass="entr" presetSubtype="0" fill="hold" grpId="0" nodeType="withEffect">
-                                  <p:stCondLst>
-                                    <p:cond delay="0"/>
-                                  </p:stCondLst>
-                                  <p:childTnLst>
-                                    <p:set>
-                                      <p:cBhvr>
-                                        <p:cTn id="8" dur="1" fill="hold">
-                                          <p:stCondLst>
-                                            <p:cond delay="0"/>
-                                          </p:stCondLst>
-                                        </p:cTn>
-                                        <p:tgtEl>
-                                          <p:spTgt spid="49"/>
-                                        </p:tgtEl>
-                                        <p:attrNameLst>
-                                          <p:attrName>style.visibility</p:attrName>
-                                        </p:attrNameLst>
-                                      </p:cBhvr>
-                                      <p:to>
-                                        <p:strVal val="visible"/>
-                                      </p:to>
-                                    </p:set>
-                                  </p:childTnLst>
-                                </p:cTn>
-                              </p:par>
-                              <p:par>
-                                <p:cTn id="9" presetID="1" presetClass="entr" presetSubtype="0" fill="hold" grpId="0" nodeType="withEffect">
-                                  <p:stCondLst>
-                                    <p:cond delay="0"/>
-                                  </p:stCondLst>
-                                  <p:childTnLst>
-                                    <p:set>
-                                      <p:cBhvr>
-                                        <p:cTn id="10" dur="1" fill="hold">
-                                          <p:stCondLst>
-                                            <p:cond delay="0"/>
-                                          </p:stCondLst>
-                                        </p:cTn>
-                                        <p:tgtEl>
-                                          <p:spTgt spid="51"/>
-                                        </p:tgtEl>
-                                        <p:attrNameLst>
-                                          <p:attrName>style.visibility</p:attrName>
-                                        </p:attrNameLst>
-                                      </p:cBhvr>
-                                      <p:to>
-                                        <p:strVal val="visible"/>
-                                      </p:to>
-                                    </p:set>
-                                  </p:childTnLst>
-                                </p:cTn>
-                              </p:par>
-                              <p:par>
-                                <p:cTn id="11" presetID="1" presetClass="entr" presetSubtype="0" fill="hold" grpId="0" nodeType="withEffect">
-                                  <p:stCondLst>
-                                    <p:cond delay="0"/>
-                                  </p:stCondLst>
-                                  <p:childTnLst>
-                                    <p:set>
-                                      <p:cBhvr>
-                                        <p:cTn id="12" dur="1" fill="hold">
-                                          <p:stCondLst>
-                                            <p:cond delay="0"/>
-                                          </p:stCondLst>
-                                        </p:cTn>
-                                        <p:tgtEl>
-                                          <p:spTgt spid="50"/>
-                                        </p:tgtEl>
-                                        <p:attrNameLst>
-                                          <p:attrName>style.visibility</p:attrName>
-                                        </p:attrNameLst>
-                                      </p:cBhvr>
-                                      <p:to>
-                                        <p:strVal val="visible"/>
-                                      </p:to>
-                                    </p:set>
-                                  </p:childTnLst>
-                                </p:cTn>
-                              </p:par>
-                            </p:childTnLst>
-                          </p:cTn>
-                        </p:par>
-                      </p:childTnLst>
-                    </p:cTn>
-                  </p:par>
-                </p:childTnLst>
-              </p:cTn>
-              <p:prevCondLst>
-                <p:cond evt="onPrev" delay="0">
-                  <p:tgtEl>
-                    <p:sldTgt/>
-                  </p:tgtEl>
-                </p:cond>
-              </p:prevCondLst>
-              <p:nextCondLst>
-                <p:cond evt="onNext" delay="0">
-                  <p:tgtEl>
-                    <p:sldTgt/>
-                  </p:tgtEl>
-                </p:cond>
-              </p:nextCondLst>
-            </p:seq>
-          </p:childTnLst>
-        </p:cTn>
-      </p:par>
-    </p:tnLst>
-    <p:bldLst>
-      <p:bldP spid="49" grpId="0" animBg="1"/>
-      <p:bldP spid="50" grpId="0" animBg="1"/>
-      <p:bldP spid="51" grpId="0" animBg="1"/>
-      <p:bldP spid="52" grpId="0" animBg="1"/>
-    </p:bldLst>
-  </p:timing>
-</p:sld>
-</file>
-
 <file path=ppt/slides/slide9.xml><?xml version="1.0" encoding="utf-8"?>
 <p:sld xmlns:a="http://schemas.openxmlformats.org/drawingml/2006/main" xmlns:r="http://schemas.openxmlformats.org/officeDocument/2006/relationships" xmlns:p="http://schemas.openxmlformats.org/presentationml/2006/main">
   <p:cSld>
@@ -17335,118 +17964,6 @@
       </p:grpSpPr>
       <p:sp>
         <p:nvSpPr>
-          <p:cNvPr id="12" name="Прямоугольник 11"/>
-          <p:cNvSpPr/>
-          <p:nvPr/>
-        </p:nvSpPr>
-        <p:spPr>
-          <a:xfrm>
-            <a:off x="1211580" y="4030980"/>
-            <a:ext cx="7395210" cy="1165860"/>
-          </a:xfrm>
-          <a:prstGeom prst="rect">
-            <a:avLst/>
-          </a:prstGeom>
-          <a:solidFill>
-            <a:schemeClr val="tx1">
-              <a:alpha val="5098"/>
-            </a:schemeClr>
-          </a:solidFill>
-          <a:ln>
-            <a:noFill/>
-          </a:ln>
-        </p:spPr>
-        <p:style>
-          <a:lnRef idx="2">
-            <a:schemeClr val="accent1">
-              <a:shade val="50000"/>
-            </a:schemeClr>
-          </a:lnRef>
-          <a:fillRef idx="1">
-            <a:schemeClr val="accent1"/>
-          </a:fillRef>
-          <a:effectRef idx="0">
-            <a:schemeClr val="accent1"/>
-          </a:effectRef>
-          <a:fontRef idx="minor">
-            <a:schemeClr val="lt1"/>
-          </a:fontRef>
-        </p:style>
-        <p:txBody>
-          <a:bodyPr rtlCol="0" anchor="ctr"/>
-          <a:lstStyle/>
-          <a:p>
-            <a:pPr algn="ctr"/>
-            <a:endParaRPr lang="ru-RU">
-              <a:effectLst>
-                <a:outerShdw blurRad="38100" dist="38100" dir="2700000" algn="tl">
-                  <a:srgbClr val="000000">
-                    <a:alpha val="43137"/>
-                  </a:srgbClr>
-                </a:outerShdw>
-              </a:effectLst>
-            </a:endParaRPr>
-          </a:p>
-        </p:txBody>
-      </p:sp>
-      <p:sp>
-        <p:nvSpPr>
-          <p:cNvPr id="11" name="Прямоугольник 10"/>
-          <p:cNvSpPr/>
-          <p:nvPr/>
-        </p:nvSpPr>
-        <p:spPr>
-          <a:xfrm>
-            <a:off x="1211580" y="1771650"/>
-            <a:ext cx="7395210" cy="1165860"/>
-          </a:xfrm>
-          <a:prstGeom prst="rect">
-            <a:avLst/>
-          </a:prstGeom>
-          <a:solidFill>
-            <a:schemeClr val="tx1">
-              <a:alpha val="5098"/>
-            </a:schemeClr>
-          </a:solidFill>
-          <a:ln>
-            <a:noFill/>
-          </a:ln>
-        </p:spPr>
-        <p:style>
-          <a:lnRef idx="2">
-            <a:schemeClr val="accent1">
-              <a:shade val="50000"/>
-            </a:schemeClr>
-          </a:lnRef>
-          <a:fillRef idx="1">
-            <a:schemeClr val="accent1"/>
-          </a:fillRef>
-          <a:effectRef idx="0">
-            <a:schemeClr val="accent1"/>
-          </a:effectRef>
-          <a:fontRef idx="minor">
-            <a:schemeClr val="lt1"/>
-          </a:fontRef>
-        </p:style>
-        <p:txBody>
-          <a:bodyPr rtlCol="0" anchor="ctr"/>
-          <a:lstStyle/>
-          <a:p>
-            <a:pPr algn="ctr"/>
-            <a:endParaRPr lang="ru-RU">
-              <a:effectLst>
-                <a:outerShdw blurRad="38100" dist="38100" dir="2700000" algn="tl">
-                  <a:srgbClr val="000000">
-                    <a:alpha val="43137"/>
-                  </a:srgbClr>
-                </a:outerShdw>
-              </a:effectLst>
-            </a:endParaRPr>
-          </a:p>
-        </p:txBody>
-      </p:sp>
-      <p:sp>
-        <p:nvSpPr>
           <p:cNvPr id="2" name="Заголовок 1"/>
           <p:cNvSpPr>
             <a:spLocks noGrp="1"/>
@@ -17470,7 +17987,7 @@
                   </a:outerShdw>
                 </a:effectLst>
               </a:rPr>
-              <a:t>Popular unit-testing frameworks</a:t>
+              <a:t>Testable code</a:t>
             </a:r>
             <a:endParaRPr lang="ru-RU" dirty="0">
               <a:effectLst>
@@ -17486,14 +18003,38 @@
       </p:sp>
       <p:sp>
         <p:nvSpPr>
-          <p:cNvPr id="4" name="TextBox 3"/>
+          <p:cNvPr id="4" name="Номер слайда 3"/>
+          <p:cNvSpPr>
+            <a:spLocks noGrp="1"/>
+          </p:cNvSpPr>
+          <p:nvPr>
+            <p:ph type="sldNum" sz="quarter" idx="12"/>
+          </p:nvPr>
+        </p:nvSpPr>
+        <p:spPr/>
+        <p:txBody>
+          <a:bodyPr/>
+          <a:lstStyle/>
+          <a:p>
+            <a:fld id="{D57F1E4F-1CFF-5643-939E-217C01CDF565}" type="slidenum">
+              <a:rPr lang="en-US" smtClean="0"/>
+              <a:pPr/>
+              <a:t>9</a:t>
+            </a:fld>
+            <a:endParaRPr lang="en-US" dirty="0"/>
+          </a:p>
+        </p:txBody>
+      </p:sp>
+      <p:sp>
+        <p:nvSpPr>
+          <p:cNvPr id="5" name="TextBox 4"/>
           <p:cNvSpPr txBox="1"/>
           <p:nvPr/>
         </p:nvSpPr>
         <p:spPr>
           <a:xfrm>
-            <a:off x="1412513" y="1976120"/>
-            <a:ext cx="960519" cy="461665"/>
+            <a:off x="2216110" y="1657090"/>
+            <a:ext cx="5375189" cy="3729162"/>
           </a:xfrm>
           <a:prstGeom prst="rect">
             <a:avLst/>
@@ -17506,13 +18047,18 @@
           </a:bodyPr>
           <a:lstStyle/>
           <a:p>
-            <a:pPr>
+            <a:pPr indent="-285750">
+              <a:lnSpc>
+                <a:spcPct val="150000"/>
+              </a:lnSpc>
               <a:spcBef>
                 <a:spcPct val="0"/>
               </a:spcBef>
+              <a:buFont typeface="Arial" panose="020B0604020202020204" pitchFamily="34" charset="0"/>
+              <a:buChar char="•"/>
             </a:pPr>
             <a:r>
-              <a:rPr lang="en-US" sz="2400" dirty="0" smtClean="0">
+              <a:rPr lang="en-US" sz="2000" dirty="0" smtClean="0">
                 <a:solidFill>
                   <a:schemeClr val="tx2">
                     <a:lumMod val="90000"/>
@@ -17529,9 +18075,9 @@
                 <a:ea typeface="+mj-ea"/>
                 <a:cs typeface="+mj-cs"/>
               </a:rPr>
-              <a:t>NUnit</a:t>
-            </a:r>
-            <a:endParaRPr lang="ru-RU" sz="2400" dirty="0">
+              <a:t>SOLID principle</a:t>
+            </a:r>
+            <a:endParaRPr lang="en-US" sz="2000" dirty="0">
               <a:solidFill>
                 <a:schemeClr val="tx2">
                   <a:lumMod val="90000"/>
@@ -17549,37 +18095,19 @@
               <a:cs typeface="+mj-cs"/>
             </a:endParaRPr>
           </a:p>
-        </p:txBody>
-      </p:sp>
-      <p:sp>
-        <p:nvSpPr>
-          <p:cNvPr id="5" name="TextBox 4"/>
-          <p:cNvSpPr txBox="1"/>
-          <p:nvPr/>
-        </p:nvSpPr>
-        <p:spPr>
-          <a:xfrm>
-            <a:off x="1412513" y="3070900"/>
-            <a:ext cx="4808689" cy="461665"/>
-          </a:xfrm>
-          <a:prstGeom prst="rect">
-            <a:avLst/>
-          </a:prstGeom>
-          <a:noFill/>
-        </p:spPr>
-        <p:txBody>
-          <a:bodyPr wrap="none" rtlCol="0">
-            <a:spAutoFit/>
-          </a:bodyPr>
-          <a:lstStyle/>
-          <a:p>
-            <a:pPr>
+          <a:p>
+            <a:pPr lvl="2" indent="-285750">
+              <a:lnSpc>
+                <a:spcPct val="150000"/>
+              </a:lnSpc>
               <a:spcBef>
                 <a:spcPct val="0"/>
               </a:spcBef>
+              <a:buFont typeface="Arial" panose="020B0604020202020204" pitchFamily="34" charset="0"/>
+              <a:buChar char="•"/>
             </a:pPr>
             <a:r>
-              <a:rPr lang="en-US" sz="2400" dirty="0" smtClean="0">
+              <a:rPr lang="en-US" sz="2000" dirty="0">
                 <a:solidFill>
                   <a:schemeClr val="tx2">
                     <a:lumMod val="90000"/>
@@ -17596,9 +18124,121 @@
                 <a:ea typeface="+mj-ea"/>
                 <a:cs typeface="+mj-cs"/>
               </a:rPr>
-              <a:t>Microsoft Unit Testing Framework</a:t>
-            </a:r>
-            <a:endParaRPr lang="ru-RU" sz="2400" dirty="0">
+              <a:t>e</a:t>
+            </a:r>
+            <a:r>
+              <a:rPr lang="en-US" sz="2000" dirty="0" smtClean="0">
+                <a:solidFill>
+                  <a:schemeClr val="tx2">
+                    <a:lumMod val="90000"/>
+                  </a:schemeClr>
+                </a:solidFill>
+                <a:effectLst>
+                  <a:outerShdw blurRad="38100" dist="38100" dir="2700000" algn="tl">
+                    <a:srgbClr val="000000">
+                      <a:alpha val="43137"/>
+                    </a:srgbClr>
+                  </a:outerShdw>
+                </a:effectLst>
+                <a:latin typeface="+mj-lt"/>
+                <a:ea typeface="+mj-ea"/>
+                <a:cs typeface="+mj-cs"/>
+              </a:rPr>
+              <a:t>ach unit does one concrete task</a:t>
+            </a:r>
+          </a:p>
+          <a:p>
+            <a:pPr lvl="2" indent="-285750">
+              <a:lnSpc>
+                <a:spcPct val="150000"/>
+              </a:lnSpc>
+              <a:spcBef>
+                <a:spcPct val="0"/>
+              </a:spcBef>
+              <a:buFont typeface="Arial" panose="020B0604020202020204" pitchFamily="34" charset="0"/>
+              <a:buChar char="•"/>
+            </a:pPr>
+            <a:r>
+              <a:rPr lang="en-US" sz="2000" dirty="0">
+                <a:solidFill>
+                  <a:schemeClr val="tx2">
+                    <a:lumMod val="90000"/>
+                  </a:schemeClr>
+                </a:solidFill>
+                <a:effectLst>
+                  <a:outerShdw blurRad="38100" dist="38100" dir="2700000" algn="tl">
+                    <a:srgbClr val="000000">
+                      <a:alpha val="43137"/>
+                    </a:srgbClr>
+                  </a:outerShdw>
+                </a:effectLst>
+                <a:latin typeface="+mj-lt"/>
+                <a:ea typeface="+mj-ea"/>
+                <a:cs typeface="+mj-cs"/>
+              </a:rPr>
+              <a:t>l</a:t>
+            </a:r>
+            <a:r>
+              <a:rPr lang="en-US" sz="2000" dirty="0" smtClean="0">
+                <a:solidFill>
+                  <a:schemeClr val="tx2">
+                    <a:lumMod val="90000"/>
+                  </a:schemeClr>
+                </a:solidFill>
+                <a:effectLst>
+                  <a:outerShdw blurRad="38100" dist="38100" dir="2700000" algn="tl">
+                    <a:srgbClr val="000000">
+                      <a:alpha val="43137"/>
+                    </a:srgbClr>
+                  </a:outerShdw>
+                </a:effectLst>
+                <a:latin typeface="+mj-lt"/>
+                <a:ea typeface="+mj-ea"/>
+                <a:cs typeface="+mj-cs"/>
+              </a:rPr>
+              <a:t>oosely </a:t>
+            </a:r>
+            <a:r>
+              <a:rPr lang="en-US" sz="2000" dirty="0">
+                <a:solidFill>
+                  <a:schemeClr val="tx2">
+                    <a:lumMod val="90000"/>
+                  </a:schemeClr>
+                </a:solidFill>
+                <a:effectLst>
+                  <a:outerShdw blurRad="38100" dist="38100" dir="2700000" algn="tl">
+                    <a:srgbClr val="000000">
+                      <a:alpha val="43137"/>
+                    </a:srgbClr>
+                  </a:outerShdw>
+                </a:effectLst>
+                <a:latin typeface="+mj-lt"/>
+                <a:ea typeface="+mj-ea"/>
+                <a:cs typeface="+mj-cs"/>
+              </a:rPr>
+              <a:t>coupled </a:t>
+            </a:r>
+            <a:r>
+              <a:rPr lang="en-US" sz="2000" dirty="0" smtClean="0">
+                <a:solidFill>
+                  <a:schemeClr val="tx2">
+                    <a:lumMod val="90000"/>
+                  </a:schemeClr>
+                </a:solidFill>
+                <a:effectLst>
+                  <a:outerShdw blurRad="38100" dist="38100" dir="2700000" algn="tl">
+                    <a:srgbClr val="000000">
+                      <a:alpha val="43137"/>
+                    </a:srgbClr>
+                  </a:outerShdw>
+                </a:effectLst>
+                <a:latin typeface="+mj-lt"/>
+                <a:ea typeface="+mj-ea"/>
+                <a:cs typeface="+mj-cs"/>
+              </a:rPr>
+              <a:t>units</a:t>
+            </a:r>
+            <a:endParaRPr lang="en-US" sz="2000" dirty="0">
               <a:solidFill>
                 <a:schemeClr val="tx2">
                   <a:lumMod val="90000"/>
@@ -17616,37 +18256,19 @@
               <a:cs typeface="+mj-cs"/>
             </a:endParaRPr>
           </a:p>
-        </p:txBody>
-      </p:sp>
-      <p:sp>
-        <p:nvSpPr>
-          <p:cNvPr id="6" name="TextBox 5"/>
-          <p:cNvSpPr txBox="1"/>
-          <p:nvPr/>
-        </p:nvSpPr>
-        <p:spPr>
-          <a:xfrm>
-            <a:off x="1412513" y="4165680"/>
-            <a:ext cx="917239" cy="461665"/>
-          </a:xfrm>
-          <a:prstGeom prst="rect">
-            <a:avLst/>
-          </a:prstGeom>
-          <a:noFill/>
-        </p:spPr>
-        <p:txBody>
-          <a:bodyPr wrap="none" rtlCol="0">
-            <a:spAutoFit/>
-          </a:bodyPr>
-          <a:lstStyle/>
-          <a:p>
-            <a:pPr>
+          <a:p>
+            <a:pPr indent="-285750">
+              <a:lnSpc>
+                <a:spcPct val="150000"/>
+              </a:lnSpc>
               <a:spcBef>
                 <a:spcPct val="0"/>
               </a:spcBef>
+              <a:buFont typeface="Arial" panose="020B0604020202020204" pitchFamily="34" charset="0"/>
+              <a:buChar char="•"/>
             </a:pPr>
             <a:r>
-              <a:rPr lang="en-US" sz="2400" dirty="0" err="1" smtClean="0">
+              <a:rPr lang="en-US" sz="2000" dirty="0">
                 <a:solidFill>
                   <a:schemeClr val="tx2">
                     <a:lumMod val="90000"/>
@@ -17659,13 +18281,27 @@
                     </a:srgbClr>
                   </a:outerShdw>
                 </a:effectLst>
-                <a:latin typeface="+mj-lt"/>
-                <a:ea typeface="+mj-ea"/>
-                <a:cs typeface="+mj-cs"/>
-              </a:rPr>
-              <a:t>xUnit</a:t>
-            </a:r>
-            <a:endParaRPr lang="ru-RU" sz="2400" dirty="0">
+              </a:rPr>
+              <a:t>Small understandable </a:t>
+            </a:r>
+            <a:r>
+              <a:rPr lang="en-US" sz="2000" dirty="0" smtClean="0">
+                <a:solidFill>
+                  <a:schemeClr val="tx2">
+                    <a:lumMod val="90000"/>
+                  </a:schemeClr>
+                </a:solidFill>
+                <a:effectLst>
+                  <a:outerShdw blurRad="38100" dist="38100" dir="2700000" algn="tl">
+                    <a:srgbClr val="000000">
+                      <a:alpha val="43137"/>
+                    </a:srgbClr>
+                  </a:outerShdw>
+                </a:effectLst>
+              </a:rPr>
+              <a:t>units</a:t>
+            </a:r>
+            <a:endParaRPr lang="en-US" sz="2000" dirty="0" smtClean="0">
               <a:solidFill>
                 <a:schemeClr val="tx2">
                   <a:lumMod val="90000"/>
@@ -17683,198 +18319,146 @@
               <a:cs typeface="+mj-cs"/>
             </a:endParaRPr>
           </a:p>
-        </p:txBody>
-      </p:sp>
-      <p:sp>
-        <p:nvSpPr>
-          <p:cNvPr id="7" name="Прямоугольник 6"/>
-          <p:cNvSpPr/>
-          <p:nvPr/>
-        </p:nvSpPr>
-        <p:spPr>
-          <a:xfrm>
-            <a:off x="1740191" y="2421533"/>
-            <a:ext cx="2598404" cy="369332"/>
-          </a:xfrm>
-          <a:prstGeom prst="rect">
-            <a:avLst/>
-          </a:prstGeom>
-        </p:spPr>
-        <p:txBody>
-          <a:bodyPr wrap="none">
-            <a:spAutoFit/>
-          </a:bodyPr>
-          <a:lstStyle/>
-          <a:p>
-            <a:r>
-              <a:rPr lang="ru-RU" dirty="0">
-                <a:solidFill>
-                  <a:schemeClr val="accent1">
-                    <a:lumMod val="60000"/>
-                    <a:lumOff val="40000"/>
-                  </a:schemeClr>
-                </a:solidFill>
-                <a:effectLst>
-                  <a:outerShdw blurRad="38100" dist="38100" dir="2700000" algn="tl">
-                    <a:srgbClr val="000000">
-                      <a:alpha val="43137"/>
-                    </a:srgbClr>
-                  </a:outerShdw>
-                </a:effectLst>
-              </a:rPr>
-              <a:t>http://www.nunit.org/</a:t>
-            </a:r>
-          </a:p>
-        </p:txBody>
-      </p:sp>
-      <p:sp>
-        <p:nvSpPr>
-          <p:cNvPr id="8" name="Прямоугольник 7"/>
-          <p:cNvSpPr/>
-          <p:nvPr/>
-        </p:nvSpPr>
-        <p:spPr>
-          <a:xfrm>
-            <a:off x="1740191" y="3512543"/>
-            <a:ext cx="6621780" cy="369332"/>
-          </a:xfrm>
-          <a:prstGeom prst="rect">
-            <a:avLst/>
-          </a:prstGeom>
-        </p:spPr>
-        <p:txBody>
-          <a:bodyPr wrap="square">
-            <a:spAutoFit/>
-          </a:bodyPr>
-          <a:lstStyle/>
-          <a:p>
-            <a:r>
-              <a:rPr lang="ru-RU" dirty="0">
-                <a:solidFill>
-                  <a:schemeClr val="accent1">
-                    <a:lumMod val="60000"/>
-                    <a:lumOff val="40000"/>
-                  </a:schemeClr>
-                </a:solidFill>
-                <a:effectLst>
-                  <a:outerShdw blurRad="38100" dist="38100" dir="2700000" algn="tl">
-                    <a:srgbClr val="000000">
-                      <a:alpha val="43137"/>
-                    </a:srgbClr>
-                  </a:outerShdw>
-                </a:effectLst>
-              </a:rPr>
-              <a:t>https://msdn.microsoft.com/en-us/library/ms243147.aspx</a:t>
-            </a:r>
-          </a:p>
-        </p:txBody>
-      </p:sp>
-      <p:sp>
-        <p:nvSpPr>
-          <p:cNvPr id="9" name="Прямоугольник 8"/>
-          <p:cNvSpPr/>
-          <p:nvPr/>
-        </p:nvSpPr>
-        <p:spPr>
-          <a:xfrm>
-            <a:off x="1740191" y="4627345"/>
-            <a:ext cx="6621780" cy="369332"/>
-          </a:xfrm>
-          <a:prstGeom prst="rect">
-            <a:avLst/>
-          </a:prstGeom>
-        </p:spPr>
-        <p:txBody>
-          <a:bodyPr wrap="square">
-            <a:spAutoFit/>
-          </a:bodyPr>
-          <a:lstStyle/>
-          <a:p>
-            <a:r>
-              <a:rPr lang="en-US" dirty="0">
-                <a:solidFill>
-                  <a:schemeClr val="accent1">
-                    <a:lumMod val="60000"/>
-                    <a:lumOff val="40000"/>
-                  </a:schemeClr>
-                </a:solidFill>
-                <a:effectLst>
-                  <a:outerShdw blurRad="38100" dist="38100" dir="2700000" algn="tl">
-                    <a:srgbClr val="000000">
-                      <a:alpha val="43137"/>
-                    </a:srgbClr>
-                  </a:outerShdw>
-                </a:effectLst>
-              </a:rPr>
-              <a:t>http://xunit.github.io/</a:t>
-            </a:r>
-            <a:endParaRPr lang="ru-RU" dirty="0">
-              <a:solidFill>
-                <a:schemeClr val="accent1">
-                  <a:lumMod val="60000"/>
-                  <a:lumOff val="40000"/>
-                </a:schemeClr>
-              </a:solidFill>
-              <a:effectLst>
-                <a:outerShdw blurRad="38100" dist="38100" dir="2700000" algn="tl">
-                  <a:srgbClr val="000000">
-                    <a:alpha val="43137"/>
-                  </a:srgbClr>
-                </a:outerShdw>
-              </a:effectLst>
-            </a:endParaRPr>
-          </a:p>
-        </p:txBody>
-      </p:sp>
-      <p:sp>
-        <p:nvSpPr>
-          <p:cNvPr id="3" name="Номер слайда 2"/>
-          <p:cNvSpPr>
-            <a:spLocks noGrp="1"/>
-          </p:cNvSpPr>
-          <p:nvPr>
-            <p:ph type="sldNum" sz="quarter" idx="12"/>
-          </p:nvPr>
-        </p:nvSpPr>
-        <p:spPr/>
-        <p:txBody>
-          <a:bodyPr/>
-          <a:lstStyle/>
-          <a:p>
-            <a:fld id="{D57F1E4F-1CFF-5643-939E-217C01CDF565}" type="slidenum">
-              <a:rPr lang="en-US" smtClean="0"/>
-              <a:pPr/>
-              <a:t>9</a:t>
-            </a:fld>
-            <a:endParaRPr lang="en-US" dirty="0"/>
+          <a:p>
+            <a:pPr indent="-285750">
+              <a:lnSpc>
+                <a:spcPct val="150000"/>
+              </a:lnSpc>
+              <a:spcBef>
+                <a:spcPct val="0"/>
+              </a:spcBef>
+              <a:buFont typeface="Arial" panose="020B0604020202020204" pitchFamily="34" charset="0"/>
+              <a:buChar char="•"/>
+            </a:pPr>
+            <a:r>
+              <a:rPr lang="en-US" sz="2000" dirty="0" smtClean="0">
+                <a:solidFill>
+                  <a:schemeClr val="tx2">
+                    <a:lumMod val="90000"/>
+                  </a:schemeClr>
+                </a:solidFill>
+                <a:effectLst>
+                  <a:outerShdw blurRad="38100" dist="38100" dir="2700000" algn="tl">
+                    <a:srgbClr val="000000">
+                      <a:alpha val="43137"/>
+                    </a:srgbClr>
+                  </a:outerShdw>
+                </a:effectLst>
+                <a:latin typeface="+mj-lt"/>
+                <a:ea typeface="+mj-ea"/>
+                <a:cs typeface="+mj-cs"/>
+              </a:rPr>
+              <a:t>Dependency Injection (DI) pattern</a:t>
+            </a:r>
+          </a:p>
+          <a:p>
+            <a:pPr indent="-285750">
+              <a:lnSpc>
+                <a:spcPct val="150000"/>
+              </a:lnSpc>
+              <a:spcBef>
+                <a:spcPct val="0"/>
+              </a:spcBef>
+              <a:buFont typeface="Arial" panose="020B0604020202020204" pitchFamily="34" charset="0"/>
+              <a:buChar char="•"/>
+            </a:pPr>
+            <a:r>
+              <a:rPr lang="en-US" sz="2000" dirty="0" smtClean="0">
+                <a:solidFill>
+                  <a:schemeClr val="tx2">
+                    <a:lumMod val="90000"/>
+                  </a:schemeClr>
+                </a:solidFill>
+                <a:effectLst>
+                  <a:outerShdw blurRad="38100" dist="38100" dir="2700000" algn="tl">
+                    <a:srgbClr val="000000">
+                      <a:alpha val="43137"/>
+                    </a:srgbClr>
+                  </a:outerShdw>
+                </a:effectLst>
+                <a:latin typeface="+mj-lt"/>
+                <a:ea typeface="+mj-ea"/>
+                <a:cs typeface="+mj-cs"/>
+              </a:rPr>
+              <a:t>Only few dependencies</a:t>
+            </a:r>
+          </a:p>
+          <a:p>
+            <a:pPr indent="-285750">
+              <a:lnSpc>
+                <a:spcPct val="150000"/>
+              </a:lnSpc>
+              <a:spcBef>
+                <a:spcPct val="0"/>
+              </a:spcBef>
+              <a:buFont typeface="Arial" panose="020B0604020202020204" pitchFamily="34" charset="0"/>
+              <a:buChar char="•"/>
+            </a:pPr>
+            <a:r>
+              <a:rPr lang="en-US" sz="2000" dirty="0" smtClean="0">
+                <a:solidFill>
+                  <a:schemeClr val="tx2">
+                    <a:lumMod val="90000"/>
+                  </a:schemeClr>
+                </a:solidFill>
+                <a:effectLst>
+                  <a:outerShdw blurRad="38100" dist="38100" dir="2700000" algn="tl">
+                    <a:srgbClr val="000000">
+                      <a:alpha val="43137"/>
+                    </a:srgbClr>
+                  </a:outerShdw>
+                </a:effectLst>
+                <a:latin typeface="+mj-lt"/>
+                <a:ea typeface="+mj-ea"/>
+                <a:cs typeface="+mj-cs"/>
+              </a:rPr>
+              <a:t>Logic is separated from the data resources</a:t>
+            </a:r>
+          </a:p>
+          <a:p>
+            <a:pPr indent="-285750">
+              <a:lnSpc>
+                <a:spcPct val="150000"/>
+              </a:lnSpc>
+              <a:spcBef>
+                <a:spcPct val="0"/>
+              </a:spcBef>
+              <a:buFont typeface="Arial" panose="020B0604020202020204" pitchFamily="34" charset="0"/>
+              <a:buChar char="•"/>
+            </a:pPr>
+            <a:r>
+              <a:rPr lang="en-US" sz="2000" dirty="0" smtClean="0">
+                <a:solidFill>
+                  <a:schemeClr val="tx2">
+                    <a:lumMod val="90000"/>
+                  </a:schemeClr>
+                </a:solidFill>
+                <a:effectLst>
+                  <a:outerShdw blurRad="38100" dist="38100" dir="2700000" algn="tl">
+                    <a:srgbClr val="000000">
+                      <a:alpha val="43137"/>
+                    </a:srgbClr>
+                  </a:outerShdw>
+                </a:effectLst>
+                <a:latin typeface="+mj-lt"/>
+                <a:ea typeface="+mj-ea"/>
+                <a:cs typeface="+mj-cs"/>
+              </a:rPr>
+              <a:t>Interfaces</a:t>
+            </a:r>
           </a:p>
         </p:txBody>
       </p:sp>
     </p:spTree>
     <p:extLst>
       <p:ext uri="{BB962C8B-B14F-4D97-AF65-F5344CB8AC3E}">
-        <p14:creationId xmlns:p14="http://schemas.microsoft.com/office/powerpoint/2010/main" val="1173864650"/>
+        <p14:creationId xmlns:p14="http://schemas.microsoft.com/office/powerpoint/2010/main" val="150197300"/>
       </p:ext>
     </p:extLst>
   </p:cSld>
   <p:clrMapOvr>
     <a:masterClrMapping/>
   </p:clrMapOvr>
-  <mc:AlternateContent xmlns:mc="http://schemas.openxmlformats.org/markup-compatibility/2006" xmlns:p14="http://schemas.microsoft.com/office/powerpoint/2010/main">
-    <mc:Choice Requires="p14">
-      <p:transition spd="slow" p14:dur="2000"/>
-    </mc:Choice>
-    <mc:Fallback xmlns="">
-      <p:transition spd="slow"/>
-    </mc:Fallback>
-  </mc:AlternateContent>
-  <p:timing>
-    <p:tnLst>
-      <p:par>
-        <p:cTn id="1" dur="indefinite" restart="never" nodeType="tmRoot"/>
-      </p:par>
-    </p:tnLst>
-  </p:timing>
 </p:sld>
 </file>
 
